--- a/presentation/Flo.pptx
+++ b/presentation/Flo.pptx
@@ -7,7 +7,7 @@
     <p:sldMasterId id="2147483667" r:id="rId3"/>
   </p:sldMasterIdLst>
   <p:notesMasterIdLst>
-    <p:notesMasterId r:id="rId20"/>
+    <p:notesMasterId r:id="rId22"/>
   </p:notesMasterIdLst>
   <p:sldIdLst>
     <p:sldId id="256" r:id="rId4"/>
@@ -19,13 +19,15 @@
     <p:sldId id="267" r:id="rId10"/>
     <p:sldId id="273" r:id="rId11"/>
     <p:sldId id="274" r:id="rId12"/>
-    <p:sldId id="275" r:id="rId13"/>
-    <p:sldId id="276" r:id="rId14"/>
-    <p:sldId id="268" r:id="rId15"/>
-    <p:sldId id="277" r:id="rId16"/>
-    <p:sldId id="270" r:id="rId17"/>
-    <p:sldId id="278" r:id="rId18"/>
-    <p:sldId id="269" r:id="rId19"/>
+    <p:sldId id="279" r:id="rId13"/>
+    <p:sldId id="275" r:id="rId14"/>
+    <p:sldId id="280" r:id="rId15"/>
+    <p:sldId id="276" r:id="rId16"/>
+    <p:sldId id="268" r:id="rId17"/>
+    <p:sldId id="277" r:id="rId18"/>
+    <p:sldId id="270" r:id="rId19"/>
+    <p:sldId id="278" r:id="rId20"/>
+    <p:sldId id="269" r:id="rId21"/>
   </p:sldIdLst>
   <p:sldSz cx="9144000" cy="6858000" type="screen4x3"/>
   <p:notesSz cx="6858000" cy="9144000"/>
@@ -1166,7 +1168,7 @@
             <a:fld id="{07914D93-ABC8-448C-8296-85FD12164B61}" type="slidenum">
               <a:rPr lang="de-DE" altLang="de-DE" smtClean="0"/>
               <a:pPr/>
-              <a:t>11</a:t>
+              <a:t>13</a:t>
             </a:fld>
             <a:endParaRPr lang="de-DE" altLang="de-DE"/>
           </a:p>
@@ -5562,7 +5564,7 @@
           <a:p>
             <a:r>
               <a:rPr lang="de-AT" dirty="0" smtClean="0"/>
-              <a:t>Structured features: Tree</a:t>
+              <a:t>Structured features: Group</a:t>
             </a:r>
             <a:endParaRPr lang="de-AT" dirty="0"/>
           </a:p>
@@ -5679,23 +5681,42 @@
           <a:p>
             <a:endParaRPr lang="en-US" dirty="0" smtClean="0"/>
           </a:p>
-          <a:p>
-            <a:pPr algn="r"/>
-            <a:r>
-              <a:rPr lang="en-US" dirty="0" smtClean="0"/>
-              <a:t>e.g</a:t>
-            </a:r>
-            <a:r>
-              <a:rPr lang="en-US" dirty="0"/>
-              <a:t>. tree structured group Lasso</a:t>
-            </a:r>
-          </a:p>
-        </p:txBody>
-      </p:sp>
+        </p:txBody>
+      </p:sp>
+      <p:pic>
+        <p:nvPicPr>
+          <p:cNvPr id="8" name="Picture 7"/>
+          <p:cNvPicPr>
+            <a:picLocks noChangeAspect="1"/>
+          </p:cNvPicPr>
+          <p:nvPr/>
+        </p:nvPicPr>
+        <p:blipFill>
+          <a:blip r:embed="rId2">
+            <a:extLst>
+              <a:ext uri="{28A0092B-C50C-407E-A947-70E740481C1C}">
+                <a14:useLocalDpi xmlns:a14="http://schemas.microsoft.com/office/drawing/2010/main" val="0"/>
+              </a:ext>
+            </a:extLst>
+          </a:blip>
+          <a:stretch>
+            <a:fillRect/>
+          </a:stretch>
+        </p:blipFill>
+        <p:spPr>
+          <a:xfrm>
+            <a:off x="683568" y="2204864"/>
+            <a:ext cx="7452320" cy="3193851"/>
+          </a:xfrm>
+          <a:prstGeom prst="rect">
+            <a:avLst/>
+          </a:prstGeom>
+        </p:spPr>
+      </p:pic>
     </p:spTree>
     <p:extLst>
       <p:ext uri="{BB962C8B-B14F-4D97-AF65-F5344CB8AC3E}">
-        <p14:creationId xmlns:p14="http://schemas.microsoft.com/office/powerpoint/2010/main" val="1983201118"/>
+        <p14:creationId xmlns:p14="http://schemas.microsoft.com/office/powerpoint/2010/main" val="831775564"/>
       </p:ext>
     </p:extLst>
   </p:cSld>
@@ -5739,7 +5760,7 @@
           <a:p>
             <a:r>
               <a:rPr lang="de-AT" dirty="0" smtClean="0"/>
-              <a:t>Structured features: Graph</a:t>
+              <a:t>Structured features: Tree</a:t>
             </a:r>
             <a:endParaRPr lang="de-AT" dirty="0"/>
           </a:p>
@@ -5860,16 +5881,19 @@
             <a:pPr algn="r"/>
             <a:r>
               <a:rPr lang="en-US" dirty="0" smtClean="0"/>
-              <a:t>e.g. Laplacian Lasso</a:t>
-            </a:r>
-            <a:endParaRPr lang="en-US" dirty="0"/>
+              <a:t>e.g</a:t>
+            </a:r>
+            <a:r>
+              <a:rPr lang="en-US" dirty="0"/>
+              <a:t>. tree structured group Lasso</a:t>
+            </a:r>
           </a:p>
         </p:txBody>
       </p:sp>
     </p:spTree>
     <p:extLst>
       <p:ext uri="{BB962C8B-B14F-4D97-AF65-F5344CB8AC3E}">
-        <p14:creationId xmlns:p14="http://schemas.microsoft.com/office/powerpoint/2010/main" val="2907929515"/>
+        <p14:creationId xmlns:p14="http://schemas.microsoft.com/office/powerpoint/2010/main" val="1983201118"/>
       </p:ext>
     </p:extLst>
   </p:cSld>
@@ -5912,81 +5936,8 @@
           <a:lstStyle/>
           <a:p>
             <a:r>
-              <a:rPr lang="de-AT" dirty="0" err="1" smtClean="0"/>
-              <a:t>Applications</a:t>
-            </a:r>
-            <a:endParaRPr lang="de-AT" dirty="0"/>
-          </a:p>
-        </p:txBody>
-      </p:sp>
-      <p:sp>
-        <p:nvSpPr>
-          <p:cNvPr id="6" name="Inhaltsplatzhalter 5"/>
-          <p:cNvSpPr>
-            <a:spLocks noGrp="1"/>
-          </p:cNvSpPr>
-          <p:nvPr>
-            <p:ph idx="1"/>
-          </p:nvPr>
-        </p:nvSpPr>
-        <p:spPr/>
-        <p:txBody>
-          <a:bodyPr/>
-          <a:lstStyle/>
-          <a:p>
-            <a:pPr>
-              <a:buFont typeface="Arial" panose="020B0604020202020204" pitchFamily="34" charset="0"/>
-              <a:buChar char="•"/>
-            </a:pPr>
-            <a:r>
               <a:rPr lang="de-AT" dirty="0" smtClean="0"/>
-              <a:t>Classification / </a:t>
-            </a:r>
-            <a:r>
-              <a:rPr lang="de-AT" dirty="0"/>
-              <a:t>pattern </a:t>
-            </a:r>
-            <a:r>
-              <a:rPr lang="de-AT" dirty="0" smtClean="0"/>
-              <a:t>recognition</a:t>
-            </a:r>
-          </a:p>
-          <a:p>
-            <a:pPr>
-              <a:buFont typeface="Arial" panose="020B0604020202020204" pitchFamily="34" charset="0"/>
-              <a:buChar char="•"/>
-            </a:pPr>
-            <a:endParaRPr lang="de-AT" dirty="0"/>
-          </a:p>
-          <a:p>
-            <a:pPr>
-              <a:buFont typeface="Arial" panose="020B0604020202020204" pitchFamily="34" charset="0"/>
-              <a:buChar char="•"/>
-            </a:pPr>
-            <a:r>
-              <a:rPr lang="de-AT" dirty="0"/>
-              <a:t>Data </a:t>
-            </a:r>
-            <a:r>
-              <a:rPr lang="de-AT" dirty="0" smtClean="0"/>
-              <a:t>representation</a:t>
-            </a:r>
-          </a:p>
-          <a:p>
-            <a:pPr>
-              <a:buFont typeface="Arial" panose="020B0604020202020204" pitchFamily="34" charset="0"/>
-              <a:buChar char="•"/>
-            </a:pPr>
-            <a:endParaRPr lang="de-AT" dirty="0"/>
-          </a:p>
-          <a:p>
-            <a:pPr>
-              <a:buFont typeface="Arial" panose="020B0604020202020204" pitchFamily="34" charset="0"/>
-              <a:buChar char="•"/>
-            </a:pPr>
-            <a:r>
-              <a:rPr lang="de-AT" dirty="0" err="1"/>
-              <a:t>Prediction</a:t>
+              <a:t>Structured features: Tree</a:t>
             </a:r>
             <a:endParaRPr lang="de-AT" dirty="0"/>
           </a:p>
@@ -6010,7 +5961,7 @@
             <a:pPr>
               <a:defRPr/>
             </a:pPr>
-            <a:fld id="{908BDE4A-9991-4FD0-90A7-2A1AC2958297}" type="datetime1">
+            <a:fld id="{E3EF207F-073F-41B4-A8D0-129C1C351EF1}" type="datetime1">
               <a:rPr lang="de-AT" smtClean="0"/>
               <a:t>25.01.2016</a:t>
             </a:fld>
@@ -6068,10 +6019,77 @@
           </a:p>
         </p:txBody>
       </p:sp>
+      <p:sp>
+        <p:nvSpPr>
+          <p:cNvPr id="7" name="Content Placeholder 6"/>
+          <p:cNvSpPr>
+            <a:spLocks noGrp="1"/>
+          </p:cNvSpPr>
+          <p:nvPr>
+            <p:ph idx="1"/>
+          </p:nvPr>
+        </p:nvSpPr>
+        <p:spPr/>
+        <p:txBody>
+          <a:bodyPr/>
+          <a:lstStyle/>
+          <a:p>
+            <a:endParaRPr lang="en-US" dirty="0" smtClean="0"/>
+          </a:p>
+          <a:p>
+            <a:endParaRPr lang="en-US" dirty="0"/>
+          </a:p>
+          <a:p>
+            <a:endParaRPr lang="en-US" dirty="0" smtClean="0"/>
+          </a:p>
+          <a:p>
+            <a:endParaRPr lang="en-US" dirty="0"/>
+          </a:p>
+          <a:p>
+            <a:endParaRPr lang="en-US" dirty="0" smtClean="0"/>
+          </a:p>
+          <a:p>
+            <a:endParaRPr lang="en-US" dirty="0"/>
+          </a:p>
+          <a:p>
+            <a:endParaRPr lang="en-US" dirty="0" smtClean="0"/>
+          </a:p>
+        </p:txBody>
+      </p:sp>
+      <p:pic>
+        <p:nvPicPr>
+          <p:cNvPr id="6" name="Picture 5"/>
+          <p:cNvPicPr>
+            <a:picLocks noChangeAspect="1"/>
+          </p:cNvPicPr>
+          <p:nvPr/>
+        </p:nvPicPr>
+        <p:blipFill>
+          <a:blip r:embed="rId2" cstate="print">
+            <a:extLst>
+              <a:ext uri="{28A0092B-C50C-407E-A947-70E740481C1C}">
+                <a14:useLocalDpi xmlns:a14="http://schemas.microsoft.com/office/drawing/2010/main" val="0"/>
+              </a:ext>
+            </a:extLst>
+          </a:blip>
+          <a:stretch>
+            <a:fillRect/>
+          </a:stretch>
+        </p:blipFill>
+        <p:spPr>
+          <a:xfrm>
+            <a:off x="1539050" y="2121847"/>
+            <a:ext cx="5697246" cy="4119410"/>
+          </a:xfrm>
+          <a:prstGeom prst="rect">
+            <a:avLst/>
+          </a:prstGeom>
+        </p:spPr>
+      </p:pic>
     </p:spTree>
     <p:extLst>
       <p:ext uri="{BB962C8B-B14F-4D97-AF65-F5344CB8AC3E}">
-        <p14:creationId xmlns:p14="http://schemas.microsoft.com/office/powerpoint/2010/main" val="4227374127"/>
+        <p14:creationId xmlns:p14="http://schemas.microsoft.com/office/powerpoint/2010/main" val="3027901467"/>
       </p:ext>
     </p:extLst>
   </p:cSld>
@@ -6114,178 +6132,10 @@
           <a:lstStyle/>
           <a:p>
             <a:r>
-              <a:rPr lang="de-AT" dirty="0" err="1" smtClean="0"/>
-              <a:t>Literature</a:t>
+              <a:rPr lang="de-AT" dirty="0" smtClean="0"/>
+              <a:t>Structured features: Graph</a:t>
             </a:r>
             <a:endParaRPr lang="de-AT" dirty="0"/>
-          </a:p>
-        </p:txBody>
-      </p:sp>
-      <p:sp>
-        <p:nvSpPr>
-          <p:cNvPr id="6" name="Inhaltsplatzhalter 5"/>
-          <p:cNvSpPr>
-            <a:spLocks noGrp="1"/>
-          </p:cNvSpPr>
-          <p:nvPr>
-            <p:ph idx="1"/>
-          </p:nvPr>
-        </p:nvSpPr>
-        <p:spPr>
-          <a:xfrm>
-            <a:off x="857224" y="1988840"/>
-            <a:ext cx="7429552" cy="4137323"/>
-          </a:xfrm>
-        </p:spPr>
-        <p:txBody>
-          <a:bodyPr/>
-          <a:lstStyle/>
-          <a:p>
-            <a:r>
-              <a:rPr lang="de-AT" sz="1100" dirty="0"/>
-              <a:t>B RANK , J., G ROBELNIK , M., M ILIC -F RAYLING , N., AND M LADENIC , D. 2002. Feature selection using linear support vector machines.</a:t>
-            </a:r>
-          </a:p>
-          <a:p>
-            <a:r>
-              <a:rPr lang="de-AT" sz="1100" dirty="0" smtClean="0"/>
-              <a:t>E </a:t>
-            </a:r>
-            <a:r>
-              <a:rPr lang="de-AT" sz="1100" dirty="0"/>
-              <a:t>PPSTEIN , M., AND H AAKE , P. 2008. Very large scale relieff for genome-wide association analysis. In Computational Intelligence </a:t>
-            </a:r>
-            <a:r>
-              <a:rPr lang="de-AT" sz="1100" dirty="0" smtClean="0"/>
-              <a:t>in Bioinformatics </a:t>
-            </a:r>
-            <a:r>
-              <a:rPr lang="de-AT" sz="1100" dirty="0"/>
-              <a:t>and Computational Biology, 2008. </a:t>
-            </a:r>
-            <a:endParaRPr lang="de-AT" sz="1100" dirty="0" smtClean="0"/>
-          </a:p>
-          <a:p>
-            <a:r>
-              <a:rPr lang="de-AT" sz="1100" dirty="0" smtClean="0"/>
-              <a:t>F </a:t>
-            </a:r>
-            <a:r>
-              <a:rPr lang="de-AT" sz="1100" dirty="0"/>
-              <a:t>ROHLICH , H., C HAPELLE , O., AND S CHOLKOPF , B. 2003. Feature selection for support vector machines by means of genetic algorithm</a:t>
-            </a:r>
-            <a:r>
-              <a:rPr lang="de-AT" sz="1100" dirty="0" smtClean="0"/>
-              <a:t>. In </a:t>
-            </a:r>
-            <a:r>
-              <a:rPr lang="de-AT" sz="1100" dirty="0"/>
-              <a:t>Tools with Artificial Intelligence, 2003. </a:t>
-            </a:r>
-            <a:endParaRPr lang="de-AT" sz="1100" dirty="0" smtClean="0"/>
-          </a:p>
-          <a:p>
-            <a:r>
-              <a:rPr lang="de-AT" sz="1100" dirty="0" smtClean="0"/>
-              <a:t>H </a:t>
-            </a:r>
-            <a:r>
-              <a:rPr lang="de-AT" sz="1100" dirty="0"/>
-              <a:t>OLLAND , J. H. 1992. Adaptation in Natural and Artificial Systems: An Introductory Analysis with Applications to Biology, Control </a:t>
-            </a:r>
-            <a:r>
-              <a:rPr lang="de-AT" sz="1100" dirty="0" smtClean="0"/>
-              <a:t>and Artificial </a:t>
-            </a:r>
-            <a:r>
-              <a:rPr lang="de-AT" sz="1100" dirty="0"/>
-              <a:t>Intelligence. MIT Press, Cambridge, MA, USA.</a:t>
-            </a:r>
-          </a:p>
-          <a:p>
-            <a:r>
-              <a:rPr lang="de-AT" sz="1100" dirty="0"/>
-              <a:t>H UANG , J., H OROWITZ , J. L., AND M A , S. 2008. Asymptotic properties of bridge estimators in sparse high-dimensional regression models</a:t>
-            </a:r>
-            <a:r>
-              <a:rPr lang="de-AT" sz="1100" dirty="0" smtClean="0"/>
-              <a:t>. The </a:t>
-            </a:r>
-            <a:r>
-              <a:rPr lang="de-AT" sz="1100" dirty="0"/>
-              <a:t>Annals of Statistics, 587–613.</a:t>
-            </a:r>
-          </a:p>
-          <a:p>
-            <a:r>
-              <a:rPr lang="de-AT" sz="1100" dirty="0"/>
-              <a:t>J ACOB , L., O BOZINSKI , G., AND V ERT , J.-P. 2009. Group lasso with overlap and graph lasso. In Proceedings of the 26th </a:t>
-            </a:r>
-            <a:r>
-              <a:rPr lang="de-AT" sz="1100" dirty="0" smtClean="0"/>
-              <a:t>annual international </a:t>
-            </a:r>
-            <a:r>
-              <a:rPr lang="de-AT" sz="1100" dirty="0"/>
-              <a:t>conference on machine learning, ACM, 433–440.</a:t>
-            </a:r>
-          </a:p>
-          <a:p>
-            <a:r>
-              <a:rPr lang="de-AT" sz="1100" dirty="0"/>
-              <a:t>J ENATTON , R., M AIRAL , J., B ACH , F. R., AND O BOZINSKI , G. R. 2010. Proximal methods for sparse hierarchical dictionary learning. </a:t>
-            </a:r>
-            <a:r>
-              <a:rPr lang="de-AT" sz="1100" dirty="0" smtClean="0"/>
-              <a:t>In Proceedings </a:t>
-            </a:r>
-            <a:r>
-              <a:rPr lang="de-AT" sz="1100" dirty="0"/>
-              <a:t>of the 27th International Conference on Machine Learning (ICML-10), 487–494.</a:t>
-            </a:r>
-          </a:p>
-          <a:p>
-            <a:r>
-              <a:rPr lang="de-AT" sz="1100" dirty="0"/>
-              <a:t>J IN , X., L I , R., S HEN , X., AND B IE , R. 2007. Automatic web pages categorization with relieff and hidden naive bayes. In Proceedings </a:t>
-            </a:r>
-            <a:r>
-              <a:rPr lang="de-AT" sz="1100" dirty="0" smtClean="0"/>
-              <a:t>of the </a:t>
-            </a:r>
-            <a:r>
-              <a:rPr lang="de-AT" sz="1100" dirty="0"/>
-              <a:t>2007 ACM Symposium on Applied Computing, ACM, New York, NY, USA, SAC ’07, 617–621.</a:t>
-            </a:r>
-          </a:p>
-          <a:p>
-            <a:r>
-              <a:rPr lang="de-AT" sz="1100" dirty="0"/>
-              <a:t>K IM , S., AND X ING , E. P. 2010. Tree-guided group lasso for multi-task regression with structured sparsity.</a:t>
-            </a:r>
-          </a:p>
-          <a:p>
-            <a:r>
-              <a:rPr lang="de-AT" sz="1100" dirty="0"/>
-              <a:t>K IRA , K., AND R ENDELL , L. A. 1992. The feature selection problem: Traditional methods and a new algorithm. In Proceedings of the</a:t>
-            </a:r>
-          </a:p>
-          <a:p>
-            <a:r>
-              <a:rPr lang="de-AT" sz="1100" dirty="0"/>
-              <a:t>Tenth National Conference on Artificial Intelligence, AAAI Press, AAAI’92, 129–134.</a:t>
-            </a:r>
-          </a:p>
-          <a:p>
-            <a:r>
-              <a:rPr lang="de-AT" sz="1100" dirty="0"/>
-              <a:t>K NIGHT , K., AND F U , W. 2000. Asymptotics for lasso-type estimators. Annals of statistics, 1356–1378</a:t>
-            </a:r>
-            <a:r>
-              <a:rPr lang="de-AT" sz="1100" dirty="0" smtClean="0"/>
-              <a:t>.</a:t>
-            </a:r>
-            <a:endParaRPr lang="de-AT" sz="1100" dirty="0"/>
           </a:p>
         </p:txBody>
       </p:sp>
@@ -6307,7 +6157,7 @@
             <a:pPr>
               <a:defRPr/>
             </a:pPr>
-            <a:fld id="{F9ECDA19-35E9-44D8-ABD2-5D6049D7FF67}" type="datetime1">
+            <a:fld id="{E3EF207F-073F-41B4-A8D0-129C1C351EF1}" type="datetime1">
               <a:rPr lang="de-AT" smtClean="0"/>
               <a:t>25.01.2016</a:t>
             </a:fld>
@@ -6365,10 +6215,115 @@
           </a:p>
         </p:txBody>
       </p:sp>
+      <p:sp>
+        <p:nvSpPr>
+          <p:cNvPr id="7" name="Content Placeholder 6"/>
+          <p:cNvSpPr>
+            <a:spLocks noGrp="1"/>
+          </p:cNvSpPr>
+          <p:nvPr>
+            <p:ph idx="1"/>
+          </p:nvPr>
+        </p:nvSpPr>
+        <p:spPr/>
+        <p:txBody>
+          <a:bodyPr/>
+          <a:lstStyle/>
+          <a:p>
+            <a:pPr>
+              <a:buFont typeface="Arial" panose="020B0604020202020204" pitchFamily="34" charset="0"/>
+              <a:buChar char="•"/>
+            </a:pPr>
+            <a:r>
+              <a:rPr lang="en-US" dirty="0" smtClean="0"/>
+              <a:t>Related features form </a:t>
+            </a:r>
+          </a:p>
+          <a:p>
+            <a:pPr marL="0" indent="0"/>
+            <a:r>
+              <a:rPr lang="en-US" dirty="0" smtClean="0"/>
+              <a:t>	a graph</a:t>
+            </a:r>
+          </a:p>
+          <a:p>
+            <a:pPr marL="0" indent="0"/>
+            <a:endParaRPr lang="en-US" dirty="0"/>
+          </a:p>
+          <a:p>
+            <a:pPr>
+              <a:buFont typeface="Arial" panose="020B0604020202020204" pitchFamily="34" charset="0"/>
+              <a:buChar char="•"/>
+            </a:pPr>
+            <a:r>
+              <a:rPr lang="en-US" dirty="0" smtClean="0"/>
+              <a:t>Likely to accept/</a:t>
+            </a:r>
+          </a:p>
+          <a:p>
+            <a:pPr marL="0" indent="0"/>
+            <a:r>
+              <a:rPr lang="en-US" dirty="0"/>
+              <a:t>	</a:t>
+            </a:r>
+            <a:r>
+              <a:rPr lang="en-US" dirty="0" smtClean="0"/>
+              <a:t>discard connected-</a:t>
+            </a:r>
+          </a:p>
+          <a:p>
+            <a:pPr marL="0" indent="0"/>
+            <a:r>
+              <a:rPr lang="en-US" dirty="0"/>
+              <a:t>	</a:t>
+            </a:r>
+            <a:r>
+              <a:rPr lang="en-US" dirty="0" smtClean="0"/>
+              <a:t>components at once</a:t>
+            </a:r>
+            <a:endParaRPr lang="en-US" dirty="0"/>
+          </a:p>
+          <a:p>
+            <a:endParaRPr lang="en-US" dirty="0" smtClean="0"/>
+          </a:p>
+          <a:p>
+            <a:pPr algn="r"/>
+            <a:r>
+              <a:rPr lang="en-US" dirty="0" smtClean="0"/>
+              <a:t>e.g. Graph Lasso</a:t>
+            </a:r>
+            <a:endParaRPr lang="en-US" dirty="0"/>
+          </a:p>
+        </p:txBody>
+      </p:sp>
+      <p:pic>
+        <p:nvPicPr>
+          <p:cNvPr id="6" name="Picture 5"/>
+          <p:cNvPicPr>
+            <a:picLocks noChangeAspect="1"/>
+          </p:cNvPicPr>
+          <p:nvPr/>
+        </p:nvPicPr>
+        <p:blipFill>
+          <a:blip r:embed="rId3"/>
+          <a:stretch>
+            <a:fillRect/>
+          </a:stretch>
+        </p:blipFill>
+        <p:spPr>
+          <a:xfrm>
+            <a:off x="4860032" y="2132856"/>
+            <a:ext cx="3312368" cy="3240525"/>
+          </a:xfrm>
+          <a:prstGeom prst="rect">
+            <a:avLst/>
+          </a:prstGeom>
+        </p:spPr>
+      </p:pic>
     </p:spTree>
     <p:extLst>
       <p:ext uri="{BB962C8B-B14F-4D97-AF65-F5344CB8AC3E}">
-        <p14:creationId xmlns:p14="http://schemas.microsoft.com/office/powerpoint/2010/main" val="1723249046"/>
+        <p14:creationId xmlns:p14="http://schemas.microsoft.com/office/powerpoint/2010/main" val="2907929515"/>
       </p:ext>
     </p:extLst>
   </p:cSld>
@@ -6412,7 +6367,7 @@
           <a:p>
             <a:r>
               <a:rPr lang="de-AT" dirty="0" err="1" smtClean="0"/>
-              <a:t>Literature</a:t>
+              <a:t>Applications</a:t>
             </a:r>
             <a:endParaRPr lang="de-AT" dirty="0"/>
           </a:p>
@@ -6428,81 +6383,66 @@
             <p:ph idx="1"/>
           </p:nvPr>
         </p:nvSpPr>
-        <p:spPr>
-          <a:xfrm>
-            <a:off x="857224" y="1988840"/>
-            <a:ext cx="7429552" cy="4137323"/>
-          </a:xfrm>
-        </p:spPr>
+        <p:spPr/>
         <p:txBody>
           <a:bodyPr/>
           <a:lstStyle/>
           <a:p>
-            <a:r>
-              <a:rPr lang="de-AT" sz="1100" dirty="0" smtClean="0"/>
-              <a:t>K OHAVI , R., AND J OHN , G. H. 1997. Wrappers for feature subset selection. ARTIFICIAL INTELLIGENCE 97, 1, 273–324.</a:t>
-            </a:r>
-          </a:p>
-          <a:p>
-            <a:r>
-              <a:rPr lang="de-AT" sz="1100" dirty="0" smtClean="0"/>
-              <a:t>K ONONENKO , I., S IMEC , E., AND R OBNIK - ˇ S IKONJA , M. 1997. Overcoming the myopia of inductive learning algorithms with relieff. Applied Intelligence 7, 1 (Jan.), 39–55.</a:t>
-            </a:r>
-          </a:p>
-          <a:p>
-            <a:r>
-              <a:rPr lang="de-AT" sz="1100" dirty="0" smtClean="0"/>
-              <a:t>K UDO , M., AND S KLANSKY , J. 2000. Comparison of algorithms that select features for pattern classifiers. Pattern Recognition 33, 1, 25 – 41.</a:t>
-            </a:r>
-          </a:p>
-          <a:p>
-            <a:r>
-              <a:rPr lang="de-AT" sz="1100" dirty="0" smtClean="0"/>
-              <a:t>L EE , L IU , L. W. 2015. Very large scale relieff algorithm on gpu for genome-wide association study. 78 – 84.</a:t>
-            </a:r>
-          </a:p>
-          <a:p>
-            <a:r>
-              <a:rPr lang="de-AT" sz="1100" dirty="0" smtClean="0"/>
-              <a:t>L IU , J., AND Y E , J. 2010. Moreau-yosida regularization for grouped tree structure learning. In Advances in Neural Information Processing Systems, 1459–1467.</a:t>
-            </a:r>
-          </a:p>
-          <a:p>
-            <a:r>
-              <a:rPr lang="de-AT" sz="1100" dirty="0" smtClean="0"/>
-              <a:t>M AO , K. 2004. Orthogonal forward selection and backward elimination algorithms for feature subset selection. Systems, Man, and Cybernetics, Part B: Cybernetics, IEEE Transactions on 34, 1 (Feb), 629–634.</a:t>
-            </a:r>
-          </a:p>
-          <a:p>
-            <a:r>
-              <a:rPr lang="de-AT" sz="1100" dirty="0" smtClean="0"/>
-              <a:t>M OORE , J. H., AND W HITE , B. C. 2007. Tuning relieff for genome-wide genetic analysis. In Proceedings of the 5th European Conference on Evolutionary Computation, Machine Learning and Data Mining in Bioinformatics, Springer-Verlag, Berlin, Heidelberg, EvoBIO’07, 166–175.</a:t>
-            </a:r>
-          </a:p>
-          <a:p>
-            <a:r>
-              <a:rPr lang="de-AT" sz="1100" dirty="0" smtClean="0"/>
-              <a:t>N AKARIYAKUL , S., AND C ASASENT , D. P. 2007. Adaptive branch and bound algorithm for selecting optimal features. Pattern Recognition Letters 28, 12, 1415 – 1427.</a:t>
-            </a:r>
-          </a:p>
-          <a:p>
-            <a:r>
-              <a:rPr lang="de-AT" sz="1100" dirty="0" smtClean="0"/>
-              <a:t>N AKARIYAKUL , S., AND C ASASENT , D. P. 2008. Improved forward floating selection algorithm for feature subset selection. In Wavelet Analysis and Pattern Recognition, 2008. ICWAPR ’08. International Conference on, vol. 2, 793–798.</a:t>
-            </a:r>
-          </a:p>
-          <a:p>
-            <a:r>
-              <a:rPr lang="de-AT" sz="1100" dirty="0" smtClean="0"/>
-              <a:t>N ARENDRA , P. M., AND F UKUNAGA , K. 1977. A branch and bound algorithm for feature subset selection. Computers, IEEE Transactions on C-26, 9 (Sept), 917–922.</a:t>
-            </a:r>
-          </a:p>
-          <a:p>
-            <a:r>
-              <a:rPr lang="de-AT" sz="1100" dirty="0" smtClean="0"/>
-              <a:t>O H , I.-S., L EE , J.-S., AND M OON , B.-R. 2004. Hybrid genetic algorithms for feature selection. Pattern Analysis and Machine Intelligence,</a:t>
-            </a:r>
-            <a:endParaRPr lang="de-AT" sz="1100" dirty="0"/>
+            <a:pPr>
+              <a:buFont typeface="Arial" panose="020B0604020202020204" pitchFamily="34" charset="0"/>
+              <a:buChar char="•"/>
+            </a:pPr>
+            <a:r>
+              <a:rPr lang="de-AT" dirty="0" smtClean="0"/>
+              <a:t>Classification / </a:t>
+            </a:r>
+            <a:r>
+              <a:rPr lang="de-AT" dirty="0"/>
+              <a:t>pattern </a:t>
+            </a:r>
+            <a:r>
+              <a:rPr lang="de-AT" dirty="0" smtClean="0"/>
+              <a:t>recognition</a:t>
+            </a:r>
+          </a:p>
+          <a:p>
+            <a:pPr>
+              <a:buFont typeface="Arial" panose="020B0604020202020204" pitchFamily="34" charset="0"/>
+              <a:buChar char="•"/>
+            </a:pPr>
+            <a:endParaRPr lang="de-AT" dirty="0"/>
+          </a:p>
+          <a:p>
+            <a:pPr>
+              <a:buFont typeface="Arial" panose="020B0604020202020204" pitchFamily="34" charset="0"/>
+              <a:buChar char="•"/>
+            </a:pPr>
+            <a:r>
+              <a:rPr lang="de-AT" dirty="0"/>
+              <a:t>Data </a:t>
+            </a:r>
+            <a:r>
+              <a:rPr lang="de-AT" dirty="0" smtClean="0"/>
+              <a:t>representation</a:t>
+            </a:r>
+          </a:p>
+          <a:p>
+            <a:pPr>
+              <a:buFont typeface="Arial" panose="020B0604020202020204" pitchFamily="34" charset="0"/>
+              <a:buChar char="•"/>
+            </a:pPr>
+            <a:endParaRPr lang="de-AT" dirty="0"/>
+          </a:p>
+          <a:p>
+            <a:pPr>
+              <a:buFont typeface="Arial" panose="020B0604020202020204" pitchFamily="34" charset="0"/>
+              <a:buChar char="•"/>
+            </a:pPr>
+            <a:r>
+              <a:rPr lang="de-AT" dirty="0" err="1"/>
+              <a:t>Prediction</a:t>
+            </a:r>
+            <a:endParaRPr lang="de-AT" dirty="0"/>
           </a:p>
         </p:txBody>
       </p:sp>
@@ -6524,7 +6464,7 @@
             <a:pPr>
               <a:defRPr/>
             </a:pPr>
-            <a:fld id="{F9ECDA19-35E9-44D8-ABD2-5D6049D7FF67}" type="datetime1">
+            <a:fld id="{908BDE4A-9991-4FD0-90A7-2A1AC2958297}" type="datetime1">
               <a:rPr lang="de-AT" smtClean="0"/>
               <a:t>25.01.2016</a:t>
             </a:fld>
@@ -6585,7 +6525,7 @@
     </p:spTree>
     <p:extLst>
       <p:ext uri="{BB962C8B-B14F-4D97-AF65-F5344CB8AC3E}">
-        <p14:creationId xmlns:p14="http://schemas.microsoft.com/office/powerpoint/2010/main" val="3209622137"/>
+        <p14:creationId xmlns:p14="http://schemas.microsoft.com/office/powerpoint/2010/main" val="4227374127"/>
       </p:ext>
     </p:extLst>
   </p:cSld>
@@ -6656,68 +6596,150 @@
           <a:lstStyle/>
           <a:p>
             <a:r>
+              <a:rPr lang="de-AT" sz="1100" dirty="0"/>
+              <a:t>B RANK , J., G ROBELNIK , M., M ILIC -F RAYLING , N., AND M LADENIC , D. 2002. Feature selection using linear support vector machines.</a:t>
+            </a:r>
+          </a:p>
+          <a:p>
+            <a:r>
               <a:rPr lang="de-AT" sz="1100" dirty="0" smtClean="0"/>
-              <a:t>P UDIL , P., N OVOVI ˇ COV ´ A , J., AND K ITTLER , J. 1994. Floating search methods in feature selection. Pattern Recogn. Lett. 15, 11 (Nov.),1119–1125.</a:t>
-            </a:r>
-          </a:p>
-          <a:p>
+              <a:t>E </a:t>
+            </a:r>
+            <a:r>
+              <a:rPr lang="de-AT" sz="1100" dirty="0"/>
+              <a:t>PPSTEIN , M., AND H AAKE , P. 2008. Very large scale relieff for genome-wide association analysis. In Computational Intelligence </a:t>
+            </a:r>
             <a:r>
               <a:rPr lang="de-AT" sz="1100" dirty="0" smtClean="0"/>
-              <a:t>Q UINLAN , J. R. 1986. Induction of decision trees. Machine learning 1, 1, 81–106.</a:t>
-            </a:r>
+              <a:t>in Bioinformatics </a:t>
+            </a:r>
+            <a:r>
+              <a:rPr lang="de-AT" sz="1100" dirty="0"/>
+              <a:t>and Computational Biology, 2008. </a:t>
+            </a:r>
+            <a:endParaRPr lang="de-AT" sz="1100" dirty="0" smtClean="0"/>
           </a:p>
           <a:p>
             <a:r>
               <a:rPr lang="de-AT" sz="1100" dirty="0" smtClean="0"/>
-              <a:t>R OBNIK -S IKONJA , M., AND K ONONENKO , I. 1997. An adaptation of relief for attribute estimation in regression. In Proceedings of the Fourteenth International Conference on Machine Learning, Morgan Kaufmann Publishers Inc., San Francisco, CA, USA, ICML ’97, 296–304.</a:t>
-            </a:r>
-          </a:p>
-          <a:p>
+              <a:t>F </a:t>
+            </a:r>
+            <a:r>
+              <a:rPr lang="de-AT" sz="1100" dirty="0"/>
+              <a:t>ROHLICH , H., C HAPELLE , O., AND S CHOLKOPF , B. 2003. Feature selection for support vector machines by means of genetic algorithm</a:t>
+            </a:r>
             <a:r>
               <a:rPr lang="de-AT" sz="1100" dirty="0" smtClean="0"/>
-              <a:t>S ALZBERG , S. L. 1994. C4. 5: Programs for machine learning by j. ross quinlan. morgan kaufmann publishers, inc., 1993. Machine Learning 16, 3, 235–240.</a:t>
-            </a:r>
+              <a:t>. In </a:t>
+            </a:r>
+            <a:r>
+              <a:rPr lang="de-AT" sz="1100" dirty="0"/>
+              <a:t>Tools with Artificial Intelligence, 2003. </a:t>
+            </a:r>
+            <a:endParaRPr lang="de-AT" sz="1100" dirty="0" smtClean="0"/>
           </a:p>
           <a:p>
             <a:r>
               <a:rPr lang="de-AT" sz="1100" dirty="0" smtClean="0"/>
-              <a:t>S OMOL , P., P UDIL , P., AND K ITTLER , J. 2004. Fast branch amp; bound algorithms for optimal feature selection. Pattern Analysis and Machine Intelligence, IEEE Transactions on 26, 7 (July), 900–912.</a:t>
-            </a:r>
-          </a:p>
-          <a:p>
+              <a:t>H </a:t>
+            </a:r>
+            <a:r>
+              <a:rPr lang="de-AT" sz="1100" dirty="0"/>
+              <a:t>OLLAND , J. H. 1992. Adaptation in Natural and Artificial Systems: An Introductory Analysis with Applications to Biology, Control </a:t>
+            </a:r>
             <a:r>
               <a:rPr lang="de-AT" sz="1100" dirty="0" smtClean="0"/>
-              <a:t>T ANG , J., A LELYANI , S., AND L IU , H. 2014. Feature selection for classification: A review. Data Classification: Algorithms and Applica- tions, 37.</a:t>
-            </a:r>
-          </a:p>
-          <a:p>
+              <a:t>and Artificial </a:t>
+            </a:r>
+            <a:r>
+              <a:rPr lang="de-AT" sz="1100" dirty="0"/>
+              <a:t>Intelligence. MIT Press, Cambridge, MA, USA.</a:t>
+            </a:r>
+          </a:p>
+          <a:p>
+            <a:r>
+              <a:rPr lang="de-AT" sz="1100" dirty="0"/>
+              <a:t>H UANG , J., H OROWITZ , J. L., AND M A , S. 2008. Asymptotic properties of bridge estimators in sparse high-dimensional regression models</a:t>
+            </a:r>
             <a:r>
               <a:rPr lang="de-AT" sz="1100" dirty="0" smtClean="0"/>
-              <a:t>T ANG , J., A LELYANI , S., AND L IU , H. 2014. Feature selection for classification: A review. Data Classification: Algorithms and Applica- tions, 37.</a:t>
-            </a:r>
-          </a:p>
-          <a:p>
+              <a:t>. The </a:t>
+            </a:r>
+            <a:r>
+              <a:rPr lang="de-AT" sz="1100" dirty="0"/>
+              <a:t>Annals of Statistics, 587–613.</a:t>
+            </a:r>
+          </a:p>
+          <a:p>
+            <a:r>
+              <a:rPr lang="de-AT" sz="1100" dirty="0"/>
+              <a:t>J ACOB , L., O BOZINSKI , G., AND V ERT , J.-P. 2009. Group lasso with overlap and graph lasso. In Proceedings of the 26th </a:t>
+            </a:r>
             <a:r>
               <a:rPr lang="de-AT" sz="1100" dirty="0" smtClean="0"/>
-              <a:t>T IBSHIRANI , R. 1996. Regression shrinkage and selection via the lasso. Journal of the Royal Statistical Society. Series B (Methodological), 267–288.</a:t>
-            </a:r>
-          </a:p>
-          <a:p>
+              <a:t>annual international </a:t>
+            </a:r>
+            <a:r>
+              <a:rPr lang="de-AT" sz="1100" dirty="0"/>
+              <a:t>conference on machine learning, ACM, 433–440.</a:t>
+            </a:r>
+          </a:p>
+          <a:p>
+            <a:r>
+              <a:rPr lang="de-AT" sz="1100" dirty="0"/>
+              <a:t>J ENATTON , R., M AIRAL , J., B ACH , F. R., AND O BOZINSKI , G. R. 2010. Proximal methods for sparse hierarchical dictionary learning. </a:t>
+            </a:r>
             <a:r>
               <a:rPr lang="de-AT" sz="1100" dirty="0" smtClean="0"/>
-              <a:t>V ERIKAS , A., AND B ACAUSKIENE , M. 2002. Feature selection with neural networks. Pattern Recogn. Lett. 23, 11 (Sept.), 1323–1335.</a:t>
-            </a:r>
-          </a:p>
-          <a:p>
+              <a:t>In Proceedings </a:t>
+            </a:r>
+            <a:r>
+              <a:rPr lang="de-AT" sz="1100" dirty="0"/>
+              <a:t>of the 27th International Conference on Machine Learning (ICML-10), 487–494.</a:t>
+            </a:r>
+          </a:p>
+          <a:p>
+            <a:r>
+              <a:rPr lang="de-AT" sz="1100" dirty="0"/>
+              <a:t>J IN , X., L I , R., S HEN , X., AND B IE , R. 2007. Automatic web pages categorization with relieff and hidden naive bayes. In Proceedings </a:t>
+            </a:r>
             <a:r>
               <a:rPr lang="de-AT" sz="1100" dirty="0" smtClean="0"/>
-              <a:t>Z OU , H., AND H ASTIE , T. 2005. Regularization and variable selection via the elastic net. Journal of the Royal Statistical Society: Series B (Statistical Methodology) 67, 2, 301–320.</a:t>
-            </a:r>
-          </a:p>
-          <a:p>
+              <a:t>of the </a:t>
+            </a:r>
+            <a:r>
+              <a:rPr lang="de-AT" sz="1100" dirty="0"/>
+              <a:t>2007 ACM Symposium on Applied Computing, ACM, New York, NY, USA, SAC ’07, 617–621.</a:t>
+            </a:r>
+          </a:p>
+          <a:p>
+            <a:r>
+              <a:rPr lang="de-AT" sz="1100" dirty="0"/>
+              <a:t>K IM , S., AND X ING , E. P. 2010. Tree-guided group lasso for multi-task regression with structured sparsity.</a:t>
+            </a:r>
+          </a:p>
+          <a:p>
+            <a:r>
+              <a:rPr lang="de-AT" sz="1100" dirty="0"/>
+              <a:t>K IRA , K., AND R ENDELL , L. A. 1992. The feature selection problem: Traditional methods and a new algorithm. In Proceedings of </a:t>
+            </a:r>
             <a:r>
               <a:rPr lang="de-AT" sz="1100" dirty="0" smtClean="0"/>
-              <a:t>Z OU , H. 2006. The adaptive lasso and its oracle properties. Journal of the American statistical association 101, 476, 1418–1429</a:t>
+              <a:t>the Tenth </a:t>
+            </a:r>
+            <a:r>
+              <a:rPr lang="de-AT" sz="1100" dirty="0"/>
+              <a:t>National Conference on Artificial Intelligence, AAAI Press, AAAI’92, 129–134.</a:t>
+            </a:r>
+          </a:p>
+          <a:p>
+            <a:r>
+              <a:rPr lang="de-AT" sz="1100" dirty="0"/>
+              <a:t>K NIGHT , K., AND F U , W. 2000. Asymptotics for lasso-type estimators. Annals of statistics, 1356–1378</a:t>
+            </a:r>
+            <a:r>
+              <a:rPr lang="de-AT" sz="1100" dirty="0" smtClean="0"/>
+              <a:t>.</a:t>
             </a:r>
             <a:endParaRPr lang="de-AT" sz="1100" dirty="0"/>
           </a:p>
@@ -6802,7 +6824,7 @@
     </p:spTree>
     <p:extLst>
       <p:ext uri="{BB962C8B-B14F-4D97-AF65-F5344CB8AC3E}">
-        <p14:creationId xmlns:p14="http://schemas.microsoft.com/office/powerpoint/2010/main" val="2719782576"/>
+        <p14:creationId xmlns:p14="http://schemas.microsoft.com/office/powerpoint/2010/main" val="1723249046"/>
       </p:ext>
     </p:extLst>
   </p:cSld>
@@ -6839,6 +6861,440 @@
             <p:ph type="title"/>
           </p:nvPr>
         </p:nvSpPr>
+        <p:spPr/>
+        <p:txBody>
+          <a:bodyPr/>
+          <a:lstStyle/>
+          <a:p>
+            <a:r>
+              <a:rPr lang="de-AT" dirty="0" err="1" smtClean="0"/>
+              <a:t>Literature</a:t>
+            </a:r>
+            <a:endParaRPr lang="de-AT" dirty="0"/>
+          </a:p>
+        </p:txBody>
+      </p:sp>
+      <p:sp>
+        <p:nvSpPr>
+          <p:cNvPr id="6" name="Inhaltsplatzhalter 5"/>
+          <p:cNvSpPr>
+            <a:spLocks noGrp="1"/>
+          </p:cNvSpPr>
+          <p:nvPr>
+            <p:ph idx="1"/>
+          </p:nvPr>
+        </p:nvSpPr>
+        <p:spPr>
+          <a:xfrm>
+            <a:off x="857224" y="1988840"/>
+            <a:ext cx="7429552" cy="4137323"/>
+          </a:xfrm>
+        </p:spPr>
+        <p:txBody>
+          <a:bodyPr/>
+          <a:lstStyle/>
+          <a:p>
+            <a:r>
+              <a:rPr lang="de-AT" sz="1100" dirty="0" smtClean="0"/>
+              <a:t>K OHAVI , R., AND J OHN , G. H. 1997. Wrappers for feature subset selection. ARTIFICIAL INTELLIGENCE 97, 1, 273–324.</a:t>
+            </a:r>
+          </a:p>
+          <a:p>
+            <a:r>
+              <a:rPr lang="de-AT" sz="1100" dirty="0" smtClean="0"/>
+              <a:t>K ONONENKO , I., S IMEC , E., AND R OBNIK - ˇ S IKONJA , M. 1997. Overcoming the myopia of inductive learning algorithms with relieff. Applied Intelligence 7, 1 (Jan.), 39–55.</a:t>
+            </a:r>
+          </a:p>
+          <a:p>
+            <a:r>
+              <a:rPr lang="de-AT" sz="1100" dirty="0" smtClean="0"/>
+              <a:t>K UDO , M., AND S KLANSKY , J. 2000. Comparison of algorithms that select features for pattern classifiers. Pattern Recognition 33, 1, 25 – 41.</a:t>
+            </a:r>
+          </a:p>
+          <a:p>
+            <a:r>
+              <a:rPr lang="de-AT" sz="1100" dirty="0" smtClean="0"/>
+              <a:t>L EE , L IU , L. W. 2015. Very large scale relieff algorithm on gpu for genome-wide association study. 78 – 84.</a:t>
+            </a:r>
+          </a:p>
+          <a:p>
+            <a:r>
+              <a:rPr lang="de-AT" sz="1100" dirty="0" smtClean="0"/>
+              <a:t>L IU , J., AND Y E , J. 2010. Moreau-yosida regularization for grouped tree structure learning. In Advances in Neural Information Processing Systems, 1459–1467.</a:t>
+            </a:r>
+          </a:p>
+          <a:p>
+            <a:r>
+              <a:rPr lang="de-AT" sz="1100" dirty="0" smtClean="0"/>
+              <a:t>M AO , K. 2004. Orthogonal forward selection and backward elimination algorithms for feature subset selection. Systems, Man, and Cybernetics, Part B: Cybernetics, IEEE Transactions on 34, 1 (Feb), 629–634.</a:t>
+            </a:r>
+          </a:p>
+          <a:p>
+            <a:r>
+              <a:rPr lang="de-AT" sz="1100" dirty="0" smtClean="0"/>
+              <a:t>M OORE , J. H., AND W HITE , B. C. 2007. Tuning relieff for genome-wide genetic analysis. In Proceedings of the 5th European Conference on Evolutionary Computation, Machine Learning and Data Mining in Bioinformatics, Springer-Verlag, Berlin, Heidelberg, EvoBIO’07, 166–175.</a:t>
+            </a:r>
+          </a:p>
+          <a:p>
+            <a:r>
+              <a:rPr lang="de-AT" sz="1100" dirty="0" smtClean="0"/>
+              <a:t>N AKARIYAKUL , S., AND C ASASENT , D. P. 2007. Adaptive branch and bound algorithm for selecting optimal features. Pattern Recognition Letters 28, 12, 1415 – 1427.</a:t>
+            </a:r>
+          </a:p>
+          <a:p>
+            <a:r>
+              <a:rPr lang="de-AT" sz="1100" dirty="0" smtClean="0"/>
+              <a:t>N AKARIYAKUL , S., AND C ASASENT , D. P. 2008. Improved forward floating selection algorithm for feature subset selection. In Wavelet Analysis and Pattern Recognition, 2008. ICWAPR ’08. International Conference on, vol. 2, 793–798.</a:t>
+            </a:r>
+          </a:p>
+          <a:p>
+            <a:r>
+              <a:rPr lang="de-AT" sz="1100" dirty="0" smtClean="0"/>
+              <a:t>N ARENDRA , P. M., AND F UKUNAGA , K. 1977. A branch and bound algorithm for feature subset selection. Computers, IEEE Transactions on C-26, 9 (Sept), 917–922.</a:t>
+            </a:r>
+          </a:p>
+          <a:p>
+            <a:r>
+              <a:rPr lang="de-AT" sz="1100" dirty="0" smtClean="0"/>
+              <a:t>O H , I.-S., L EE , J.-S., AND M OON , B.-R. 2004. Hybrid genetic algorithms for feature selection. Pattern Analysis and Machine Intelligence,</a:t>
+            </a:r>
+            <a:endParaRPr lang="de-AT" sz="1100" dirty="0"/>
+          </a:p>
+        </p:txBody>
+      </p:sp>
+      <p:sp>
+        <p:nvSpPr>
+          <p:cNvPr id="2" name="Datumsplatzhalter 1"/>
+          <p:cNvSpPr>
+            <a:spLocks noGrp="1"/>
+          </p:cNvSpPr>
+          <p:nvPr>
+            <p:ph type="dt" sz="half" idx="10"/>
+          </p:nvPr>
+        </p:nvSpPr>
+        <p:spPr/>
+        <p:txBody>
+          <a:bodyPr/>
+          <a:lstStyle/>
+          <a:p>
+            <a:pPr>
+              <a:defRPr/>
+            </a:pPr>
+            <a:fld id="{F9ECDA19-35E9-44D8-ABD2-5D6049D7FF67}" type="datetime1">
+              <a:rPr lang="de-AT" smtClean="0"/>
+              <a:t>25.01.2016</a:t>
+            </a:fld>
+            <a:endParaRPr lang="de-AT" dirty="0"/>
+          </a:p>
+        </p:txBody>
+      </p:sp>
+      <p:sp>
+        <p:nvSpPr>
+          <p:cNvPr id="3" name="Fußzeilenplatzhalter 2"/>
+          <p:cNvSpPr>
+            <a:spLocks noGrp="1"/>
+          </p:cNvSpPr>
+          <p:nvPr>
+            <p:ph type="ftr" sz="quarter" idx="11"/>
+          </p:nvPr>
+        </p:nvSpPr>
+        <p:spPr/>
+        <p:txBody>
+          <a:bodyPr/>
+          <a:lstStyle/>
+          <a:p>
+            <a:pPr>
+              <a:defRPr/>
+            </a:pPr>
+            <a:r>
+              <a:rPr lang="de-AT" smtClean="0"/>
+              <a:t>Silvana Podaras &amp; Florian Schober</a:t>
+            </a:r>
+            <a:endParaRPr lang="de-AT"/>
+          </a:p>
+        </p:txBody>
+      </p:sp>
+      <p:sp>
+        <p:nvSpPr>
+          <p:cNvPr id="4" name="Foliennummernplatzhalter 3"/>
+          <p:cNvSpPr>
+            <a:spLocks noGrp="1"/>
+          </p:cNvSpPr>
+          <p:nvPr>
+            <p:ph type="sldNum" sz="quarter" idx="12"/>
+          </p:nvPr>
+        </p:nvSpPr>
+        <p:spPr/>
+        <p:txBody>
+          <a:bodyPr/>
+          <a:lstStyle/>
+          <a:p>
+            <a:fld id="{CA3F91B5-C267-4146-949F-EABEA95DB02A}" type="slidenum">
+              <a:rPr lang="de-AT" altLang="de-DE" smtClean="0"/>
+              <a:pPr/>
+              <a:t>16</a:t>
+            </a:fld>
+            <a:endParaRPr lang="de-AT" altLang="de-DE"/>
+          </a:p>
+        </p:txBody>
+      </p:sp>
+    </p:spTree>
+    <p:extLst>
+      <p:ext uri="{BB962C8B-B14F-4D97-AF65-F5344CB8AC3E}">
+        <p14:creationId xmlns:p14="http://schemas.microsoft.com/office/powerpoint/2010/main" val="3209622137"/>
+      </p:ext>
+    </p:extLst>
+  </p:cSld>
+  <p:clrMapOvr>
+    <a:masterClrMapping/>
+  </p:clrMapOvr>
+</p:sld>
+</file>
+
+<file path=ppt/slides/slide17.xml><?xml version="1.0" encoding="utf-8"?>
+<p:sld xmlns:a="http://schemas.openxmlformats.org/drawingml/2006/main" xmlns:r="http://schemas.openxmlformats.org/officeDocument/2006/relationships" xmlns:p="http://schemas.openxmlformats.org/presentationml/2006/main">
+  <p:cSld>
+    <p:spTree>
+      <p:nvGrpSpPr>
+        <p:cNvPr id="1" name=""/>
+        <p:cNvGrpSpPr/>
+        <p:nvPr/>
+      </p:nvGrpSpPr>
+      <p:grpSpPr>
+        <a:xfrm>
+          <a:off x="0" y="0"/>
+          <a:ext cx="0" cy="0"/>
+          <a:chOff x="0" y="0"/>
+          <a:chExt cx="0" cy="0"/>
+        </a:xfrm>
+      </p:grpSpPr>
+      <p:sp>
+        <p:nvSpPr>
+          <p:cNvPr id="5" name="Titel 4"/>
+          <p:cNvSpPr>
+            <a:spLocks noGrp="1"/>
+          </p:cNvSpPr>
+          <p:nvPr>
+            <p:ph type="title"/>
+          </p:nvPr>
+        </p:nvSpPr>
+        <p:spPr/>
+        <p:txBody>
+          <a:bodyPr/>
+          <a:lstStyle/>
+          <a:p>
+            <a:r>
+              <a:rPr lang="de-AT" dirty="0" err="1" smtClean="0"/>
+              <a:t>Literature</a:t>
+            </a:r>
+            <a:endParaRPr lang="de-AT" dirty="0"/>
+          </a:p>
+        </p:txBody>
+      </p:sp>
+      <p:sp>
+        <p:nvSpPr>
+          <p:cNvPr id="6" name="Inhaltsplatzhalter 5"/>
+          <p:cNvSpPr>
+            <a:spLocks noGrp="1"/>
+          </p:cNvSpPr>
+          <p:nvPr>
+            <p:ph idx="1"/>
+          </p:nvPr>
+        </p:nvSpPr>
+        <p:spPr>
+          <a:xfrm>
+            <a:off x="857224" y="1988840"/>
+            <a:ext cx="7429552" cy="4137323"/>
+          </a:xfrm>
+        </p:spPr>
+        <p:txBody>
+          <a:bodyPr/>
+          <a:lstStyle/>
+          <a:p>
+            <a:r>
+              <a:rPr lang="de-AT" sz="1100" dirty="0" smtClean="0"/>
+              <a:t>P UDIL , P., N OVOVI ˇ COV ´ A , J., AND K ITTLER , J. 1994. Floating search methods in feature selection. Pattern Recogn. Lett. 15, 11 (Nov.),1119–1125.</a:t>
+            </a:r>
+          </a:p>
+          <a:p>
+            <a:r>
+              <a:rPr lang="de-AT" sz="1100" dirty="0" smtClean="0"/>
+              <a:t>Q UINLAN , J. R. 1986. Induction of decision trees. Machine learning 1, 1, 81–106.</a:t>
+            </a:r>
+          </a:p>
+          <a:p>
+            <a:r>
+              <a:rPr lang="de-AT" sz="1100" dirty="0" smtClean="0"/>
+              <a:t>R OBNIK -S IKONJA , M., AND K ONONENKO , I. 1997. An adaptation of relief for attribute estimation in regression. In Proceedings of the Fourteenth International Conference on Machine Learning, Morgan Kaufmann Publishers Inc., San Francisco, CA, USA, ICML ’97, 296–304.</a:t>
+            </a:r>
+          </a:p>
+          <a:p>
+            <a:r>
+              <a:rPr lang="de-AT" sz="1100" dirty="0" smtClean="0"/>
+              <a:t>S ALZBERG , S. L. 1994. C4. 5: Programs for machine learning by j. ross quinlan. morgan kaufmann publishers, inc., 1993. Machine Learning 16, 3, 235–240.</a:t>
+            </a:r>
+          </a:p>
+          <a:p>
+            <a:r>
+              <a:rPr lang="de-AT" sz="1100" dirty="0" smtClean="0"/>
+              <a:t>S OMOL , P., P UDIL , P., AND K ITTLER , J. 2004. Fast branch amp; bound algorithms for optimal feature selection. Pattern Analysis and Machine Intelligence, IEEE Transactions on 26, 7 (July), 900–912.</a:t>
+            </a:r>
+          </a:p>
+          <a:p>
+            <a:r>
+              <a:rPr lang="de-AT" sz="1100" dirty="0" smtClean="0"/>
+              <a:t>T ANG , J., A LELYANI , S., AND L IU , H. 2014. Feature selection for classification: A review. Data Classification: Algorithms and Applica- tions, 37.</a:t>
+            </a:r>
+          </a:p>
+          <a:p>
+            <a:r>
+              <a:rPr lang="de-AT" sz="1100" dirty="0" smtClean="0"/>
+              <a:t>T ANG , J., A LELYANI , S., AND L IU , H. 2014. Feature selection for classification: A review. Data Classification: Algorithms and Applica- tions, 37.</a:t>
+            </a:r>
+          </a:p>
+          <a:p>
+            <a:r>
+              <a:rPr lang="de-AT" sz="1100" dirty="0" smtClean="0"/>
+              <a:t>T IBSHIRANI , R. 1996. Regression shrinkage and selection via the lasso. Journal of the Royal Statistical Society. Series B (Methodological), 267–288.</a:t>
+            </a:r>
+          </a:p>
+          <a:p>
+            <a:r>
+              <a:rPr lang="de-AT" sz="1100" dirty="0" smtClean="0"/>
+              <a:t>V ERIKAS , A., AND B ACAUSKIENE , M. 2002. Feature selection with neural networks. Pattern Recogn. Lett. 23, 11 (Sept.), 1323–1335.</a:t>
+            </a:r>
+          </a:p>
+          <a:p>
+            <a:r>
+              <a:rPr lang="de-AT" sz="1100" dirty="0" smtClean="0"/>
+              <a:t>Z OU , H., AND H ASTIE , T. 2005. Regularization and variable selection via the elastic net. Journal of the Royal Statistical Society: Series B (Statistical Methodology) 67, 2, 301–320.</a:t>
+            </a:r>
+          </a:p>
+          <a:p>
+            <a:r>
+              <a:rPr lang="de-AT" sz="1100" dirty="0" smtClean="0"/>
+              <a:t>Z OU , H. 2006. The adaptive lasso and its oracle properties. Journal of the American statistical association 101, 476, 1418–1429</a:t>
+            </a:r>
+            <a:endParaRPr lang="de-AT" sz="1100" dirty="0"/>
+          </a:p>
+        </p:txBody>
+      </p:sp>
+      <p:sp>
+        <p:nvSpPr>
+          <p:cNvPr id="2" name="Datumsplatzhalter 1"/>
+          <p:cNvSpPr>
+            <a:spLocks noGrp="1"/>
+          </p:cNvSpPr>
+          <p:nvPr>
+            <p:ph type="dt" sz="half" idx="10"/>
+          </p:nvPr>
+        </p:nvSpPr>
+        <p:spPr/>
+        <p:txBody>
+          <a:bodyPr/>
+          <a:lstStyle/>
+          <a:p>
+            <a:pPr>
+              <a:defRPr/>
+            </a:pPr>
+            <a:fld id="{F9ECDA19-35E9-44D8-ABD2-5D6049D7FF67}" type="datetime1">
+              <a:rPr lang="de-AT" smtClean="0"/>
+              <a:t>25.01.2016</a:t>
+            </a:fld>
+            <a:endParaRPr lang="de-AT" dirty="0"/>
+          </a:p>
+        </p:txBody>
+      </p:sp>
+      <p:sp>
+        <p:nvSpPr>
+          <p:cNvPr id="3" name="Fußzeilenplatzhalter 2"/>
+          <p:cNvSpPr>
+            <a:spLocks noGrp="1"/>
+          </p:cNvSpPr>
+          <p:nvPr>
+            <p:ph type="ftr" sz="quarter" idx="11"/>
+          </p:nvPr>
+        </p:nvSpPr>
+        <p:spPr/>
+        <p:txBody>
+          <a:bodyPr/>
+          <a:lstStyle/>
+          <a:p>
+            <a:pPr>
+              <a:defRPr/>
+            </a:pPr>
+            <a:r>
+              <a:rPr lang="de-AT" smtClean="0"/>
+              <a:t>Silvana Podaras &amp; Florian Schober</a:t>
+            </a:r>
+            <a:endParaRPr lang="de-AT"/>
+          </a:p>
+        </p:txBody>
+      </p:sp>
+      <p:sp>
+        <p:nvSpPr>
+          <p:cNvPr id="4" name="Foliennummernplatzhalter 3"/>
+          <p:cNvSpPr>
+            <a:spLocks noGrp="1"/>
+          </p:cNvSpPr>
+          <p:nvPr>
+            <p:ph type="sldNum" sz="quarter" idx="12"/>
+          </p:nvPr>
+        </p:nvSpPr>
+        <p:spPr/>
+        <p:txBody>
+          <a:bodyPr/>
+          <a:lstStyle/>
+          <a:p>
+            <a:fld id="{CA3F91B5-C267-4146-949F-EABEA95DB02A}" type="slidenum">
+              <a:rPr lang="de-AT" altLang="de-DE" smtClean="0"/>
+              <a:pPr/>
+              <a:t>17</a:t>
+            </a:fld>
+            <a:endParaRPr lang="de-AT" altLang="de-DE"/>
+          </a:p>
+        </p:txBody>
+      </p:sp>
+    </p:spTree>
+    <p:extLst>
+      <p:ext uri="{BB962C8B-B14F-4D97-AF65-F5344CB8AC3E}">
+        <p14:creationId xmlns:p14="http://schemas.microsoft.com/office/powerpoint/2010/main" val="2719782576"/>
+      </p:ext>
+    </p:extLst>
+  </p:cSld>
+  <p:clrMapOvr>
+    <a:masterClrMapping/>
+  </p:clrMapOvr>
+</p:sld>
+</file>
+
+<file path=ppt/slides/slide18.xml><?xml version="1.0" encoding="utf-8"?>
+<p:sld xmlns:a="http://schemas.openxmlformats.org/drawingml/2006/main" xmlns:r="http://schemas.openxmlformats.org/officeDocument/2006/relationships" xmlns:p="http://schemas.openxmlformats.org/presentationml/2006/main">
+  <p:cSld>
+    <p:spTree>
+      <p:nvGrpSpPr>
+        <p:cNvPr id="1" name=""/>
+        <p:cNvGrpSpPr/>
+        <p:nvPr/>
+      </p:nvGrpSpPr>
+      <p:grpSpPr>
+        <a:xfrm>
+          <a:off x="0" y="0"/>
+          <a:ext cx="0" cy="0"/>
+          <a:chOff x="0" y="0"/>
+          <a:chExt cx="0" cy="0"/>
+        </a:xfrm>
+      </p:grpSpPr>
+      <p:sp>
+        <p:nvSpPr>
+          <p:cNvPr id="5" name="Titel 4"/>
+          <p:cNvSpPr>
+            <a:spLocks noGrp="1"/>
+          </p:cNvSpPr>
+          <p:nvPr>
+            <p:ph type="title"/>
+          </p:nvPr>
+        </p:nvSpPr>
         <p:spPr>
           <a:xfrm>
             <a:off x="2771800" y="2924944"/>
@@ -6941,7 +7397,7 @@
             <a:fld id="{CA3F91B5-C267-4146-949F-EABEA95DB02A}" type="slidenum">
               <a:rPr lang="de-AT" altLang="de-DE" smtClean="0"/>
               <a:pPr/>
-              <a:t>16</a:t>
+              <a:t>18</a:t>
             </a:fld>
             <a:endParaRPr lang="de-AT" altLang="de-DE"/>
           </a:p>
@@ -8715,6 +9171,20 @@
           <a:bodyPr/>
           <a:lstStyle/>
           <a:p>
+            <a:pPr>
+              <a:buFont typeface="Arial" panose="020B0604020202020204" pitchFamily="34" charset="0"/>
+              <a:buChar char="•"/>
+            </a:pPr>
+            <a:r>
+              <a:rPr lang="en-US" dirty="0" smtClean="0"/>
+              <a:t>Groups more likely to be selected completely</a:t>
+            </a:r>
+          </a:p>
+          <a:p>
+            <a:pPr>
+              <a:buFont typeface="Arial" panose="020B0604020202020204" pitchFamily="34" charset="0"/>
+              <a:buChar char="•"/>
+            </a:pPr>
             <a:endParaRPr lang="en-US" dirty="0" smtClean="0"/>
           </a:p>
           <a:p>

--- a/presentation/Flo.pptx
+++ b/presentation/Flo.pptx
@@ -7,7 +7,7 @@
     <p:sldMasterId id="2147483667" r:id="rId3"/>
   </p:sldMasterIdLst>
   <p:notesMasterIdLst>
-    <p:notesMasterId r:id="rId22"/>
+    <p:notesMasterId r:id="rId21"/>
   </p:notesMasterIdLst>
   <p:sldIdLst>
     <p:sldId id="256" r:id="rId4"/>
@@ -16,18 +16,17 @@
     <p:sldId id="272" r:id="rId7"/>
     <p:sldId id="258" r:id="rId8"/>
     <p:sldId id="266" r:id="rId9"/>
-    <p:sldId id="267" r:id="rId10"/>
-    <p:sldId id="273" r:id="rId11"/>
-    <p:sldId id="274" r:id="rId12"/>
-    <p:sldId id="279" r:id="rId13"/>
-    <p:sldId id="275" r:id="rId14"/>
-    <p:sldId id="280" r:id="rId15"/>
-    <p:sldId id="276" r:id="rId16"/>
-    <p:sldId id="268" r:id="rId17"/>
-    <p:sldId id="277" r:id="rId18"/>
-    <p:sldId id="270" r:id="rId19"/>
-    <p:sldId id="278" r:id="rId20"/>
-    <p:sldId id="269" r:id="rId21"/>
+    <p:sldId id="273" r:id="rId10"/>
+    <p:sldId id="274" r:id="rId11"/>
+    <p:sldId id="279" r:id="rId12"/>
+    <p:sldId id="275" r:id="rId13"/>
+    <p:sldId id="280" r:id="rId14"/>
+    <p:sldId id="276" r:id="rId15"/>
+    <p:sldId id="268" r:id="rId16"/>
+    <p:sldId id="277" r:id="rId17"/>
+    <p:sldId id="270" r:id="rId18"/>
+    <p:sldId id="278" r:id="rId19"/>
+    <p:sldId id="269" r:id="rId20"/>
   </p:sldIdLst>
   <p:sldSz cx="9144000" cy="6858000" type="screen4x3"/>
   <p:notesSz cx="6858000" cy="9144000"/>
@@ -1083,7 +1082,7 @@
             <a:fld id="{07914D93-ABC8-448C-8296-85FD12164B61}" type="slidenum">
               <a:rPr lang="de-DE" altLang="de-DE" smtClean="0"/>
               <a:pPr/>
-              <a:t>8</a:t>
+              <a:t>7</a:t>
             </a:fld>
             <a:endParaRPr lang="de-DE" altLang="de-DE"/>
           </a:p>
@@ -1168,7 +1167,92 @@
             <a:fld id="{07914D93-ABC8-448C-8296-85FD12164B61}" type="slidenum">
               <a:rPr lang="de-DE" altLang="de-DE" smtClean="0"/>
               <a:pPr/>
-              <a:t>13</a:t>
+              <a:t>8</a:t>
+            </a:fld>
+            <a:endParaRPr lang="de-DE" altLang="de-DE"/>
+          </a:p>
+        </p:txBody>
+      </p:sp>
+    </p:spTree>
+    <p:extLst>
+      <p:ext uri="{BB962C8B-B14F-4D97-AF65-F5344CB8AC3E}">
+        <p14:creationId xmlns:p14="http://schemas.microsoft.com/office/powerpoint/2010/main" val="2165549926"/>
+      </p:ext>
+    </p:extLst>
+  </p:cSld>
+  <p:clrMapOvr>
+    <a:masterClrMapping/>
+  </p:clrMapOvr>
+</p:notes>
+</file>
+
+<file path=ppt/notesSlides/notesSlide6.xml><?xml version="1.0" encoding="utf-8"?>
+<p:notes xmlns:a="http://schemas.openxmlformats.org/drawingml/2006/main" xmlns:r="http://schemas.openxmlformats.org/officeDocument/2006/relationships" xmlns:p="http://schemas.openxmlformats.org/presentationml/2006/main">
+  <p:cSld>
+    <p:spTree>
+      <p:nvGrpSpPr>
+        <p:cNvPr id="1" name=""/>
+        <p:cNvGrpSpPr/>
+        <p:nvPr/>
+      </p:nvGrpSpPr>
+      <p:grpSpPr>
+        <a:xfrm>
+          <a:off x="0" y="0"/>
+          <a:ext cx="0" cy="0"/>
+          <a:chOff x="0" y="0"/>
+          <a:chExt cx="0" cy="0"/>
+        </a:xfrm>
+      </p:grpSpPr>
+      <p:sp>
+        <p:nvSpPr>
+          <p:cNvPr id="2" name="Slide Image Placeholder 1"/>
+          <p:cNvSpPr>
+            <a:spLocks noGrp="1" noRot="1" noChangeAspect="1"/>
+          </p:cNvSpPr>
+          <p:nvPr>
+            <p:ph type="sldImg"/>
+          </p:nvPr>
+        </p:nvSpPr>
+        <p:spPr/>
+      </p:sp>
+      <p:sp>
+        <p:nvSpPr>
+          <p:cNvPr id="3" name="Notes Placeholder 2"/>
+          <p:cNvSpPr>
+            <a:spLocks noGrp="1"/>
+          </p:cNvSpPr>
+          <p:nvPr>
+            <p:ph type="body" idx="1"/>
+          </p:nvPr>
+        </p:nvSpPr>
+        <p:spPr/>
+        <p:txBody>
+          <a:bodyPr/>
+          <a:lstStyle/>
+          <a:p>
+            <a:endParaRPr lang="en-US" dirty="0"/>
+          </a:p>
+        </p:txBody>
+      </p:sp>
+      <p:sp>
+        <p:nvSpPr>
+          <p:cNvPr id="4" name="Slide Number Placeholder 3"/>
+          <p:cNvSpPr>
+            <a:spLocks noGrp="1"/>
+          </p:cNvSpPr>
+          <p:nvPr>
+            <p:ph type="sldNum" sz="quarter" idx="10"/>
+          </p:nvPr>
+        </p:nvSpPr>
+        <p:spPr/>
+        <p:txBody>
+          <a:bodyPr/>
+          <a:lstStyle/>
+          <a:p>
+            <a:fld id="{07914D93-ABC8-448C-8296-85FD12164B61}" type="slidenum">
+              <a:rPr lang="de-DE" altLang="de-DE" smtClean="0"/>
+              <a:pPr/>
+              <a:t>12</a:t>
             </a:fld>
             <a:endParaRPr lang="de-DE" altLang="de-DE"/>
           </a:p>
@@ -5564,7 +5648,7 @@
           <a:p>
             <a:r>
               <a:rPr lang="de-AT" dirty="0" smtClean="0"/>
-              <a:t>Structured features: Group</a:t>
+              <a:t>Structured features: Tree</a:t>
             </a:r>
             <a:endParaRPr lang="de-AT" dirty="0"/>
           </a:p>
@@ -5681,42 +5765,31 @@
           <a:p>
             <a:endParaRPr lang="en-US" dirty="0" smtClean="0"/>
           </a:p>
-        </p:txBody>
-      </p:sp>
-      <p:pic>
-        <p:nvPicPr>
-          <p:cNvPr id="8" name="Picture 7"/>
-          <p:cNvPicPr>
-            <a:picLocks noChangeAspect="1"/>
-          </p:cNvPicPr>
-          <p:nvPr/>
-        </p:nvPicPr>
-        <p:blipFill>
-          <a:blip r:embed="rId2">
-            <a:extLst>
-              <a:ext uri="{28A0092B-C50C-407E-A947-70E740481C1C}">
-                <a14:useLocalDpi xmlns:a14="http://schemas.microsoft.com/office/drawing/2010/main" val="0"/>
-              </a:ext>
-            </a:extLst>
-          </a:blip>
-          <a:stretch>
-            <a:fillRect/>
-          </a:stretch>
-        </p:blipFill>
-        <p:spPr>
-          <a:xfrm>
-            <a:off x="683568" y="2204864"/>
-            <a:ext cx="7452320" cy="3193851"/>
-          </a:xfrm>
-          <a:prstGeom prst="rect">
-            <a:avLst/>
-          </a:prstGeom>
-        </p:spPr>
-      </p:pic>
+          <a:p>
+            <a:pPr algn="r"/>
+            <a:r>
+              <a:rPr lang="en-US" dirty="0" smtClean="0"/>
+              <a:t>e.g</a:t>
+            </a:r>
+            <a:r>
+              <a:rPr lang="en-US" dirty="0"/>
+              <a:t>. </a:t>
+            </a:r>
+            <a:r>
+              <a:rPr lang="en-US" dirty="0" smtClean="0"/>
+              <a:t>Tree </a:t>
+            </a:r>
+            <a:r>
+              <a:rPr lang="en-US" dirty="0"/>
+              <a:t>structured group Lasso</a:t>
+            </a:r>
+          </a:p>
+        </p:txBody>
+      </p:sp>
     </p:spTree>
     <p:extLst>
       <p:ext uri="{BB962C8B-B14F-4D97-AF65-F5344CB8AC3E}">
-        <p14:creationId xmlns:p14="http://schemas.microsoft.com/office/powerpoint/2010/main" val="831775564"/>
+        <p14:creationId xmlns:p14="http://schemas.microsoft.com/office/powerpoint/2010/main" val="1983201118"/>
       </p:ext>
     </p:extLst>
   </p:cSld>
@@ -5759,8 +5832,23 @@
           <a:lstStyle/>
           <a:p>
             <a:r>
+              <a:rPr lang="de-AT" sz="2800" dirty="0" smtClean="0"/>
+              <a:t>Structured features: Tree</a:t>
+            </a:r>
+            <a:r>
               <a:rPr lang="de-AT" dirty="0" smtClean="0"/>
-              <a:t>Structured features: Tree</a:t>
+              <a:t/>
+            </a:r>
+            <a:br>
+              <a:rPr lang="de-AT" dirty="0" smtClean="0"/>
+            </a:br>
+            <a:r>
+              <a:rPr lang="de-AT" sz="3200" dirty="0" smtClean="0"/>
+              <a:t>Example: </a:t>
+            </a:r>
+            <a:r>
+              <a:rPr lang="de-AT" sz="3200" dirty="0" smtClean="0"/>
+              <a:t>Tree structured group Lasso</a:t>
             </a:r>
             <a:endParaRPr lang="de-AT" dirty="0"/>
           </a:p>
@@ -5877,23 +5965,42 @@
           <a:p>
             <a:endParaRPr lang="en-US" dirty="0" smtClean="0"/>
           </a:p>
-          <a:p>
-            <a:pPr algn="r"/>
-            <a:r>
-              <a:rPr lang="en-US" dirty="0" smtClean="0"/>
-              <a:t>e.g</a:t>
-            </a:r>
-            <a:r>
-              <a:rPr lang="en-US" dirty="0"/>
-              <a:t>. tree structured group Lasso</a:t>
-            </a:r>
-          </a:p>
-        </p:txBody>
-      </p:sp>
+        </p:txBody>
+      </p:sp>
+      <p:pic>
+        <p:nvPicPr>
+          <p:cNvPr id="6" name="Picture 5"/>
+          <p:cNvPicPr>
+            <a:picLocks noChangeAspect="1"/>
+          </p:cNvPicPr>
+          <p:nvPr/>
+        </p:nvPicPr>
+        <p:blipFill>
+          <a:blip r:embed="rId2" cstate="print">
+            <a:extLst>
+              <a:ext uri="{28A0092B-C50C-407E-A947-70E740481C1C}">
+                <a14:useLocalDpi xmlns:a14="http://schemas.microsoft.com/office/drawing/2010/main" val="0"/>
+              </a:ext>
+            </a:extLst>
+          </a:blip>
+          <a:stretch>
+            <a:fillRect/>
+          </a:stretch>
+        </p:blipFill>
+        <p:spPr>
+          <a:xfrm>
+            <a:off x="1835696" y="2459730"/>
+            <a:ext cx="5193190" cy="3754951"/>
+          </a:xfrm>
+          <a:prstGeom prst="rect">
+            <a:avLst/>
+          </a:prstGeom>
+        </p:spPr>
+      </p:pic>
     </p:spTree>
     <p:extLst>
       <p:ext uri="{BB962C8B-B14F-4D97-AF65-F5344CB8AC3E}">
-        <p14:creationId xmlns:p14="http://schemas.microsoft.com/office/powerpoint/2010/main" val="1983201118"/>
+        <p14:creationId xmlns:p14="http://schemas.microsoft.com/office/powerpoint/2010/main" val="3027901467"/>
       </p:ext>
     </p:extLst>
   </p:cSld>
@@ -5937,7 +6044,7 @@
           <a:p>
             <a:r>
               <a:rPr lang="de-AT" dirty="0" smtClean="0"/>
-              <a:t>Structured features: Tree</a:t>
+              <a:t>Structured features: Graph</a:t>
             </a:r>
             <a:endParaRPr lang="de-AT" dirty="0"/>
           </a:p>
@@ -6014,202 +6121,6 @@
               <a:rPr lang="de-AT" altLang="de-DE" smtClean="0"/>
               <a:pPr/>
               <a:t>12</a:t>
-            </a:fld>
-            <a:endParaRPr lang="de-AT" altLang="de-DE"/>
-          </a:p>
-        </p:txBody>
-      </p:sp>
-      <p:sp>
-        <p:nvSpPr>
-          <p:cNvPr id="7" name="Content Placeholder 6"/>
-          <p:cNvSpPr>
-            <a:spLocks noGrp="1"/>
-          </p:cNvSpPr>
-          <p:nvPr>
-            <p:ph idx="1"/>
-          </p:nvPr>
-        </p:nvSpPr>
-        <p:spPr/>
-        <p:txBody>
-          <a:bodyPr/>
-          <a:lstStyle/>
-          <a:p>
-            <a:endParaRPr lang="en-US" dirty="0" smtClean="0"/>
-          </a:p>
-          <a:p>
-            <a:endParaRPr lang="en-US" dirty="0"/>
-          </a:p>
-          <a:p>
-            <a:endParaRPr lang="en-US" dirty="0" smtClean="0"/>
-          </a:p>
-          <a:p>
-            <a:endParaRPr lang="en-US" dirty="0"/>
-          </a:p>
-          <a:p>
-            <a:endParaRPr lang="en-US" dirty="0" smtClean="0"/>
-          </a:p>
-          <a:p>
-            <a:endParaRPr lang="en-US" dirty="0"/>
-          </a:p>
-          <a:p>
-            <a:endParaRPr lang="en-US" dirty="0" smtClean="0"/>
-          </a:p>
-        </p:txBody>
-      </p:sp>
-      <p:pic>
-        <p:nvPicPr>
-          <p:cNvPr id="6" name="Picture 5"/>
-          <p:cNvPicPr>
-            <a:picLocks noChangeAspect="1"/>
-          </p:cNvPicPr>
-          <p:nvPr/>
-        </p:nvPicPr>
-        <p:blipFill>
-          <a:blip r:embed="rId2" cstate="print">
-            <a:extLst>
-              <a:ext uri="{28A0092B-C50C-407E-A947-70E740481C1C}">
-                <a14:useLocalDpi xmlns:a14="http://schemas.microsoft.com/office/drawing/2010/main" val="0"/>
-              </a:ext>
-            </a:extLst>
-          </a:blip>
-          <a:stretch>
-            <a:fillRect/>
-          </a:stretch>
-        </p:blipFill>
-        <p:spPr>
-          <a:xfrm>
-            <a:off x="1539050" y="2121847"/>
-            <a:ext cx="5697246" cy="4119410"/>
-          </a:xfrm>
-          <a:prstGeom prst="rect">
-            <a:avLst/>
-          </a:prstGeom>
-        </p:spPr>
-      </p:pic>
-    </p:spTree>
-    <p:extLst>
-      <p:ext uri="{BB962C8B-B14F-4D97-AF65-F5344CB8AC3E}">
-        <p14:creationId xmlns:p14="http://schemas.microsoft.com/office/powerpoint/2010/main" val="3027901467"/>
-      </p:ext>
-    </p:extLst>
-  </p:cSld>
-  <p:clrMapOvr>
-    <a:masterClrMapping/>
-  </p:clrMapOvr>
-</p:sld>
-</file>
-
-<file path=ppt/slides/slide13.xml><?xml version="1.0" encoding="utf-8"?>
-<p:sld xmlns:a="http://schemas.openxmlformats.org/drawingml/2006/main" xmlns:r="http://schemas.openxmlformats.org/officeDocument/2006/relationships" xmlns:p="http://schemas.openxmlformats.org/presentationml/2006/main">
-  <p:cSld>
-    <p:spTree>
-      <p:nvGrpSpPr>
-        <p:cNvPr id="1" name=""/>
-        <p:cNvGrpSpPr/>
-        <p:nvPr/>
-      </p:nvGrpSpPr>
-      <p:grpSpPr>
-        <a:xfrm>
-          <a:off x="0" y="0"/>
-          <a:ext cx="0" cy="0"/>
-          <a:chOff x="0" y="0"/>
-          <a:chExt cx="0" cy="0"/>
-        </a:xfrm>
-      </p:grpSpPr>
-      <p:sp>
-        <p:nvSpPr>
-          <p:cNvPr id="5" name="Titel 4"/>
-          <p:cNvSpPr>
-            <a:spLocks noGrp="1"/>
-          </p:cNvSpPr>
-          <p:nvPr>
-            <p:ph type="title"/>
-          </p:nvPr>
-        </p:nvSpPr>
-        <p:spPr/>
-        <p:txBody>
-          <a:bodyPr/>
-          <a:lstStyle/>
-          <a:p>
-            <a:r>
-              <a:rPr lang="de-AT" dirty="0" smtClean="0"/>
-              <a:t>Structured features: Graph</a:t>
-            </a:r>
-            <a:endParaRPr lang="de-AT" dirty="0"/>
-          </a:p>
-        </p:txBody>
-      </p:sp>
-      <p:sp>
-        <p:nvSpPr>
-          <p:cNvPr id="2" name="Datumsplatzhalter 1"/>
-          <p:cNvSpPr>
-            <a:spLocks noGrp="1"/>
-          </p:cNvSpPr>
-          <p:nvPr>
-            <p:ph type="dt" sz="half" idx="10"/>
-          </p:nvPr>
-        </p:nvSpPr>
-        <p:spPr/>
-        <p:txBody>
-          <a:bodyPr/>
-          <a:lstStyle/>
-          <a:p>
-            <a:pPr>
-              <a:defRPr/>
-            </a:pPr>
-            <a:fld id="{E3EF207F-073F-41B4-A8D0-129C1C351EF1}" type="datetime1">
-              <a:rPr lang="de-AT" smtClean="0"/>
-              <a:t>25.01.2016</a:t>
-            </a:fld>
-            <a:endParaRPr lang="de-AT" dirty="0"/>
-          </a:p>
-        </p:txBody>
-      </p:sp>
-      <p:sp>
-        <p:nvSpPr>
-          <p:cNvPr id="3" name="Fußzeilenplatzhalter 2"/>
-          <p:cNvSpPr>
-            <a:spLocks noGrp="1"/>
-          </p:cNvSpPr>
-          <p:nvPr>
-            <p:ph type="ftr" sz="quarter" idx="11"/>
-          </p:nvPr>
-        </p:nvSpPr>
-        <p:spPr/>
-        <p:txBody>
-          <a:bodyPr/>
-          <a:lstStyle/>
-          <a:p>
-            <a:pPr>
-              <a:defRPr/>
-            </a:pPr>
-            <a:r>
-              <a:rPr lang="de-AT" smtClean="0"/>
-              <a:t>Silvana Podaras &amp; Florian Schober</a:t>
-            </a:r>
-            <a:endParaRPr lang="de-AT"/>
-          </a:p>
-        </p:txBody>
-      </p:sp>
-      <p:sp>
-        <p:nvSpPr>
-          <p:cNvPr id="4" name="Foliennummernplatzhalter 3"/>
-          <p:cNvSpPr>
-            <a:spLocks noGrp="1"/>
-          </p:cNvSpPr>
-          <p:nvPr>
-            <p:ph type="sldNum" sz="quarter" idx="12"/>
-          </p:nvPr>
-        </p:nvSpPr>
-        <p:spPr/>
-        <p:txBody>
-          <a:bodyPr/>
-          <a:lstStyle/>
-          <a:p>
-            <a:fld id="{CA3F91B5-C267-4146-949F-EABEA95DB02A}" type="slidenum">
-              <a:rPr lang="de-AT" altLang="de-DE" smtClean="0"/>
-              <a:pPr/>
-              <a:t>13</a:t>
             </a:fld>
             <a:endParaRPr lang="de-AT" altLang="de-DE"/>
           </a:p>
@@ -6333,6 +6244,208 @@
 </p:sld>
 </file>
 
+<file path=ppt/slides/slide13.xml><?xml version="1.0" encoding="utf-8"?>
+<p:sld xmlns:a="http://schemas.openxmlformats.org/drawingml/2006/main" xmlns:r="http://schemas.openxmlformats.org/officeDocument/2006/relationships" xmlns:p="http://schemas.openxmlformats.org/presentationml/2006/main">
+  <p:cSld>
+    <p:spTree>
+      <p:nvGrpSpPr>
+        <p:cNvPr id="1" name=""/>
+        <p:cNvGrpSpPr/>
+        <p:nvPr/>
+      </p:nvGrpSpPr>
+      <p:grpSpPr>
+        <a:xfrm>
+          <a:off x="0" y="0"/>
+          <a:ext cx="0" cy="0"/>
+          <a:chOff x="0" y="0"/>
+          <a:chExt cx="0" cy="0"/>
+        </a:xfrm>
+      </p:grpSpPr>
+      <p:sp>
+        <p:nvSpPr>
+          <p:cNvPr id="5" name="Titel 4"/>
+          <p:cNvSpPr>
+            <a:spLocks noGrp="1"/>
+          </p:cNvSpPr>
+          <p:nvPr>
+            <p:ph type="title"/>
+          </p:nvPr>
+        </p:nvSpPr>
+        <p:spPr/>
+        <p:txBody>
+          <a:bodyPr/>
+          <a:lstStyle/>
+          <a:p>
+            <a:r>
+              <a:rPr lang="de-AT" dirty="0" err="1" smtClean="0"/>
+              <a:t>Applications</a:t>
+            </a:r>
+            <a:endParaRPr lang="de-AT" dirty="0"/>
+          </a:p>
+        </p:txBody>
+      </p:sp>
+      <p:sp>
+        <p:nvSpPr>
+          <p:cNvPr id="6" name="Inhaltsplatzhalter 5"/>
+          <p:cNvSpPr>
+            <a:spLocks noGrp="1"/>
+          </p:cNvSpPr>
+          <p:nvPr>
+            <p:ph idx="1"/>
+          </p:nvPr>
+        </p:nvSpPr>
+        <p:spPr/>
+        <p:txBody>
+          <a:bodyPr/>
+          <a:lstStyle/>
+          <a:p>
+            <a:pPr>
+              <a:buFont typeface="Arial" panose="020B0604020202020204" pitchFamily="34" charset="0"/>
+              <a:buChar char="•"/>
+            </a:pPr>
+            <a:r>
+              <a:rPr lang="de-AT" dirty="0" smtClean="0"/>
+              <a:t>Classification / </a:t>
+            </a:r>
+            <a:r>
+              <a:rPr lang="de-AT" dirty="0"/>
+              <a:t>pattern </a:t>
+            </a:r>
+            <a:r>
+              <a:rPr lang="de-AT" dirty="0" smtClean="0"/>
+              <a:t>recognition</a:t>
+            </a:r>
+          </a:p>
+          <a:p>
+            <a:pPr>
+              <a:buFont typeface="Arial" panose="020B0604020202020204" pitchFamily="34" charset="0"/>
+              <a:buChar char="•"/>
+            </a:pPr>
+            <a:endParaRPr lang="de-AT" dirty="0"/>
+          </a:p>
+          <a:p>
+            <a:pPr>
+              <a:buFont typeface="Arial" panose="020B0604020202020204" pitchFamily="34" charset="0"/>
+              <a:buChar char="•"/>
+            </a:pPr>
+            <a:r>
+              <a:rPr lang="de-AT" dirty="0"/>
+              <a:t>Data </a:t>
+            </a:r>
+            <a:r>
+              <a:rPr lang="de-AT" dirty="0" smtClean="0"/>
+              <a:t>representation</a:t>
+            </a:r>
+          </a:p>
+          <a:p>
+            <a:pPr>
+              <a:buFont typeface="Arial" panose="020B0604020202020204" pitchFamily="34" charset="0"/>
+              <a:buChar char="•"/>
+            </a:pPr>
+            <a:endParaRPr lang="de-AT" dirty="0"/>
+          </a:p>
+          <a:p>
+            <a:pPr>
+              <a:buFont typeface="Arial" panose="020B0604020202020204" pitchFamily="34" charset="0"/>
+              <a:buChar char="•"/>
+            </a:pPr>
+            <a:r>
+              <a:rPr lang="de-AT" dirty="0" err="1"/>
+              <a:t>Prediction</a:t>
+            </a:r>
+            <a:endParaRPr lang="de-AT" dirty="0"/>
+          </a:p>
+        </p:txBody>
+      </p:sp>
+      <p:sp>
+        <p:nvSpPr>
+          <p:cNvPr id="2" name="Datumsplatzhalter 1"/>
+          <p:cNvSpPr>
+            <a:spLocks noGrp="1"/>
+          </p:cNvSpPr>
+          <p:nvPr>
+            <p:ph type="dt" sz="half" idx="10"/>
+          </p:nvPr>
+        </p:nvSpPr>
+        <p:spPr/>
+        <p:txBody>
+          <a:bodyPr/>
+          <a:lstStyle/>
+          <a:p>
+            <a:pPr>
+              <a:defRPr/>
+            </a:pPr>
+            <a:fld id="{908BDE4A-9991-4FD0-90A7-2A1AC2958297}" type="datetime1">
+              <a:rPr lang="de-AT" smtClean="0"/>
+              <a:t>25.01.2016</a:t>
+            </a:fld>
+            <a:endParaRPr lang="de-AT" dirty="0"/>
+          </a:p>
+        </p:txBody>
+      </p:sp>
+      <p:sp>
+        <p:nvSpPr>
+          <p:cNvPr id="3" name="Fußzeilenplatzhalter 2"/>
+          <p:cNvSpPr>
+            <a:spLocks noGrp="1"/>
+          </p:cNvSpPr>
+          <p:nvPr>
+            <p:ph type="ftr" sz="quarter" idx="11"/>
+          </p:nvPr>
+        </p:nvSpPr>
+        <p:spPr/>
+        <p:txBody>
+          <a:bodyPr/>
+          <a:lstStyle/>
+          <a:p>
+            <a:pPr>
+              <a:defRPr/>
+            </a:pPr>
+            <a:r>
+              <a:rPr lang="de-AT" smtClean="0"/>
+              <a:t>Silvana Podaras &amp; Florian Schober</a:t>
+            </a:r>
+            <a:endParaRPr lang="de-AT"/>
+          </a:p>
+        </p:txBody>
+      </p:sp>
+      <p:sp>
+        <p:nvSpPr>
+          <p:cNvPr id="4" name="Foliennummernplatzhalter 3"/>
+          <p:cNvSpPr>
+            <a:spLocks noGrp="1"/>
+          </p:cNvSpPr>
+          <p:nvPr>
+            <p:ph type="sldNum" sz="quarter" idx="12"/>
+          </p:nvPr>
+        </p:nvSpPr>
+        <p:spPr/>
+        <p:txBody>
+          <a:bodyPr/>
+          <a:lstStyle/>
+          <a:p>
+            <a:fld id="{CA3F91B5-C267-4146-949F-EABEA95DB02A}" type="slidenum">
+              <a:rPr lang="de-AT" altLang="de-DE" smtClean="0"/>
+              <a:pPr/>
+              <a:t>13</a:t>
+            </a:fld>
+            <a:endParaRPr lang="de-AT" altLang="de-DE"/>
+          </a:p>
+        </p:txBody>
+      </p:sp>
+    </p:spTree>
+    <p:extLst>
+      <p:ext uri="{BB962C8B-B14F-4D97-AF65-F5344CB8AC3E}">
+        <p14:creationId xmlns:p14="http://schemas.microsoft.com/office/powerpoint/2010/main" val="4227374127"/>
+      </p:ext>
+    </p:extLst>
+  </p:cSld>
+  <p:clrMapOvr>
+    <a:masterClrMapping/>
+  </p:clrMapOvr>
+</p:sld>
+</file>
+
 <file path=ppt/slides/slide14.xml><?xml version="1.0" encoding="utf-8"?>
 <p:sld xmlns:a="http://schemas.openxmlformats.org/drawingml/2006/main" xmlns:r="http://schemas.openxmlformats.org/officeDocument/2006/relationships" xmlns:p="http://schemas.openxmlformats.org/presentationml/2006/main">
   <p:cSld>
@@ -6367,7 +6480,7 @@
           <a:p>
             <a:r>
               <a:rPr lang="de-AT" dirty="0" err="1" smtClean="0"/>
-              <a:t>Applications</a:t>
+              <a:t>Literature</a:t>
             </a:r>
             <a:endParaRPr lang="de-AT" dirty="0"/>
           </a:p>
@@ -6383,66 +6496,163 @@
             <p:ph idx="1"/>
           </p:nvPr>
         </p:nvSpPr>
-        <p:spPr/>
+        <p:spPr>
+          <a:xfrm>
+            <a:off x="857224" y="1988840"/>
+            <a:ext cx="7429552" cy="4137323"/>
+          </a:xfrm>
+        </p:spPr>
         <p:txBody>
           <a:bodyPr/>
           <a:lstStyle/>
           <a:p>
-            <a:pPr>
-              <a:buFont typeface="Arial" panose="020B0604020202020204" pitchFamily="34" charset="0"/>
-              <a:buChar char="•"/>
-            </a:pPr>
-            <a:r>
-              <a:rPr lang="de-AT" dirty="0" smtClean="0"/>
-              <a:t>Classification / </a:t>
-            </a:r>
-            <a:r>
-              <a:rPr lang="de-AT" dirty="0"/>
-              <a:t>pattern </a:t>
-            </a:r>
-            <a:r>
-              <a:rPr lang="de-AT" dirty="0" smtClean="0"/>
-              <a:t>recognition</a:t>
-            </a:r>
-          </a:p>
-          <a:p>
-            <a:pPr>
-              <a:buFont typeface="Arial" panose="020B0604020202020204" pitchFamily="34" charset="0"/>
-              <a:buChar char="•"/>
-            </a:pPr>
-            <a:endParaRPr lang="de-AT" dirty="0"/>
-          </a:p>
-          <a:p>
-            <a:pPr>
-              <a:buFont typeface="Arial" panose="020B0604020202020204" pitchFamily="34" charset="0"/>
-              <a:buChar char="•"/>
-            </a:pPr>
-            <a:r>
-              <a:rPr lang="de-AT" dirty="0"/>
-              <a:t>Data </a:t>
-            </a:r>
-            <a:r>
-              <a:rPr lang="de-AT" dirty="0" smtClean="0"/>
-              <a:t>representation</a:t>
-            </a:r>
-          </a:p>
-          <a:p>
-            <a:pPr>
-              <a:buFont typeface="Arial" panose="020B0604020202020204" pitchFamily="34" charset="0"/>
-              <a:buChar char="•"/>
-            </a:pPr>
-            <a:endParaRPr lang="de-AT" dirty="0"/>
-          </a:p>
-          <a:p>
-            <a:pPr>
-              <a:buFont typeface="Arial" panose="020B0604020202020204" pitchFamily="34" charset="0"/>
-              <a:buChar char="•"/>
-            </a:pPr>
-            <a:r>
-              <a:rPr lang="de-AT" dirty="0" err="1"/>
-              <a:t>Prediction</a:t>
-            </a:r>
-            <a:endParaRPr lang="de-AT" dirty="0"/>
+            <a:r>
+              <a:rPr lang="de-AT" sz="1100" dirty="0"/>
+              <a:t>B RANK , J., G ROBELNIK , M., M ILIC -F RAYLING , N., AND M LADENIC , D. 2002. Feature selection using linear support vector machines.</a:t>
+            </a:r>
+          </a:p>
+          <a:p>
+            <a:r>
+              <a:rPr lang="de-AT" sz="1100" dirty="0" smtClean="0"/>
+              <a:t>E </a:t>
+            </a:r>
+            <a:r>
+              <a:rPr lang="de-AT" sz="1100" dirty="0"/>
+              <a:t>PPSTEIN , M., AND H AAKE , P. 2008. Very large scale relieff for genome-wide association analysis. In Computational Intelligence </a:t>
+            </a:r>
+            <a:r>
+              <a:rPr lang="de-AT" sz="1100" dirty="0" smtClean="0"/>
+              <a:t>in Bioinformatics </a:t>
+            </a:r>
+            <a:r>
+              <a:rPr lang="de-AT" sz="1100" dirty="0"/>
+              <a:t>and Computational Biology, 2008. </a:t>
+            </a:r>
+            <a:endParaRPr lang="de-AT" sz="1100" dirty="0" smtClean="0"/>
+          </a:p>
+          <a:p>
+            <a:r>
+              <a:rPr lang="de-AT" sz="1100" dirty="0" smtClean="0"/>
+              <a:t>F </a:t>
+            </a:r>
+            <a:r>
+              <a:rPr lang="de-AT" sz="1100" dirty="0"/>
+              <a:t>ROHLICH , H., C HAPELLE , O., AND S CHOLKOPF , B. 2003. Feature selection for support vector machines by means of genetic algorithm</a:t>
+            </a:r>
+            <a:r>
+              <a:rPr lang="de-AT" sz="1100" dirty="0" smtClean="0"/>
+              <a:t>. In </a:t>
+            </a:r>
+            <a:r>
+              <a:rPr lang="de-AT" sz="1100" dirty="0"/>
+              <a:t>Tools with Artificial Intelligence, 2003. </a:t>
+            </a:r>
+            <a:endParaRPr lang="de-AT" sz="1100" dirty="0" smtClean="0"/>
+          </a:p>
+          <a:p>
+            <a:r>
+              <a:rPr lang="de-AT" sz="1100" dirty="0" smtClean="0"/>
+              <a:t>H </a:t>
+            </a:r>
+            <a:r>
+              <a:rPr lang="de-AT" sz="1100" dirty="0"/>
+              <a:t>OLLAND , J. H. 1992. Adaptation in Natural and Artificial Systems: An Introductory Analysis with Applications to Biology, Control </a:t>
+            </a:r>
+            <a:r>
+              <a:rPr lang="de-AT" sz="1100" dirty="0" smtClean="0"/>
+              <a:t>and Artificial </a:t>
+            </a:r>
+            <a:r>
+              <a:rPr lang="de-AT" sz="1100" dirty="0"/>
+              <a:t>Intelligence. MIT Press, Cambridge, MA, USA.</a:t>
+            </a:r>
+          </a:p>
+          <a:p>
+            <a:r>
+              <a:rPr lang="de-AT" sz="1100" dirty="0"/>
+              <a:t>H UANG , J., H OROWITZ , J. L., AND M A , S. 2008. Asymptotic properties of bridge estimators in sparse high-dimensional regression models</a:t>
+            </a:r>
+            <a:r>
+              <a:rPr lang="de-AT" sz="1100" dirty="0" smtClean="0"/>
+              <a:t>. The </a:t>
+            </a:r>
+            <a:r>
+              <a:rPr lang="de-AT" sz="1100" dirty="0"/>
+              <a:t>Annals of Statistics, 587–613.</a:t>
+            </a:r>
+          </a:p>
+          <a:p>
+            <a:r>
+              <a:rPr lang="de-AT" sz="1100" dirty="0"/>
+              <a:t>J ACOB , L., O BOZINSKI , G., AND V ERT , J.-P. 2009. Group lasso with overlap and graph lasso. In Proceedings of the 26th </a:t>
+            </a:r>
+            <a:r>
+              <a:rPr lang="de-AT" sz="1100" dirty="0" smtClean="0"/>
+              <a:t>annual international </a:t>
+            </a:r>
+            <a:r>
+              <a:rPr lang="de-AT" sz="1100" dirty="0"/>
+              <a:t>conference on machine learning, ACM, 433–440.</a:t>
+            </a:r>
+          </a:p>
+          <a:p>
+            <a:r>
+              <a:rPr lang="de-AT" sz="1100" dirty="0"/>
+              <a:t>J ENATTON , R., M AIRAL , J., B ACH , F. R., AND O BOZINSKI , G. R. 2010. Proximal methods for sparse hierarchical dictionary learning. </a:t>
+            </a:r>
+            <a:r>
+              <a:rPr lang="de-AT" sz="1100" dirty="0" smtClean="0"/>
+              <a:t>In Proceedings </a:t>
+            </a:r>
+            <a:r>
+              <a:rPr lang="de-AT" sz="1100" dirty="0"/>
+              <a:t>of the 27th International Conference on Machine Learning (ICML-10), 487–494.</a:t>
+            </a:r>
+          </a:p>
+          <a:p>
+            <a:r>
+              <a:rPr lang="de-AT" sz="1100" dirty="0"/>
+              <a:t>J IN , X., L I , R., S HEN , X., AND B IE , R. 2007. Automatic web pages categorization with relieff and hidden naive bayes. In Proceedings </a:t>
+            </a:r>
+            <a:r>
+              <a:rPr lang="de-AT" sz="1100" dirty="0" smtClean="0"/>
+              <a:t>of the </a:t>
+            </a:r>
+            <a:r>
+              <a:rPr lang="de-AT" sz="1100" dirty="0"/>
+              <a:t>2007 ACM Symposium on Applied Computing, ACM, New York, NY, USA, SAC ’07, 617–621.</a:t>
+            </a:r>
+          </a:p>
+          <a:p>
+            <a:r>
+              <a:rPr lang="de-AT" sz="1100" dirty="0"/>
+              <a:t>K IM , S., AND X ING , E. P. 2010. Tree-guided group lasso for multi-task regression with structured sparsity.</a:t>
+            </a:r>
+          </a:p>
+          <a:p>
+            <a:r>
+              <a:rPr lang="de-AT" sz="1100" dirty="0"/>
+              <a:t>K IRA , K., AND R ENDELL , L. A. 1992. The feature selection problem: Traditional methods and a new algorithm. In Proceedings of </a:t>
+            </a:r>
+            <a:r>
+              <a:rPr lang="de-AT" sz="1100" dirty="0" smtClean="0"/>
+              <a:t>the Tenth </a:t>
+            </a:r>
+            <a:r>
+              <a:rPr lang="de-AT" sz="1100" dirty="0"/>
+              <a:t>National Conference on Artificial Intelligence, AAAI Press, AAAI’92, 129–134.</a:t>
+            </a:r>
+          </a:p>
+          <a:p>
+            <a:r>
+              <a:rPr lang="de-AT" sz="1100" dirty="0"/>
+              <a:t>K NIGHT , K., AND F U , W. 2000. Asymptotics for lasso-type estimators. Annals of statistics, 1356–1378</a:t>
+            </a:r>
+            <a:r>
+              <a:rPr lang="de-AT" sz="1100" dirty="0" smtClean="0"/>
+              <a:t>.</a:t>
+            </a:r>
+            <a:endParaRPr lang="de-AT" sz="1100" dirty="0"/>
           </a:p>
         </p:txBody>
       </p:sp>
@@ -6464,7 +6674,7 @@
             <a:pPr>
               <a:defRPr/>
             </a:pPr>
-            <a:fld id="{908BDE4A-9991-4FD0-90A7-2A1AC2958297}" type="datetime1">
+            <a:fld id="{F9ECDA19-35E9-44D8-ABD2-5D6049D7FF67}" type="datetime1">
               <a:rPr lang="de-AT" smtClean="0"/>
               <a:t>25.01.2016</a:t>
             </a:fld>
@@ -6525,7 +6735,7 @@
     </p:spTree>
     <p:extLst>
       <p:ext uri="{BB962C8B-B14F-4D97-AF65-F5344CB8AC3E}">
-        <p14:creationId xmlns:p14="http://schemas.microsoft.com/office/powerpoint/2010/main" val="4227374127"/>
+        <p14:creationId xmlns:p14="http://schemas.microsoft.com/office/powerpoint/2010/main" val="1723249046"/>
       </p:ext>
     </p:extLst>
   </p:cSld>
@@ -6596,150 +6806,68 @@
           <a:lstStyle/>
           <a:p>
             <a:r>
-              <a:rPr lang="de-AT" sz="1100" dirty="0"/>
-              <a:t>B RANK , J., G ROBELNIK , M., M ILIC -F RAYLING , N., AND M LADENIC , D. 2002. Feature selection using linear support vector machines.</a:t>
-            </a:r>
-          </a:p>
-          <a:p>
-            <a:r>
               <a:rPr lang="de-AT" sz="1100" dirty="0" smtClean="0"/>
-              <a:t>E </a:t>
-            </a:r>
-            <a:r>
-              <a:rPr lang="de-AT" sz="1100" dirty="0"/>
-              <a:t>PPSTEIN , M., AND H AAKE , P. 2008. Very large scale relieff for genome-wide association analysis. In Computational Intelligence </a:t>
-            </a:r>
+              <a:t>K OHAVI , R., AND J OHN , G. H. 1997. Wrappers for feature subset selection. ARTIFICIAL INTELLIGENCE 97, 1, 273–324.</a:t>
+            </a:r>
+          </a:p>
+          <a:p>
             <a:r>
               <a:rPr lang="de-AT" sz="1100" dirty="0" smtClean="0"/>
-              <a:t>in Bioinformatics </a:t>
-            </a:r>
-            <a:r>
-              <a:rPr lang="de-AT" sz="1100" dirty="0"/>
-              <a:t>and Computational Biology, 2008. </a:t>
-            </a:r>
-            <a:endParaRPr lang="de-AT" sz="1100" dirty="0" smtClean="0"/>
+              <a:t>K ONONENKO , I., S IMEC , E., AND R OBNIK - ˇ S IKONJA , M. 1997. Overcoming the myopia of inductive learning algorithms with relieff. Applied Intelligence 7, 1 (Jan.), 39–55.</a:t>
+            </a:r>
           </a:p>
           <a:p>
             <a:r>
               <a:rPr lang="de-AT" sz="1100" dirty="0" smtClean="0"/>
-              <a:t>F </a:t>
-            </a:r>
-            <a:r>
-              <a:rPr lang="de-AT" sz="1100" dirty="0"/>
-              <a:t>ROHLICH , H., C HAPELLE , O., AND S CHOLKOPF , B. 2003. Feature selection for support vector machines by means of genetic algorithm</a:t>
-            </a:r>
+              <a:t>K UDO , M., AND S KLANSKY , J. 2000. Comparison of algorithms that select features for pattern classifiers. Pattern Recognition 33, 1, 25 – 41.</a:t>
+            </a:r>
+          </a:p>
+          <a:p>
             <a:r>
               <a:rPr lang="de-AT" sz="1100" dirty="0" smtClean="0"/>
-              <a:t>. In </a:t>
-            </a:r>
-            <a:r>
-              <a:rPr lang="de-AT" sz="1100" dirty="0"/>
-              <a:t>Tools with Artificial Intelligence, 2003. </a:t>
-            </a:r>
-            <a:endParaRPr lang="de-AT" sz="1100" dirty="0" smtClean="0"/>
+              <a:t>L EE , L IU , L. W. 2015. Very large scale relieff algorithm on gpu for genome-wide association study. 78 – 84.</a:t>
+            </a:r>
           </a:p>
           <a:p>
             <a:r>
               <a:rPr lang="de-AT" sz="1100" dirty="0" smtClean="0"/>
-              <a:t>H </a:t>
-            </a:r>
-            <a:r>
-              <a:rPr lang="de-AT" sz="1100" dirty="0"/>
-              <a:t>OLLAND , J. H. 1992. Adaptation in Natural and Artificial Systems: An Introductory Analysis with Applications to Biology, Control </a:t>
-            </a:r>
+              <a:t>L IU , J., AND Y E , J. 2010. Moreau-yosida regularization for grouped tree structure learning. In Advances in Neural Information Processing Systems, 1459–1467.</a:t>
+            </a:r>
+          </a:p>
+          <a:p>
             <a:r>
               <a:rPr lang="de-AT" sz="1100" dirty="0" smtClean="0"/>
-              <a:t>and Artificial </a:t>
-            </a:r>
-            <a:r>
-              <a:rPr lang="de-AT" sz="1100" dirty="0"/>
-              <a:t>Intelligence. MIT Press, Cambridge, MA, USA.</a:t>
-            </a:r>
-          </a:p>
-          <a:p>
-            <a:r>
-              <a:rPr lang="de-AT" sz="1100" dirty="0"/>
-              <a:t>H UANG , J., H OROWITZ , J. L., AND M A , S. 2008. Asymptotic properties of bridge estimators in sparse high-dimensional regression models</a:t>
-            </a:r>
+              <a:t>M AO , K. 2004. Orthogonal forward selection and backward elimination algorithms for feature subset selection. Systems, Man, and Cybernetics, Part B: Cybernetics, IEEE Transactions on 34, 1 (Feb), 629–634.</a:t>
+            </a:r>
+          </a:p>
+          <a:p>
             <a:r>
               <a:rPr lang="de-AT" sz="1100" dirty="0" smtClean="0"/>
-              <a:t>. The </a:t>
-            </a:r>
-            <a:r>
-              <a:rPr lang="de-AT" sz="1100" dirty="0"/>
-              <a:t>Annals of Statistics, 587–613.</a:t>
-            </a:r>
-          </a:p>
-          <a:p>
-            <a:r>
-              <a:rPr lang="de-AT" sz="1100" dirty="0"/>
-              <a:t>J ACOB , L., O BOZINSKI , G., AND V ERT , J.-P. 2009. Group lasso with overlap and graph lasso. In Proceedings of the 26th </a:t>
-            </a:r>
+              <a:t>M OORE , J. H., AND W HITE , B. C. 2007. Tuning relieff for genome-wide genetic analysis. In Proceedings of the 5th European Conference on Evolutionary Computation, Machine Learning and Data Mining in Bioinformatics, Springer-Verlag, Berlin, Heidelberg, EvoBIO’07, 166–175.</a:t>
+            </a:r>
+          </a:p>
+          <a:p>
             <a:r>
               <a:rPr lang="de-AT" sz="1100" dirty="0" smtClean="0"/>
-              <a:t>annual international </a:t>
-            </a:r>
-            <a:r>
-              <a:rPr lang="de-AT" sz="1100" dirty="0"/>
-              <a:t>conference on machine learning, ACM, 433–440.</a:t>
-            </a:r>
-          </a:p>
-          <a:p>
-            <a:r>
-              <a:rPr lang="de-AT" sz="1100" dirty="0"/>
-              <a:t>J ENATTON , R., M AIRAL , J., B ACH , F. R., AND O BOZINSKI , G. R. 2010. Proximal methods for sparse hierarchical dictionary learning. </a:t>
-            </a:r>
+              <a:t>N AKARIYAKUL , S., AND C ASASENT , D. P. 2007. Adaptive branch and bound algorithm for selecting optimal features. Pattern Recognition Letters 28, 12, 1415 – 1427.</a:t>
+            </a:r>
+          </a:p>
+          <a:p>
             <a:r>
               <a:rPr lang="de-AT" sz="1100" dirty="0" smtClean="0"/>
-              <a:t>In Proceedings </a:t>
-            </a:r>
-            <a:r>
-              <a:rPr lang="de-AT" sz="1100" dirty="0"/>
-              <a:t>of the 27th International Conference on Machine Learning (ICML-10), 487–494.</a:t>
-            </a:r>
-          </a:p>
-          <a:p>
-            <a:r>
-              <a:rPr lang="de-AT" sz="1100" dirty="0"/>
-              <a:t>J IN , X., L I , R., S HEN , X., AND B IE , R. 2007. Automatic web pages categorization with relieff and hidden naive bayes. In Proceedings </a:t>
-            </a:r>
+              <a:t>N AKARIYAKUL , S., AND C ASASENT , D. P. 2008. Improved forward floating selection algorithm for feature subset selection. In Wavelet Analysis and Pattern Recognition, 2008. ICWAPR ’08. International Conference on, vol. 2, 793–798.</a:t>
+            </a:r>
+          </a:p>
+          <a:p>
             <a:r>
               <a:rPr lang="de-AT" sz="1100" dirty="0" smtClean="0"/>
-              <a:t>of the </a:t>
-            </a:r>
-            <a:r>
-              <a:rPr lang="de-AT" sz="1100" dirty="0"/>
-              <a:t>2007 ACM Symposium on Applied Computing, ACM, New York, NY, USA, SAC ’07, 617–621.</a:t>
-            </a:r>
-          </a:p>
-          <a:p>
-            <a:r>
-              <a:rPr lang="de-AT" sz="1100" dirty="0"/>
-              <a:t>K IM , S., AND X ING , E. P. 2010. Tree-guided group lasso for multi-task regression with structured sparsity.</a:t>
-            </a:r>
-          </a:p>
-          <a:p>
-            <a:r>
-              <a:rPr lang="de-AT" sz="1100" dirty="0"/>
-              <a:t>K IRA , K., AND R ENDELL , L. A. 1992. The feature selection problem: Traditional methods and a new algorithm. In Proceedings of </a:t>
-            </a:r>
+              <a:t>N ARENDRA , P. M., AND F UKUNAGA , K. 1977. A branch and bound algorithm for feature subset selection. Computers, IEEE Transactions on C-26, 9 (Sept), 917–922.</a:t>
+            </a:r>
+          </a:p>
+          <a:p>
             <a:r>
               <a:rPr lang="de-AT" sz="1100" dirty="0" smtClean="0"/>
-              <a:t>the Tenth </a:t>
-            </a:r>
-            <a:r>
-              <a:rPr lang="de-AT" sz="1100" dirty="0"/>
-              <a:t>National Conference on Artificial Intelligence, AAAI Press, AAAI’92, 129–134.</a:t>
-            </a:r>
-          </a:p>
-          <a:p>
-            <a:r>
-              <a:rPr lang="de-AT" sz="1100" dirty="0"/>
-              <a:t>K NIGHT , K., AND F U , W. 2000. Asymptotics for lasso-type estimators. Annals of statistics, 1356–1378</a:t>
-            </a:r>
-            <a:r>
-              <a:rPr lang="de-AT" sz="1100" dirty="0" smtClean="0"/>
-              <a:t>.</a:t>
+              <a:t>O H , I.-S., L EE , J.-S., AND M OON , B.-R. 2004. Hybrid genetic algorithms for feature selection. Pattern Analysis and Machine Intelligence,</a:t>
             </a:r>
             <a:endParaRPr lang="de-AT" sz="1100" dirty="0"/>
           </a:p>
@@ -6824,7 +6952,7 @@
     </p:spTree>
     <p:extLst>
       <p:ext uri="{BB962C8B-B14F-4D97-AF65-F5344CB8AC3E}">
-        <p14:creationId xmlns:p14="http://schemas.microsoft.com/office/powerpoint/2010/main" val="1723249046"/>
+        <p14:creationId xmlns:p14="http://schemas.microsoft.com/office/powerpoint/2010/main" val="3209622137"/>
       </p:ext>
     </p:extLst>
   </p:cSld>
@@ -6896,67 +7024,67 @@
           <a:p>
             <a:r>
               <a:rPr lang="de-AT" sz="1100" dirty="0" smtClean="0"/>
-              <a:t>K OHAVI , R., AND J OHN , G. H. 1997. Wrappers for feature subset selection. ARTIFICIAL INTELLIGENCE 97, 1, 273–324.</a:t>
+              <a:t>P UDIL , P., N OVOVI ˇ COV ´ A , J., AND K ITTLER , J. 1994. Floating search methods in feature selection. Pattern Recogn. Lett. 15, 11 (Nov.),1119–1125.</a:t>
             </a:r>
           </a:p>
           <a:p>
             <a:r>
               <a:rPr lang="de-AT" sz="1100" dirty="0" smtClean="0"/>
-              <a:t>K ONONENKO , I., S IMEC , E., AND R OBNIK - ˇ S IKONJA , M. 1997. Overcoming the myopia of inductive learning algorithms with relieff. Applied Intelligence 7, 1 (Jan.), 39–55.</a:t>
+              <a:t>Q UINLAN , J. R. 1986. Induction of decision trees. Machine learning 1, 1, 81–106.</a:t>
             </a:r>
           </a:p>
           <a:p>
             <a:r>
               <a:rPr lang="de-AT" sz="1100" dirty="0" smtClean="0"/>
-              <a:t>K UDO , M., AND S KLANSKY , J. 2000. Comparison of algorithms that select features for pattern classifiers. Pattern Recognition 33, 1, 25 – 41.</a:t>
+              <a:t>R OBNIK -S IKONJA , M., AND K ONONENKO , I. 1997. An adaptation of relief for attribute estimation in regression. In Proceedings of the Fourteenth International Conference on Machine Learning, Morgan Kaufmann Publishers Inc., San Francisco, CA, USA, ICML ’97, 296–304.</a:t>
             </a:r>
           </a:p>
           <a:p>
             <a:r>
               <a:rPr lang="de-AT" sz="1100" dirty="0" smtClean="0"/>
-              <a:t>L EE , L IU , L. W. 2015. Very large scale relieff algorithm on gpu for genome-wide association study. 78 – 84.</a:t>
+              <a:t>S ALZBERG , S. L. 1994. C4. 5: Programs for machine learning by j. ross quinlan. morgan kaufmann publishers, inc., 1993. Machine Learning 16, 3, 235–240.</a:t>
             </a:r>
           </a:p>
           <a:p>
             <a:r>
               <a:rPr lang="de-AT" sz="1100" dirty="0" smtClean="0"/>
-              <a:t>L IU , J., AND Y E , J. 2010. Moreau-yosida regularization for grouped tree structure learning. In Advances in Neural Information Processing Systems, 1459–1467.</a:t>
+              <a:t>S OMOL , P., P UDIL , P., AND K ITTLER , J. 2004. Fast branch amp; bound algorithms for optimal feature selection. Pattern Analysis and Machine Intelligence, IEEE Transactions on 26, 7 (July), 900–912.</a:t>
             </a:r>
           </a:p>
           <a:p>
             <a:r>
               <a:rPr lang="de-AT" sz="1100" dirty="0" smtClean="0"/>
-              <a:t>M AO , K. 2004. Orthogonal forward selection and backward elimination algorithms for feature subset selection. Systems, Man, and Cybernetics, Part B: Cybernetics, IEEE Transactions on 34, 1 (Feb), 629–634.</a:t>
+              <a:t>T ANG , J., A LELYANI , S., AND L IU , H. 2014. Feature selection for classification: A review. Data Classification: Algorithms and Applica- tions, 37.</a:t>
             </a:r>
           </a:p>
           <a:p>
             <a:r>
               <a:rPr lang="de-AT" sz="1100" dirty="0" smtClean="0"/>
-              <a:t>M OORE , J. H., AND W HITE , B. C. 2007. Tuning relieff for genome-wide genetic analysis. In Proceedings of the 5th European Conference on Evolutionary Computation, Machine Learning and Data Mining in Bioinformatics, Springer-Verlag, Berlin, Heidelberg, EvoBIO’07, 166–175.</a:t>
+              <a:t>T ANG , J., A LELYANI , S., AND L IU , H. 2014. Feature selection for classification: A review. Data Classification: Algorithms and Applica- tions, 37.</a:t>
             </a:r>
           </a:p>
           <a:p>
             <a:r>
               <a:rPr lang="de-AT" sz="1100" dirty="0" smtClean="0"/>
-              <a:t>N AKARIYAKUL , S., AND C ASASENT , D. P. 2007. Adaptive branch and bound algorithm for selecting optimal features. Pattern Recognition Letters 28, 12, 1415 – 1427.</a:t>
+              <a:t>T IBSHIRANI , R. 1996. Regression shrinkage and selection via the lasso. Journal of the Royal Statistical Society. Series B (Methodological), 267–288.</a:t>
             </a:r>
           </a:p>
           <a:p>
             <a:r>
               <a:rPr lang="de-AT" sz="1100" dirty="0" smtClean="0"/>
-              <a:t>N AKARIYAKUL , S., AND C ASASENT , D. P. 2008. Improved forward floating selection algorithm for feature subset selection. In Wavelet Analysis and Pattern Recognition, 2008. ICWAPR ’08. International Conference on, vol. 2, 793–798.</a:t>
+              <a:t>V ERIKAS , A., AND B ACAUSKIENE , M. 2002. Feature selection with neural networks. Pattern Recogn. Lett. 23, 11 (Sept.), 1323–1335.</a:t>
             </a:r>
           </a:p>
           <a:p>
             <a:r>
               <a:rPr lang="de-AT" sz="1100" dirty="0" smtClean="0"/>
-              <a:t>N ARENDRA , P. M., AND F UKUNAGA , K. 1977. A branch and bound algorithm for feature subset selection. Computers, IEEE Transactions on C-26, 9 (Sept), 917–922.</a:t>
+              <a:t>Z OU , H., AND H ASTIE , T. 2005. Regularization and variable selection via the elastic net. Journal of the Royal Statistical Society: Series B (Statistical Methodology) 67, 2, 301–320.</a:t>
             </a:r>
           </a:p>
           <a:p>
             <a:r>
               <a:rPr lang="de-AT" sz="1100" dirty="0" smtClean="0"/>
-              <a:t>O H , I.-S., L EE , J.-S., AND M OON , B.-R. 2004. Hybrid genetic algorithms for feature selection. Pattern Analysis and Machine Intelligence,</a:t>
+              <a:t>Z OU , H. 2006. The adaptive lasso and its oracle properties. Journal of the American statistical association 101, 476, 1418–1429</a:t>
             </a:r>
             <a:endParaRPr lang="de-AT" sz="1100" dirty="0"/>
           </a:p>
@@ -7041,7 +7169,7 @@
     </p:spTree>
     <p:extLst>
       <p:ext uri="{BB962C8B-B14F-4D97-AF65-F5344CB8AC3E}">
-        <p14:creationId xmlns:p14="http://schemas.microsoft.com/office/powerpoint/2010/main" val="3209622137"/>
+        <p14:creationId xmlns:p14="http://schemas.microsoft.com/office/powerpoint/2010/main" val="2719782576"/>
       </p:ext>
     </p:extLst>
   </p:cSld>
@@ -7078,223 +7206,6 @@
             <p:ph type="title"/>
           </p:nvPr>
         </p:nvSpPr>
-        <p:spPr/>
-        <p:txBody>
-          <a:bodyPr/>
-          <a:lstStyle/>
-          <a:p>
-            <a:r>
-              <a:rPr lang="de-AT" dirty="0" err="1" smtClean="0"/>
-              <a:t>Literature</a:t>
-            </a:r>
-            <a:endParaRPr lang="de-AT" dirty="0"/>
-          </a:p>
-        </p:txBody>
-      </p:sp>
-      <p:sp>
-        <p:nvSpPr>
-          <p:cNvPr id="6" name="Inhaltsplatzhalter 5"/>
-          <p:cNvSpPr>
-            <a:spLocks noGrp="1"/>
-          </p:cNvSpPr>
-          <p:nvPr>
-            <p:ph idx="1"/>
-          </p:nvPr>
-        </p:nvSpPr>
-        <p:spPr>
-          <a:xfrm>
-            <a:off x="857224" y="1988840"/>
-            <a:ext cx="7429552" cy="4137323"/>
-          </a:xfrm>
-        </p:spPr>
-        <p:txBody>
-          <a:bodyPr/>
-          <a:lstStyle/>
-          <a:p>
-            <a:r>
-              <a:rPr lang="de-AT" sz="1100" dirty="0" smtClean="0"/>
-              <a:t>P UDIL , P., N OVOVI ˇ COV ´ A , J., AND K ITTLER , J. 1994. Floating search methods in feature selection. Pattern Recogn. Lett. 15, 11 (Nov.),1119–1125.</a:t>
-            </a:r>
-          </a:p>
-          <a:p>
-            <a:r>
-              <a:rPr lang="de-AT" sz="1100" dirty="0" smtClean="0"/>
-              <a:t>Q UINLAN , J. R. 1986. Induction of decision trees. Machine learning 1, 1, 81–106.</a:t>
-            </a:r>
-          </a:p>
-          <a:p>
-            <a:r>
-              <a:rPr lang="de-AT" sz="1100" dirty="0" smtClean="0"/>
-              <a:t>R OBNIK -S IKONJA , M., AND K ONONENKO , I. 1997. An adaptation of relief for attribute estimation in regression. In Proceedings of the Fourteenth International Conference on Machine Learning, Morgan Kaufmann Publishers Inc., San Francisco, CA, USA, ICML ’97, 296–304.</a:t>
-            </a:r>
-          </a:p>
-          <a:p>
-            <a:r>
-              <a:rPr lang="de-AT" sz="1100" dirty="0" smtClean="0"/>
-              <a:t>S ALZBERG , S. L. 1994. C4. 5: Programs for machine learning by j. ross quinlan. morgan kaufmann publishers, inc., 1993. Machine Learning 16, 3, 235–240.</a:t>
-            </a:r>
-          </a:p>
-          <a:p>
-            <a:r>
-              <a:rPr lang="de-AT" sz="1100" dirty="0" smtClean="0"/>
-              <a:t>S OMOL , P., P UDIL , P., AND K ITTLER , J. 2004. Fast branch amp; bound algorithms for optimal feature selection. Pattern Analysis and Machine Intelligence, IEEE Transactions on 26, 7 (July), 900–912.</a:t>
-            </a:r>
-          </a:p>
-          <a:p>
-            <a:r>
-              <a:rPr lang="de-AT" sz="1100" dirty="0" smtClean="0"/>
-              <a:t>T ANG , J., A LELYANI , S., AND L IU , H. 2014. Feature selection for classification: A review. Data Classification: Algorithms and Applica- tions, 37.</a:t>
-            </a:r>
-          </a:p>
-          <a:p>
-            <a:r>
-              <a:rPr lang="de-AT" sz="1100" dirty="0" smtClean="0"/>
-              <a:t>T ANG , J., A LELYANI , S., AND L IU , H. 2014. Feature selection for classification: A review. Data Classification: Algorithms and Applica- tions, 37.</a:t>
-            </a:r>
-          </a:p>
-          <a:p>
-            <a:r>
-              <a:rPr lang="de-AT" sz="1100" dirty="0" smtClean="0"/>
-              <a:t>T IBSHIRANI , R. 1996. Regression shrinkage and selection via the lasso. Journal of the Royal Statistical Society. Series B (Methodological), 267–288.</a:t>
-            </a:r>
-          </a:p>
-          <a:p>
-            <a:r>
-              <a:rPr lang="de-AT" sz="1100" dirty="0" smtClean="0"/>
-              <a:t>V ERIKAS , A., AND B ACAUSKIENE , M. 2002. Feature selection with neural networks. Pattern Recogn. Lett. 23, 11 (Sept.), 1323–1335.</a:t>
-            </a:r>
-          </a:p>
-          <a:p>
-            <a:r>
-              <a:rPr lang="de-AT" sz="1100" dirty="0" smtClean="0"/>
-              <a:t>Z OU , H., AND H ASTIE , T. 2005. Regularization and variable selection via the elastic net. Journal of the Royal Statistical Society: Series B (Statistical Methodology) 67, 2, 301–320.</a:t>
-            </a:r>
-          </a:p>
-          <a:p>
-            <a:r>
-              <a:rPr lang="de-AT" sz="1100" dirty="0" smtClean="0"/>
-              <a:t>Z OU , H. 2006. The adaptive lasso and its oracle properties. Journal of the American statistical association 101, 476, 1418–1429</a:t>
-            </a:r>
-            <a:endParaRPr lang="de-AT" sz="1100" dirty="0"/>
-          </a:p>
-        </p:txBody>
-      </p:sp>
-      <p:sp>
-        <p:nvSpPr>
-          <p:cNvPr id="2" name="Datumsplatzhalter 1"/>
-          <p:cNvSpPr>
-            <a:spLocks noGrp="1"/>
-          </p:cNvSpPr>
-          <p:nvPr>
-            <p:ph type="dt" sz="half" idx="10"/>
-          </p:nvPr>
-        </p:nvSpPr>
-        <p:spPr/>
-        <p:txBody>
-          <a:bodyPr/>
-          <a:lstStyle/>
-          <a:p>
-            <a:pPr>
-              <a:defRPr/>
-            </a:pPr>
-            <a:fld id="{F9ECDA19-35E9-44D8-ABD2-5D6049D7FF67}" type="datetime1">
-              <a:rPr lang="de-AT" smtClean="0"/>
-              <a:t>25.01.2016</a:t>
-            </a:fld>
-            <a:endParaRPr lang="de-AT" dirty="0"/>
-          </a:p>
-        </p:txBody>
-      </p:sp>
-      <p:sp>
-        <p:nvSpPr>
-          <p:cNvPr id="3" name="Fußzeilenplatzhalter 2"/>
-          <p:cNvSpPr>
-            <a:spLocks noGrp="1"/>
-          </p:cNvSpPr>
-          <p:nvPr>
-            <p:ph type="ftr" sz="quarter" idx="11"/>
-          </p:nvPr>
-        </p:nvSpPr>
-        <p:spPr/>
-        <p:txBody>
-          <a:bodyPr/>
-          <a:lstStyle/>
-          <a:p>
-            <a:pPr>
-              <a:defRPr/>
-            </a:pPr>
-            <a:r>
-              <a:rPr lang="de-AT" smtClean="0"/>
-              <a:t>Silvana Podaras &amp; Florian Schober</a:t>
-            </a:r>
-            <a:endParaRPr lang="de-AT"/>
-          </a:p>
-        </p:txBody>
-      </p:sp>
-      <p:sp>
-        <p:nvSpPr>
-          <p:cNvPr id="4" name="Foliennummernplatzhalter 3"/>
-          <p:cNvSpPr>
-            <a:spLocks noGrp="1"/>
-          </p:cNvSpPr>
-          <p:nvPr>
-            <p:ph type="sldNum" sz="quarter" idx="12"/>
-          </p:nvPr>
-        </p:nvSpPr>
-        <p:spPr/>
-        <p:txBody>
-          <a:bodyPr/>
-          <a:lstStyle/>
-          <a:p>
-            <a:fld id="{CA3F91B5-C267-4146-949F-EABEA95DB02A}" type="slidenum">
-              <a:rPr lang="de-AT" altLang="de-DE" smtClean="0"/>
-              <a:pPr/>
-              <a:t>17</a:t>
-            </a:fld>
-            <a:endParaRPr lang="de-AT" altLang="de-DE"/>
-          </a:p>
-        </p:txBody>
-      </p:sp>
-    </p:spTree>
-    <p:extLst>
-      <p:ext uri="{BB962C8B-B14F-4D97-AF65-F5344CB8AC3E}">
-        <p14:creationId xmlns:p14="http://schemas.microsoft.com/office/powerpoint/2010/main" val="2719782576"/>
-      </p:ext>
-    </p:extLst>
-  </p:cSld>
-  <p:clrMapOvr>
-    <a:masterClrMapping/>
-  </p:clrMapOvr>
-</p:sld>
-</file>
-
-<file path=ppt/slides/slide18.xml><?xml version="1.0" encoding="utf-8"?>
-<p:sld xmlns:a="http://schemas.openxmlformats.org/drawingml/2006/main" xmlns:r="http://schemas.openxmlformats.org/officeDocument/2006/relationships" xmlns:p="http://schemas.openxmlformats.org/presentationml/2006/main">
-  <p:cSld>
-    <p:spTree>
-      <p:nvGrpSpPr>
-        <p:cNvPr id="1" name=""/>
-        <p:cNvGrpSpPr/>
-        <p:nvPr/>
-      </p:nvGrpSpPr>
-      <p:grpSpPr>
-        <a:xfrm>
-          <a:off x="0" y="0"/>
-          <a:ext cx="0" cy="0"/>
-          <a:chOff x="0" y="0"/>
-          <a:chExt cx="0" cy="0"/>
-        </a:xfrm>
-      </p:grpSpPr>
-      <p:sp>
-        <p:nvSpPr>
-          <p:cNvPr id="5" name="Titel 4"/>
-          <p:cNvSpPr>
-            <a:spLocks noGrp="1"/>
-          </p:cNvSpPr>
-          <p:nvPr>
-            <p:ph type="title"/>
-          </p:nvPr>
-        </p:nvSpPr>
         <p:spPr>
           <a:xfrm>
             <a:off x="2771800" y="2924944"/>
@@ -7397,7 +7308,7 @@
             <a:fld id="{CA3F91B5-C267-4146-949F-EABEA95DB02A}" type="slidenum">
               <a:rPr lang="de-AT" altLang="de-DE" smtClean="0"/>
               <a:pPr/>
-              <a:t>18</a:t>
+              <a:t>17</a:t>
             </a:fld>
             <a:endParaRPr lang="de-AT" altLang="de-DE"/>
           </a:p>
@@ -8471,7 +8382,15 @@
             </a:pPr>
             <a:r>
               <a:rPr lang="de-AT" dirty="0" smtClean="0"/>
-              <a:t>Use that structure to select features</a:t>
+              <a:t>Use that structure </a:t>
+            </a:r>
+            <a:r>
+              <a:rPr lang="de-AT" smtClean="0"/>
+              <a:t>to select/discard related </a:t>
+            </a:r>
+            <a:r>
+              <a:rPr lang="de-AT" dirty="0" smtClean="0"/>
+              <a:t>features</a:t>
             </a:r>
           </a:p>
           <a:p>
@@ -8813,7 +8732,7 @@
     </p:spTree>
     <p:extLst>
       <p:ext uri="{BB962C8B-B14F-4D97-AF65-F5344CB8AC3E}">
-        <p14:creationId xmlns:p14="http://schemas.microsoft.com/office/powerpoint/2010/main" val="4076193232"/>
+        <p14:creationId xmlns:p14="http://schemas.microsoft.com/office/powerpoint/2010/main" val="3280210728"/>
       </p:ext>
     </p:extLst>
   </p:cSld>
@@ -8856,97 +8775,9 @@
           <a:lstStyle/>
           <a:p>
             <a:r>
-              <a:rPr lang="de-AT" dirty="0" err="1" smtClean="0"/>
-              <a:t>Methods</a:t>
-            </a:r>
-            <a:r>
               <a:rPr lang="de-AT" dirty="0" smtClean="0"/>
-              <a:t> </a:t>
-            </a:r>
-            <a:r>
-              <a:rPr lang="de-AT" dirty="0" err="1" smtClean="0"/>
-              <a:t>for</a:t>
-            </a:r>
-            <a:r>
-              <a:rPr lang="de-AT" dirty="0" smtClean="0"/>
-              <a:t> </a:t>
-            </a:r>
-            <a:r>
-              <a:rPr lang="de-AT" dirty="0" err="1" smtClean="0"/>
-              <a:t>structured</a:t>
-            </a:r>
-            <a:r>
-              <a:rPr lang="de-AT" dirty="0" smtClean="0"/>
-              <a:t> </a:t>
-            </a:r>
-            <a:r>
-              <a:rPr lang="de-AT" dirty="0" err="1" smtClean="0"/>
-              <a:t>features</a:t>
-            </a:r>
-            <a:endParaRPr lang="de-AT" dirty="0"/>
-          </a:p>
-        </p:txBody>
-      </p:sp>
-      <p:sp>
-        <p:nvSpPr>
-          <p:cNvPr id="6" name="Inhaltsplatzhalter 5"/>
-          <p:cNvSpPr>
-            <a:spLocks noGrp="1"/>
-          </p:cNvSpPr>
-          <p:nvPr>
-            <p:ph idx="1"/>
-          </p:nvPr>
-        </p:nvSpPr>
-        <p:spPr/>
-        <p:txBody>
-          <a:bodyPr/>
-          <a:lstStyle/>
-          <a:p>
-            <a:pPr>
-              <a:buFont typeface="Arial" panose="020B0604020202020204" pitchFamily="34" charset="0"/>
-              <a:buChar char="•"/>
-            </a:pPr>
-            <a:r>
-              <a:rPr lang="de-AT" dirty="0"/>
-              <a:t>Group </a:t>
-            </a:r>
-            <a:endParaRPr lang="de-AT" dirty="0" smtClean="0"/>
-          </a:p>
-          <a:p>
-            <a:pPr>
-              <a:buFont typeface="Arial" panose="020B0604020202020204" pitchFamily="34" charset="0"/>
-              <a:buChar char="•"/>
-            </a:pPr>
-            <a:endParaRPr lang="de-AT" dirty="0"/>
-          </a:p>
-          <a:p>
-            <a:pPr>
-              <a:buFont typeface="Arial" panose="020B0604020202020204" pitchFamily="34" charset="0"/>
-              <a:buChar char="•"/>
-            </a:pPr>
-            <a:r>
-              <a:rPr lang="de-AT" dirty="0" smtClean="0"/>
-              <a:t>Tree</a:t>
-            </a:r>
-          </a:p>
-          <a:p>
-            <a:pPr>
-              <a:buFont typeface="Arial" panose="020B0604020202020204" pitchFamily="34" charset="0"/>
-              <a:buChar char="•"/>
-            </a:pPr>
-            <a:endParaRPr lang="de-AT" dirty="0"/>
-          </a:p>
-          <a:p>
-            <a:pPr>
-              <a:buFont typeface="Arial" panose="020B0604020202020204" pitchFamily="34" charset="0"/>
-              <a:buChar char="•"/>
-            </a:pPr>
-            <a:r>
-              <a:rPr lang="de-AT" dirty="0" smtClean="0"/>
-              <a:t>Graph</a:t>
-            </a:r>
-          </a:p>
-          <a:p>
+              <a:t>Structured features: Group</a:t>
+            </a:r>
             <a:endParaRPr lang="de-AT" dirty="0"/>
           </a:p>
         </p:txBody>
@@ -9027,10 +8858,66 @@
           </a:p>
         </p:txBody>
       </p:sp>
+      <p:sp>
+        <p:nvSpPr>
+          <p:cNvPr id="7" name="Content Placeholder 6"/>
+          <p:cNvSpPr>
+            <a:spLocks noGrp="1"/>
+          </p:cNvSpPr>
+          <p:nvPr>
+            <p:ph idx="1"/>
+          </p:nvPr>
+        </p:nvSpPr>
+        <p:spPr/>
+        <p:txBody>
+          <a:bodyPr/>
+          <a:lstStyle/>
+          <a:p>
+            <a:pPr>
+              <a:buFont typeface="Arial" panose="020B0604020202020204" pitchFamily="34" charset="0"/>
+              <a:buChar char="•"/>
+            </a:pPr>
+            <a:r>
+              <a:rPr lang="en-US" dirty="0" smtClean="0"/>
+              <a:t>Groups more likely to be selected completely</a:t>
+            </a:r>
+          </a:p>
+          <a:p>
+            <a:pPr>
+              <a:buFont typeface="Arial" panose="020B0604020202020204" pitchFamily="34" charset="0"/>
+              <a:buChar char="•"/>
+            </a:pPr>
+            <a:endParaRPr lang="en-US" dirty="0" smtClean="0"/>
+          </a:p>
+          <a:p>
+            <a:endParaRPr lang="en-US" dirty="0"/>
+          </a:p>
+          <a:p>
+            <a:endParaRPr lang="en-US" dirty="0" smtClean="0"/>
+          </a:p>
+          <a:p>
+            <a:endParaRPr lang="en-US" dirty="0"/>
+          </a:p>
+          <a:p>
+            <a:endParaRPr lang="en-US" dirty="0" smtClean="0"/>
+          </a:p>
+          <a:p>
+            <a:endParaRPr lang="en-US" dirty="0"/>
+          </a:p>
+          <a:p>
+            <a:pPr algn="r"/>
+            <a:r>
+              <a:rPr lang="en-US" dirty="0" smtClean="0"/>
+              <a:t>e.g. Sparse Group Lasso</a:t>
+            </a:r>
+            <a:endParaRPr lang="en-US" dirty="0"/>
+          </a:p>
+        </p:txBody>
+      </p:sp>
     </p:spTree>
     <p:extLst>
       <p:ext uri="{BB962C8B-B14F-4D97-AF65-F5344CB8AC3E}">
-        <p14:creationId xmlns:p14="http://schemas.microsoft.com/office/powerpoint/2010/main" val="3280210728"/>
+        <p14:creationId xmlns:p14="http://schemas.microsoft.com/office/powerpoint/2010/main" val="3299229457"/>
       </p:ext>
     </p:extLst>
   </p:cSld>
@@ -9073,8 +8960,23 @@
           <a:lstStyle/>
           <a:p>
             <a:r>
+              <a:rPr lang="de-AT" sz="2800" dirty="0" smtClean="0"/>
+              <a:t>Structured features: Group</a:t>
+            </a:r>
+            <a:r>
               <a:rPr lang="de-AT" dirty="0" smtClean="0"/>
-              <a:t>Structured features: Group</a:t>
+              <a:t/>
+            </a:r>
+            <a:br>
+              <a:rPr lang="de-AT" dirty="0" smtClean="0"/>
+            </a:br>
+            <a:r>
+              <a:rPr lang="de-AT" sz="3200" dirty="0" smtClean="0"/>
+              <a:t>Example: (Sparse) </a:t>
+            </a:r>
+            <a:r>
+              <a:rPr lang="de-AT" sz="3200" dirty="0" smtClean="0"/>
+              <a:t>Group Lasso</a:t>
             </a:r>
             <a:endParaRPr lang="de-AT" dirty="0"/>
           </a:p>
@@ -9171,20 +9073,6 @@
           <a:bodyPr/>
           <a:lstStyle/>
           <a:p>
-            <a:pPr>
-              <a:buFont typeface="Arial" panose="020B0604020202020204" pitchFamily="34" charset="0"/>
-              <a:buChar char="•"/>
-            </a:pPr>
-            <a:r>
-              <a:rPr lang="en-US" dirty="0" smtClean="0"/>
-              <a:t>Groups more likely to be selected completely</a:t>
-            </a:r>
-          </a:p>
-          <a:p>
-            <a:pPr>
-              <a:buFont typeface="Arial" panose="020B0604020202020204" pitchFamily="34" charset="0"/>
-              <a:buChar char="•"/>
-            </a:pPr>
             <a:endParaRPr lang="en-US" dirty="0" smtClean="0"/>
           </a:p>
           <a:p>
@@ -9205,20 +9093,42 @@
           <a:p>
             <a:endParaRPr lang="en-US" dirty="0" smtClean="0"/>
           </a:p>
-          <a:p>
-            <a:pPr algn="r"/>
-            <a:r>
-              <a:rPr lang="en-US" dirty="0" smtClean="0"/>
-              <a:t>e.g. Sparse Group Lasso</a:t>
-            </a:r>
-            <a:endParaRPr lang="en-US" dirty="0"/>
-          </a:p>
-        </p:txBody>
-      </p:sp>
+        </p:txBody>
+      </p:sp>
+      <p:pic>
+        <p:nvPicPr>
+          <p:cNvPr id="8" name="Picture 7"/>
+          <p:cNvPicPr>
+            <a:picLocks noChangeAspect="1"/>
+          </p:cNvPicPr>
+          <p:nvPr/>
+        </p:nvPicPr>
+        <p:blipFill>
+          <a:blip r:embed="rId2">
+            <a:extLst>
+              <a:ext uri="{28A0092B-C50C-407E-A947-70E740481C1C}">
+                <a14:useLocalDpi xmlns:a14="http://schemas.microsoft.com/office/drawing/2010/main" val="0"/>
+              </a:ext>
+            </a:extLst>
+          </a:blip>
+          <a:stretch>
+            <a:fillRect/>
+          </a:stretch>
+        </p:blipFill>
+        <p:spPr>
+          <a:xfrm>
+            <a:off x="347531" y="2564904"/>
+            <a:ext cx="8064897" cy="3456384"/>
+          </a:xfrm>
+          <a:prstGeom prst="rect">
+            <a:avLst/>
+          </a:prstGeom>
+        </p:spPr>
+      </p:pic>
     </p:spTree>
     <p:extLst>
       <p:ext uri="{BB962C8B-B14F-4D97-AF65-F5344CB8AC3E}">
-        <p14:creationId xmlns:p14="http://schemas.microsoft.com/office/powerpoint/2010/main" val="3299229457"/>
+        <p14:creationId xmlns:p14="http://schemas.microsoft.com/office/powerpoint/2010/main" val="831775564"/>
       </p:ext>
     </p:extLst>
   </p:cSld>

--- a/presentation/Flo.pptx
+++ b/presentation/Flo.pptx
@@ -7,7 +7,7 @@
     <p:sldMasterId id="2147483667" r:id="rId3"/>
   </p:sldMasterIdLst>
   <p:notesMasterIdLst>
-    <p:notesMasterId r:id="rId21"/>
+    <p:notesMasterId r:id="rId22"/>
   </p:notesMasterIdLst>
   <p:sldIdLst>
     <p:sldId id="256" r:id="rId4"/>
@@ -22,11 +22,12 @@
     <p:sldId id="275" r:id="rId13"/>
     <p:sldId id="280" r:id="rId14"/>
     <p:sldId id="276" r:id="rId15"/>
-    <p:sldId id="268" r:id="rId16"/>
-    <p:sldId id="277" r:id="rId17"/>
-    <p:sldId id="270" r:id="rId18"/>
-    <p:sldId id="278" r:id="rId19"/>
-    <p:sldId id="269" r:id="rId20"/>
+    <p:sldId id="281" r:id="rId16"/>
+    <p:sldId id="268" r:id="rId17"/>
+    <p:sldId id="277" r:id="rId18"/>
+    <p:sldId id="270" r:id="rId19"/>
+    <p:sldId id="278" r:id="rId20"/>
+    <p:sldId id="269" r:id="rId21"/>
   </p:sldIdLst>
   <p:sldSz cx="9144000" cy="6858000" type="screen4x3"/>
   <p:notesSz cx="6858000" cy="9144000"/>
@@ -5745,19 +5746,48 @@
           <a:bodyPr/>
           <a:lstStyle/>
           <a:p>
+            <a:pPr>
+              <a:buFont typeface="Arial" panose="020B0604020202020204" pitchFamily="34" charset="0"/>
+              <a:buChar char="•"/>
+            </a:pPr>
+            <a:r>
+              <a:rPr lang="en-US" dirty="0" smtClean="0"/>
+              <a:t>Allows hierarchical groups</a:t>
+            </a:r>
+          </a:p>
+          <a:p>
+            <a:pPr>
+              <a:buFont typeface="Arial" panose="020B0604020202020204" pitchFamily="34" charset="0"/>
+              <a:buChar char="•"/>
+            </a:pPr>
+            <a:endParaRPr lang="en-US" dirty="0"/>
+          </a:p>
+          <a:p>
+            <a:pPr>
+              <a:buFont typeface="Arial" panose="020B0604020202020204" pitchFamily="34" charset="0"/>
+              <a:buChar char="•"/>
+            </a:pPr>
+            <a:r>
+              <a:rPr lang="en-US" dirty="0" smtClean="0"/>
+              <a:t>Features are leafs</a:t>
+            </a:r>
+          </a:p>
+          <a:p>
+            <a:pPr>
+              <a:buFont typeface="Arial" panose="020B0604020202020204" pitchFamily="34" charset="0"/>
+              <a:buChar char="•"/>
+            </a:pPr>
             <a:endParaRPr lang="en-US" dirty="0" smtClean="0"/>
           </a:p>
           <a:p>
-            <a:endParaRPr lang="en-US" dirty="0"/>
-          </a:p>
-          <a:p>
-            <a:endParaRPr lang="en-US" dirty="0" smtClean="0"/>
-          </a:p>
-          <a:p>
-            <a:endParaRPr lang="en-US" dirty="0"/>
-          </a:p>
-          <a:p>
-            <a:endParaRPr lang="en-US" dirty="0" smtClean="0"/>
+            <a:pPr>
+              <a:buFont typeface="Arial" panose="020B0604020202020204" pitchFamily="34" charset="0"/>
+              <a:buChar char="•"/>
+            </a:pPr>
+            <a:r>
+              <a:rPr lang="en-US" dirty="0" smtClean="0"/>
+              <a:t>Can discard subtrees at once</a:t>
+            </a:r>
           </a:p>
           <a:p>
             <a:endParaRPr lang="en-US" dirty="0"/>
@@ -6277,81 +6307,23 @@
           <a:lstStyle/>
           <a:p>
             <a:r>
-              <a:rPr lang="de-AT" dirty="0" err="1" smtClean="0"/>
-              <a:t>Applications</a:t>
-            </a:r>
-            <a:endParaRPr lang="de-AT" dirty="0"/>
-          </a:p>
-        </p:txBody>
-      </p:sp>
-      <p:sp>
-        <p:nvSpPr>
-          <p:cNvPr id="6" name="Inhaltsplatzhalter 5"/>
-          <p:cNvSpPr>
-            <a:spLocks noGrp="1"/>
-          </p:cNvSpPr>
-          <p:nvPr>
-            <p:ph idx="1"/>
-          </p:nvPr>
-        </p:nvSpPr>
-        <p:spPr/>
-        <p:txBody>
-          <a:bodyPr/>
-          <a:lstStyle/>
-          <a:p>
-            <a:pPr>
-              <a:buFont typeface="Arial" panose="020B0604020202020204" pitchFamily="34" charset="0"/>
-              <a:buChar char="•"/>
-            </a:pPr>
+              <a:rPr lang="de-AT" sz="2800" dirty="0" smtClean="0"/>
+              <a:t>Structured features: Tree</a:t>
+            </a:r>
             <a:r>
               <a:rPr lang="de-AT" dirty="0" smtClean="0"/>
-              <a:t>Classification / </a:t>
-            </a:r>
-            <a:r>
-              <a:rPr lang="de-AT" dirty="0"/>
-              <a:t>pattern </a:t>
-            </a:r>
-            <a:r>
+              <a:t/>
+            </a:r>
+            <a:br>
               <a:rPr lang="de-AT" dirty="0" smtClean="0"/>
-              <a:t>recognition</a:t>
-            </a:r>
-          </a:p>
-          <a:p>
-            <a:pPr>
-              <a:buFont typeface="Arial" panose="020B0604020202020204" pitchFamily="34" charset="0"/>
-              <a:buChar char="•"/>
-            </a:pPr>
-            <a:endParaRPr lang="de-AT" dirty="0"/>
-          </a:p>
-          <a:p>
-            <a:pPr>
-              <a:buFont typeface="Arial" panose="020B0604020202020204" pitchFamily="34" charset="0"/>
-              <a:buChar char="•"/>
-            </a:pPr>
-            <a:r>
-              <a:rPr lang="de-AT" dirty="0"/>
-              <a:t>Data </a:t>
-            </a:r>
-            <a:r>
-              <a:rPr lang="de-AT" dirty="0" smtClean="0"/>
-              <a:t>representation</a:t>
-            </a:r>
-          </a:p>
-          <a:p>
-            <a:pPr>
-              <a:buFont typeface="Arial" panose="020B0604020202020204" pitchFamily="34" charset="0"/>
-              <a:buChar char="•"/>
-            </a:pPr>
-            <a:endParaRPr lang="de-AT" dirty="0"/>
-          </a:p>
-          <a:p>
-            <a:pPr>
-              <a:buFont typeface="Arial" panose="020B0604020202020204" pitchFamily="34" charset="0"/>
-              <a:buChar char="•"/>
-            </a:pPr>
-            <a:r>
-              <a:rPr lang="de-AT" dirty="0" err="1"/>
-              <a:t>Prediction</a:t>
+            </a:br>
+            <a:r>
+              <a:rPr lang="de-AT" sz="3200" dirty="0" smtClean="0"/>
+              <a:t>Example: </a:t>
+            </a:r>
+            <a:r>
+              <a:rPr lang="de-AT" sz="3200" dirty="0" smtClean="0"/>
+              <a:t>Graph Lasso</a:t>
             </a:r>
             <a:endParaRPr lang="de-AT" dirty="0"/>
           </a:p>
@@ -6375,9 +6347,9 @@
             <a:pPr>
               <a:defRPr/>
             </a:pPr>
-            <a:fld id="{908BDE4A-9991-4FD0-90A7-2A1AC2958297}" type="datetime1">
+            <a:fld id="{E3EF207F-073F-41B4-A8D0-129C1C351EF1}" type="datetime1">
               <a:rPr lang="de-AT" smtClean="0"/>
-              <a:t>25.01.2016</a:t>
+              <a:t>26.01.2016</a:t>
             </a:fld>
             <a:endParaRPr lang="de-AT" dirty="0"/>
           </a:p>
@@ -6433,10 +6405,77 @@
           </a:p>
         </p:txBody>
       </p:sp>
+      <p:sp>
+        <p:nvSpPr>
+          <p:cNvPr id="7" name="Content Placeholder 6"/>
+          <p:cNvSpPr>
+            <a:spLocks noGrp="1"/>
+          </p:cNvSpPr>
+          <p:nvPr>
+            <p:ph idx="1"/>
+          </p:nvPr>
+        </p:nvSpPr>
+        <p:spPr/>
+        <p:txBody>
+          <a:bodyPr/>
+          <a:lstStyle/>
+          <a:p>
+            <a:endParaRPr lang="en-US" dirty="0" smtClean="0"/>
+          </a:p>
+          <a:p>
+            <a:endParaRPr lang="en-US" dirty="0"/>
+          </a:p>
+          <a:p>
+            <a:endParaRPr lang="en-US" dirty="0" smtClean="0"/>
+          </a:p>
+          <a:p>
+            <a:endParaRPr lang="en-US" dirty="0"/>
+          </a:p>
+          <a:p>
+            <a:endParaRPr lang="en-US" dirty="0" smtClean="0"/>
+          </a:p>
+          <a:p>
+            <a:endParaRPr lang="en-US" dirty="0"/>
+          </a:p>
+          <a:p>
+            <a:endParaRPr lang="en-US" dirty="0" smtClean="0"/>
+          </a:p>
+        </p:txBody>
+      </p:sp>
+      <p:pic>
+        <p:nvPicPr>
+          <p:cNvPr id="8" name="Picture 7"/>
+          <p:cNvPicPr>
+            <a:picLocks noChangeAspect="1"/>
+          </p:cNvPicPr>
+          <p:nvPr/>
+        </p:nvPicPr>
+        <p:blipFill>
+          <a:blip r:embed="rId2">
+            <a:extLst>
+              <a:ext uri="{28A0092B-C50C-407E-A947-70E740481C1C}">
+                <a14:useLocalDpi xmlns:a14="http://schemas.microsoft.com/office/drawing/2010/main" val="0"/>
+              </a:ext>
+            </a:extLst>
+          </a:blip>
+          <a:stretch>
+            <a:fillRect/>
+          </a:stretch>
+        </p:blipFill>
+        <p:spPr>
+          <a:xfrm>
+            <a:off x="1323975" y="2428868"/>
+            <a:ext cx="6019800" cy="3886510"/>
+          </a:xfrm>
+          <a:prstGeom prst="rect">
+            <a:avLst/>
+          </a:prstGeom>
+        </p:spPr>
+      </p:pic>
     </p:spTree>
     <p:extLst>
       <p:ext uri="{BB962C8B-B14F-4D97-AF65-F5344CB8AC3E}">
-        <p14:creationId xmlns:p14="http://schemas.microsoft.com/office/powerpoint/2010/main" val="4227374127"/>
+        <p14:creationId xmlns:p14="http://schemas.microsoft.com/office/powerpoint/2010/main" val="3248435986"/>
       </p:ext>
     </p:extLst>
   </p:cSld>
@@ -6480,7 +6519,7 @@
           <a:p>
             <a:r>
               <a:rPr lang="de-AT" dirty="0" err="1" smtClean="0"/>
-              <a:t>Literature</a:t>
+              <a:t>Applications</a:t>
             </a:r>
             <a:endParaRPr lang="de-AT" dirty="0"/>
           </a:p>
@@ -6496,163 +6535,66 @@
             <p:ph idx="1"/>
           </p:nvPr>
         </p:nvSpPr>
-        <p:spPr>
-          <a:xfrm>
-            <a:off x="857224" y="1988840"/>
-            <a:ext cx="7429552" cy="4137323"/>
-          </a:xfrm>
-        </p:spPr>
+        <p:spPr/>
         <p:txBody>
           <a:bodyPr/>
           <a:lstStyle/>
           <a:p>
-            <a:r>
-              <a:rPr lang="de-AT" sz="1100" dirty="0"/>
-              <a:t>B RANK , J., G ROBELNIK , M., M ILIC -F RAYLING , N., AND M LADENIC , D. 2002. Feature selection using linear support vector machines.</a:t>
-            </a:r>
-          </a:p>
-          <a:p>
-            <a:r>
-              <a:rPr lang="de-AT" sz="1100" dirty="0" smtClean="0"/>
-              <a:t>E </a:t>
-            </a:r>
-            <a:r>
-              <a:rPr lang="de-AT" sz="1100" dirty="0"/>
-              <a:t>PPSTEIN , M., AND H AAKE , P. 2008. Very large scale relieff for genome-wide association analysis. In Computational Intelligence </a:t>
-            </a:r>
-            <a:r>
-              <a:rPr lang="de-AT" sz="1100" dirty="0" smtClean="0"/>
-              <a:t>in Bioinformatics </a:t>
-            </a:r>
-            <a:r>
-              <a:rPr lang="de-AT" sz="1100" dirty="0"/>
-              <a:t>and Computational Biology, 2008. </a:t>
-            </a:r>
-            <a:endParaRPr lang="de-AT" sz="1100" dirty="0" smtClean="0"/>
-          </a:p>
-          <a:p>
-            <a:r>
-              <a:rPr lang="de-AT" sz="1100" dirty="0" smtClean="0"/>
-              <a:t>F </a:t>
-            </a:r>
-            <a:r>
-              <a:rPr lang="de-AT" sz="1100" dirty="0"/>
-              <a:t>ROHLICH , H., C HAPELLE , O., AND S CHOLKOPF , B. 2003. Feature selection for support vector machines by means of genetic algorithm</a:t>
-            </a:r>
-            <a:r>
-              <a:rPr lang="de-AT" sz="1100" dirty="0" smtClean="0"/>
-              <a:t>. In </a:t>
-            </a:r>
-            <a:r>
-              <a:rPr lang="de-AT" sz="1100" dirty="0"/>
-              <a:t>Tools with Artificial Intelligence, 2003. </a:t>
-            </a:r>
-            <a:endParaRPr lang="de-AT" sz="1100" dirty="0" smtClean="0"/>
-          </a:p>
-          <a:p>
-            <a:r>
-              <a:rPr lang="de-AT" sz="1100" dirty="0" smtClean="0"/>
-              <a:t>H </a:t>
-            </a:r>
-            <a:r>
-              <a:rPr lang="de-AT" sz="1100" dirty="0"/>
-              <a:t>OLLAND , J. H. 1992. Adaptation in Natural and Artificial Systems: An Introductory Analysis with Applications to Biology, Control </a:t>
-            </a:r>
-            <a:r>
-              <a:rPr lang="de-AT" sz="1100" dirty="0" smtClean="0"/>
-              <a:t>and Artificial </a:t>
-            </a:r>
-            <a:r>
-              <a:rPr lang="de-AT" sz="1100" dirty="0"/>
-              <a:t>Intelligence. MIT Press, Cambridge, MA, USA.</a:t>
-            </a:r>
-          </a:p>
-          <a:p>
-            <a:r>
-              <a:rPr lang="de-AT" sz="1100" dirty="0"/>
-              <a:t>H UANG , J., H OROWITZ , J. L., AND M A , S. 2008. Asymptotic properties of bridge estimators in sparse high-dimensional regression models</a:t>
-            </a:r>
-            <a:r>
-              <a:rPr lang="de-AT" sz="1100" dirty="0" smtClean="0"/>
-              <a:t>. The </a:t>
-            </a:r>
-            <a:r>
-              <a:rPr lang="de-AT" sz="1100" dirty="0"/>
-              <a:t>Annals of Statistics, 587–613.</a:t>
-            </a:r>
-          </a:p>
-          <a:p>
-            <a:r>
-              <a:rPr lang="de-AT" sz="1100" dirty="0"/>
-              <a:t>J ACOB , L., O BOZINSKI , G., AND V ERT , J.-P. 2009. Group lasso with overlap and graph lasso. In Proceedings of the 26th </a:t>
-            </a:r>
-            <a:r>
-              <a:rPr lang="de-AT" sz="1100" dirty="0" smtClean="0"/>
-              <a:t>annual international </a:t>
-            </a:r>
-            <a:r>
-              <a:rPr lang="de-AT" sz="1100" dirty="0"/>
-              <a:t>conference on machine learning, ACM, 433–440.</a:t>
-            </a:r>
-          </a:p>
-          <a:p>
-            <a:r>
-              <a:rPr lang="de-AT" sz="1100" dirty="0"/>
-              <a:t>J ENATTON , R., M AIRAL , J., B ACH , F. R., AND O BOZINSKI , G. R. 2010. Proximal methods for sparse hierarchical dictionary learning. </a:t>
-            </a:r>
-            <a:r>
-              <a:rPr lang="de-AT" sz="1100" dirty="0" smtClean="0"/>
-              <a:t>In Proceedings </a:t>
-            </a:r>
-            <a:r>
-              <a:rPr lang="de-AT" sz="1100" dirty="0"/>
-              <a:t>of the 27th International Conference on Machine Learning (ICML-10), 487–494.</a:t>
-            </a:r>
-          </a:p>
-          <a:p>
-            <a:r>
-              <a:rPr lang="de-AT" sz="1100" dirty="0"/>
-              <a:t>J IN , X., L I , R., S HEN , X., AND B IE , R. 2007. Automatic web pages categorization with relieff and hidden naive bayes. In Proceedings </a:t>
-            </a:r>
-            <a:r>
-              <a:rPr lang="de-AT" sz="1100" dirty="0" smtClean="0"/>
-              <a:t>of the </a:t>
-            </a:r>
-            <a:r>
-              <a:rPr lang="de-AT" sz="1100" dirty="0"/>
-              <a:t>2007 ACM Symposium on Applied Computing, ACM, New York, NY, USA, SAC ’07, 617–621.</a:t>
-            </a:r>
-          </a:p>
-          <a:p>
-            <a:r>
-              <a:rPr lang="de-AT" sz="1100" dirty="0"/>
-              <a:t>K IM , S., AND X ING , E. P. 2010. Tree-guided group lasso for multi-task regression with structured sparsity.</a:t>
-            </a:r>
-          </a:p>
-          <a:p>
-            <a:r>
-              <a:rPr lang="de-AT" sz="1100" dirty="0"/>
-              <a:t>K IRA , K., AND R ENDELL , L. A. 1992. The feature selection problem: Traditional methods and a new algorithm. In Proceedings of </a:t>
-            </a:r>
-            <a:r>
-              <a:rPr lang="de-AT" sz="1100" dirty="0" smtClean="0"/>
-              <a:t>the Tenth </a:t>
-            </a:r>
-            <a:r>
-              <a:rPr lang="de-AT" sz="1100" dirty="0"/>
-              <a:t>National Conference on Artificial Intelligence, AAAI Press, AAAI’92, 129–134.</a:t>
-            </a:r>
-          </a:p>
-          <a:p>
-            <a:r>
-              <a:rPr lang="de-AT" sz="1100" dirty="0"/>
-              <a:t>K NIGHT , K., AND F U , W. 2000. Asymptotics for lasso-type estimators. Annals of statistics, 1356–1378</a:t>
-            </a:r>
-            <a:r>
-              <a:rPr lang="de-AT" sz="1100" dirty="0" smtClean="0"/>
-              <a:t>.</a:t>
-            </a:r>
-            <a:endParaRPr lang="de-AT" sz="1100" dirty="0"/>
+            <a:pPr>
+              <a:buFont typeface="Arial" panose="020B0604020202020204" pitchFamily="34" charset="0"/>
+              <a:buChar char="•"/>
+            </a:pPr>
+            <a:r>
+              <a:rPr lang="de-AT" dirty="0" smtClean="0"/>
+              <a:t>Classification / </a:t>
+            </a:r>
+            <a:r>
+              <a:rPr lang="de-AT" dirty="0"/>
+              <a:t>pattern </a:t>
+            </a:r>
+            <a:r>
+              <a:rPr lang="de-AT" dirty="0" smtClean="0"/>
+              <a:t>recognition</a:t>
+            </a:r>
+          </a:p>
+          <a:p>
+            <a:pPr>
+              <a:buFont typeface="Arial" panose="020B0604020202020204" pitchFamily="34" charset="0"/>
+              <a:buChar char="•"/>
+            </a:pPr>
+            <a:endParaRPr lang="de-AT" dirty="0"/>
+          </a:p>
+          <a:p>
+            <a:pPr>
+              <a:buFont typeface="Arial" panose="020B0604020202020204" pitchFamily="34" charset="0"/>
+              <a:buChar char="•"/>
+            </a:pPr>
+            <a:r>
+              <a:rPr lang="de-AT" dirty="0"/>
+              <a:t>Data </a:t>
+            </a:r>
+            <a:r>
+              <a:rPr lang="de-AT" dirty="0" smtClean="0"/>
+              <a:t>representation</a:t>
+            </a:r>
+          </a:p>
+          <a:p>
+            <a:pPr>
+              <a:buFont typeface="Arial" panose="020B0604020202020204" pitchFamily="34" charset="0"/>
+              <a:buChar char="•"/>
+            </a:pPr>
+            <a:endParaRPr lang="de-AT" dirty="0"/>
+          </a:p>
+          <a:p>
+            <a:pPr>
+              <a:buFont typeface="Arial" panose="020B0604020202020204" pitchFamily="34" charset="0"/>
+              <a:buChar char="•"/>
+            </a:pPr>
+            <a:r>
+              <a:rPr lang="de-AT" dirty="0" err="1"/>
+              <a:t>Prediction</a:t>
+            </a:r>
+            <a:endParaRPr lang="de-AT" dirty="0"/>
           </a:p>
         </p:txBody>
       </p:sp>
@@ -6674,7 +6616,7 @@
             <a:pPr>
               <a:defRPr/>
             </a:pPr>
-            <a:fld id="{F9ECDA19-35E9-44D8-ABD2-5D6049D7FF67}" type="datetime1">
+            <a:fld id="{908BDE4A-9991-4FD0-90A7-2A1AC2958297}" type="datetime1">
               <a:rPr lang="de-AT" smtClean="0"/>
               <a:t>25.01.2016</a:t>
             </a:fld>
@@ -6735,7 +6677,7 @@
     </p:spTree>
     <p:extLst>
       <p:ext uri="{BB962C8B-B14F-4D97-AF65-F5344CB8AC3E}">
-        <p14:creationId xmlns:p14="http://schemas.microsoft.com/office/powerpoint/2010/main" val="1723249046"/>
+        <p14:creationId xmlns:p14="http://schemas.microsoft.com/office/powerpoint/2010/main" val="4227374127"/>
       </p:ext>
     </p:extLst>
   </p:cSld>
@@ -6806,68 +6748,150 @@
           <a:lstStyle/>
           <a:p>
             <a:r>
+              <a:rPr lang="de-AT" sz="1100" dirty="0"/>
+              <a:t>B RANK , J., G ROBELNIK , M., M ILIC -F RAYLING , N., AND M LADENIC , D. 2002. Feature selection using linear support vector machines.</a:t>
+            </a:r>
+          </a:p>
+          <a:p>
+            <a:r>
               <a:rPr lang="de-AT" sz="1100" dirty="0" smtClean="0"/>
-              <a:t>K OHAVI , R., AND J OHN , G. H. 1997. Wrappers for feature subset selection. ARTIFICIAL INTELLIGENCE 97, 1, 273–324.</a:t>
-            </a:r>
-          </a:p>
-          <a:p>
+              <a:t>E </a:t>
+            </a:r>
+            <a:r>
+              <a:rPr lang="de-AT" sz="1100" dirty="0"/>
+              <a:t>PPSTEIN , M., AND H AAKE , P. 2008. Very large scale relieff for genome-wide association analysis. In Computational Intelligence </a:t>
+            </a:r>
             <a:r>
               <a:rPr lang="de-AT" sz="1100" dirty="0" smtClean="0"/>
-              <a:t>K ONONENKO , I., S IMEC , E., AND R OBNIK - ˇ S IKONJA , M. 1997. Overcoming the myopia of inductive learning algorithms with relieff. Applied Intelligence 7, 1 (Jan.), 39–55.</a:t>
-            </a:r>
+              <a:t>in Bioinformatics </a:t>
+            </a:r>
+            <a:r>
+              <a:rPr lang="de-AT" sz="1100" dirty="0"/>
+              <a:t>and Computational Biology, 2008. </a:t>
+            </a:r>
+            <a:endParaRPr lang="de-AT" sz="1100" dirty="0" smtClean="0"/>
           </a:p>
           <a:p>
             <a:r>
               <a:rPr lang="de-AT" sz="1100" dirty="0" smtClean="0"/>
-              <a:t>K UDO , M., AND S KLANSKY , J. 2000. Comparison of algorithms that select features for pattern classifiers. Pattern Recognition 33, 1, 25 – 41.</a:t>
-            </a:r>
-          </a:p>
-          <a:p>
+              <a:t>F </a:t>
+            </a:r>
+            <a:r>
+              <a:rPr lang="de-AT" sz="1100" dirty="0"/>
+              <a:t>ROHLICH , H., C HAPELLE , O., AND S CHOLKOPF , B. 2003. Feature selection for support vector machines by means of genetic algorithm</a:t>
+            </a:r>
             <a:r>
               <a:rPr lang="de-AT" sz="1100" dirty="0" smtClean="0"/>
-              <a:t>L EE , L IU , L. W. 2015. Very large scale relieff algorithm on gpu for genome-wide association study. 78 – 84.</a:t>
-            </a:r>
+              <a:t>. In </a:t>
+            </a:r>
+            <a:r>
+              <a:rPr lang="de-AT" sz="1100" dirty="0"/>
+              <a:t>Tools with Artificial Intelligence, 2003. </a:t>
+            </a:r>
+            <a:endParaRPr lang="de-AT" sz="1100" dirty="0" smtClean="0"/>
           </a:p>
           <a:p>
             <a:r>
               <a:rPr lang="de-AT" sz="1100" dirty="0" smtClean="0"/>
-              <a:t>L IU , J., AND Y E , J. 2010. Moreau-yosida regularization for grouped tree structure learning. In Advances in Neural Information Processing Systems, 1459–1467.</a:t>
-            </a:r>
-          </a:p>
-          <a:p>
+              <a:t>H </a:t>
+            </a:r>
+            <a:r>
+              <a:rPr lang="de-AT" sz="1100" dirty="0"/>
+              <a:t>OLLAND , J. H. 1992. Adaptation in Natural and Artificial Systems: An Introductory Analysis with Applications to Biology, Control </a:t>
+            </a:r>
             <a:r>
               <a:rPr lang="de-AT" sz="1100" dirty="0" smtClean="0"/>
-              <a:t>M AO , K. 2004. Orthogonal forward selection and backward elimination algorithms for feature subset selection. Systems, Man, and Cybernetics, Part B: Cybernetics, IEEE Transactions on 34, 1 (Feb), 629–634.</a:t>
-            </a:r>
-          </a:p>
-          <a:p>
+              <a:t>and Artificial </a:t>
+            </a:r>
+            <a:r>
+              <a:rPr lang="de-AT" sz="1100" dirty="0"/>
+              <a:t>Intelligence. MIT Press, Cambridge, MA, USA.</a:t>
+            </a:r>
+          </a:p>
+          <a:p>
+            <a:r>
+              <a:rPr lang="de-AT" sz="1100" dirty="0"/>
+              <a:t>H UANG , J., H OROWITZ , J. L., AND M A , S. 2008. Asymptotic properties of bridge estimators in sparse high-dimensional regression models</a:t>
+            </a:r>
             <a:r>
               <a:rPr lang="de-AT" sz="1100" dirty="0" smtClean="0"/>
-              <a:t>M OORE , J. H., AND W HITE , B. C. 2007. Tuning relieff for genome-wide genetic analysis. In Proceedings of the 5th European Conference on Evolutionary Computation, Machine Learning and Data Mining in Bioinformatics, Springer-Verlag, Berlin, Heidelberg, EvoBIO’07, 166–175.</a:t>
-            </a:r>
-          </a:p>
-          <a:p>
+              <a:t>. The </a:t>
+            </a:r>
+            <a:r>
+              <a:rPr lang="de-AT" sz="1100" dirty="0"/>
+              <a:t>Annals of Statistics, 587–613.</a:t>
+            </a:r>
+          </a:p>
+          <a:p>
+            <a:r>
+              <a:rPr lang="de-AT" sz="1100" dirty="0"/>
+              <a:t>J ACOB , L., O BOZINSKI , G., AND V ERT , J.-P. 2009. Group lasso with overlap and graph lasso. In Proceedings of the 26th </a:t>
+            </a:r>
             <a:r>
               <a:rPr lang="de-AT" sz="1100" dirty="0" smtClean="0"/>
-              <a:t>N AKARIYAKUL , S., AND C ASASENT , D. P. 2007. Adaptive branch and bound algorithm for selecting optimal features. Pattern Recognition Letters 28, 12, 1415 – 1427.</a:t>
-            </a:r>
-          </a:p>
-          <a:p>
+              <a:t>annual international </a:t>
+            </a:r>
+            <a:r>
+              <a:rPr lang="de-AT" sz="1100" dirty="0"/>
+              <a:t>conference on machine learning, ACM, 433–440.</a:t>
+            </a:r>
+          </a:p>
+          <a:p>
+            <a:r>
+              <a:rPr lang="de-AT" sz="1100" dirty="0"/>
+              <a:t>J ENATTON , R., M AIRAL , J., B ACH , F. R., AND O BOZINSKI , G. R. 2010. Proximal methods for sparse hierarchical dictionary learning. </a:t>
+            </a:r>
             <a:r>
               <a:rPr lang="de-AT" sz="1100" dirty="0" smtClean="0"/>
-              <a:t>N AKARIYAKUL , S., AND C ASASENT , D. P. 2008. Improved forward floating selection algorithm for feature subset selection. In Wavelet Analysis and Pattern Recognition, 2008. ICWAPR ’08. International Conference on, vol. 2, 793–798.</a:t>
-            </a:r>
-          </a:p>
-          <a:p>
+              <a:t>In Proceedings </a:t>
+            </a:r>
+            <a:r>
+              <a:rPr lang="de-AT" sz="1100" dirty="0"/>
+              <a:t>of the 27th International Conference on Machine Learning (ICML-10), 487–494.</a:t>
+            </a:r>
+          </a:p>
+          <a:p>
+            <a:r>
+              <a:rPr lang="de-AT" sz="1100" dirty="0"/>
+              <a:t>J IN , X., L I , R., S HEN , X., AND B IE , R. 2007. Automatic web pages categorization with relieff and hidden naive bayes. In Proceedings </a:t>
+            </a:r>
             <a:r>
               <a:rPr lang="de-AT" sz="1100" dirty="0" smtClean="0"/>
-              <a:t>N ARENDRA , P. M., AND F UKUNAGA , K. 1977. A branch and bound algorithm for feature subset selection. Computers, IEEE Transactions on C-26, 9 (Sept), 917–922.</a:t>
-            </a:r>
-          </a:p>
-          <a:p>
+              <a:t>of the </a:t>
+            </a:r>
+            <a:r>
+              <a:rPr lang="de-AT" sz="1100" dirty="0"/>
+              <a:t>2007 ACM Symposium on Applied Computing, ACM, New York, NY, USA, SAC ’07, 617–621.</a:t>
+            </a:r>
+          </a:p>
+          <a:p>
+            <a:r>
+              <a:rPr lang="de-AT" sz="1100" dirty="0"/>
+              <a:t>K IM , S., AND X ING , E. P. 2010. Tree-guided group lasso for multi-task regression with structured sparsity.</a:t>
+            </a:r>
+          </a:p>
+          <a:p>
+            <a:r>
+              <a:rPr lang="de-AT" sz="1100" dirty="0"/>
+              <a:t>K IRA , K., AND R ENDELL , L. A. 1992. The feature selection problem: Traditional methods and a new algorithm. In Proceedings of </a:t>
+            </a:r>
             <a:r>
               <a:rPr lang="de-AT" sz="1100" dirty="0" smtClean="0"/>
-              <a:t>O H , I.-S., L EE , J.-S., AND M OON , B.-R. 2004. Hybrid genetic algorithms for feature selection. Pattern Analysis and Machine Intelligence,</a:t>
+              <a:t>the Tenth </a:t>
+            </a:r>
+            <a:r>
+              <a:rPr lang="de-AT" sz="1100" dirty="0"/>
+              <a:t>National Conference on Artificial Intelligence, AAAI Press, AAAI’92, 129–134.</a:t>
+            </a:r>
+          </a:p>
+          <a:p>
+            <a:r>
+              <a:rPr lang="de-AT" sz="1100" dirty="0"/>
+              <a:t>K NIGHT , K., AND F U , W. 2000. Asymptotics for lasso-type estimators. Annals of statistics, 1356–1378</a:t>
+            </a:r>
+            <a:r>
+              <a:rPr lang="de-AT" sz="1100" dirty="0" smtClean="0"/>
+              <a:t>.</a:t>
             </a:r>
             <a:endParaRPr lang="de-AT" sz="1100" dirty="0"/>
           </a:p>
@@ -6952,7 +6976,7 @@
     </p:spTree>
     <p:extLst>
       <p:ext uri="{BB962C8B-B14F-4D97-AF65-F5344CB8AC3E}">
-        <p14:creationId xmlns:p14="http://schemas.microsoft.com/office/powerpoint/2010/main" val="3209622137"/>
+        <p14:creationId xmlns:p14="http://schemas.microsoft.com/office/powerpoint/2010/main" val="1723249046"/>
       </p:ext>
     </p:extLst>
   </p:cSld>
@@ -7024,67 +7048,67 @@
           <a:p>
             <a:r>
               <a:rPr lang="de-AT" sz="1100" dirty="0" smtClean="0"/>
-              <a:t>P UDIL , P., N OVOVI ˇ COV ´ A , J., AND K ITTLER , J. 1994. Floating search methods in feature selection. Pattern Recogn. Lett. 15, 11 (Nov.),1119–1125.</a:t>
+              <a:t>K OHAVI , R., AND J OHN , G. H. 1997. Wrappers for feature subset selection. ARTIFICIAL INTELLIGENCE 97, 1, 273–324.</a:t>
             </a:r>
           </a:p>
           <a:p>
             <a:r>
               <a:rPr lang="de-AT" sz="1100" dirty="0" smtClean="0"/>
-              <a:t>Q UINLAN , J. R. 1986. Induction of decision trees. Machine learning 1, 1, 81–106.</a:t>
+              <a:t>K ONONENKO , I., S IMEC , E., AND R OBNIK - ˇ S IKONJA , M. 1997. Overcoming the myopia of inductive learning algorithms with relieff. Applied Intelligence 7, 1 (Jan.), 39–55.</a:t>
             </a:r>
           </a:p>
           <a:p>
             <a:r>
               <a:rPr lang="de-AT" sz="1100" dirty="0" smtClean="0"/>
-              <a:t>R OBNIK -S IKONJA , M., AND K ONONENKO , I. 1997. An adaptation of relief for attribute estimation in regression. In Proceedings of the Fourteenth International Conference on Machine Learning, Morgan Kaufmann Publishers Inc., San Francisco, CA, USA, ICML ’97, 296–304.</a:t>
+              <a:t>K UDO , M., AND S KLANSKY , J. 2000. Comparison of algorithms that select features for pattern classifiers. Pattern Recognition 33, 1, 25 – 41.</a:t>
             </a:r>
           </a:p>
           <a:p>
             <a:r>
               <a:rPr lang="de-AT" sz="1100" dirty="0" smtClean="0"/>
-              <a:t>S ALZBERG , S. L. 1994. C4. 5: Programs for machine learning by j. ross quinlan. morgan kaufmann publishers, inc., 1993. Machine Learning 16, 3, 235–240.</a:t>
+              <a:t>L EE , L IU , L. W. 2015. Very large scale relieff algorithm on gpu for genome-wide association study. 78 – 84.</a:t>
             </a:r>
           </a:p>
           <a:p>
             <a:r>
               <a:rPr lang="de-AT" sz="1100" dirty="0" smtClean="0"/>
-              <a:t>S OMOL , P., P UDIL , P., AND K ITTLER , J. 2004. Fast branch amp; bound algorithms for optimal feature selection. Pattern Analysis and Machine Intelligence, IEEE Transactions on 26, 7 (July), 900–912.</a:t>
+              <a:t>L IU , J., AND Y E , J. 2010. Moreau-yosida regularization for grouped tree structure learning. In Advances in Neural Information Processing Systems, 1459–1467.</a:t>
             </a:r>
           </a:p>
           <a:p>
             <a:r>
               <a:rPr lang="de-AT" sz="1100" dirty="0" smtClean="0"/>
-              <a:t>T ANG , J., A LELYANI , S., AND L IU , H. 2014. Feature selection for classification: A review. Data Classification: Algorithms and Applica- tions, 37.</a:t>
+              <a:t>M AO , K. 2004. Orthogonal forward selection and backward elimination algorithms for feature subset selection. Systems, Man, and Cybernetics, Part B: Cybernetics, IEEE Transactions on 34, 1 (Feb), 629–634.</a:t>
             </a:r>
           </a:p>
           <a:p>
             <a:r>
               <a:rPr lang="de-AT" sz="1100" dirty="0" smtClean="0"/>
-              <a:t>T ANG , J., A LELYANI , S., AND L IU , H. 2014. Feature selection for classification: A review. Data Classification: Algorithms and Applica- tions, 37.</a:t>
+              <a:t>M OORE , J. H., AND W HITE , B. C. 2007. Tuning relieff for genome-wide genetic analysis. In Proceedings of the 5th European Conference on Evolutionary Computation, Machine Learning and Data Mining in Bioinformatics, Springer-Verlag, Berlin, Heidelberg, EvoBIO’07, 166–175.</a:t>
             </a:r>
           </a:p>
           <a:p>
             <a:r>
               <a:rPr lang="de-AT" sz="1100" dirty="0" smtClean="0"/>
-              <a:t>T IBSHIRANI , R. 1996. Regression shrinkage and selection via the lasso. Journal of the Royal Statistical Society. Series B (Methodological), 267–288.</a:t>
+              <a:t>N AKARIYAKUL , S., AND C ASASENT , D. P. 2007. Adaptive branch and bound algorithm for selecting optimal features. Pattern Recognition Letters 28, 12, 1415 – 1427.</a:t>
             </a:r>
           </a:p>
           <a:p>
             <a:r>
               <a:rPr lang="de-AT" sz="1100" dirty="0" smtClean="0"/>
-              <a:t>V ERIKAS , A., AND B ACAUSKIENE , M. 2002. Feature selection with neural networks. Pattern Recogn. Lett. 23, 11 (Sept.), 1323–1335.</a:t>
+              <a:t>N AKARIYAKUL , S., AND C ASASENT , D. P. 2008. Improved forward floating selection algorithm for feature subset selection. In Wavelet Analysis and Pattern Recognition, 2008. ICWAPR ’08. International Conference on, vol. 2, 793–798.</a:t>
             </a:r>
           </a:p>
           <a:p>
             <a:r>
               <a:rPr lang="de-AT" sz="1100" dirty="0" smtClean="0"/>
-              <a:t>Z OU , H., AND H ASTIE , T. 2005. Regularization and variable selection via the elastic net. Journal of the Royal Statistical Society: Series B (Statistical Methodology) 67, 2, 301–320.</a:t>
+              <a:t>N ARENDRA , P. M., AND F UKUNAGA , K. 1977. A branch and bound algorithm for feature subset selection. Computers, IEEE Transactions on C-26, 9 (Sept), 917–922.</a:t>
             </a:r>
           </a:p>
           <a:p>
             <a:r>
               <a:rPr lang="de-AT" sz="1100" dirty="0" smtClean="0"/>
-              <a:t>Z OU , H. 2006. The adaptive lasso and its oracle properties. Journal of the American statistical association 101, 476, 1418–1429</a:t>
+              <a:t>O H , I.-S., L EE , J.-S., AND M OON , B.-R. 2004. Hybrid genetic algorithms for feature selection. Pattern Analysis and Machine Intelligence,</a:t>
             </a:r>
             <a:endParaRPr lang="de-AT" sz="1100" dirty="0"/>
           </a:p>
@@ -7169,7 +7193,7 @@
     </p:spTree>
     <p:extLst>
       <p:ext uri="{BB962C8B-B14F-4D97-AF65-F5344CB8AC3E}">
-        <p14:creationId xmlns:p14="http://schemas.microsoft.com/office/powerpoint/2010/main" val="2719782576"/>
+        <p14:creationId xmlns:p14="http://schemas.microsoft.com/office/powerpoint/2010/main" val="3209622137"/>
       </p:ext>
     </p:extLst>
   </p:cSld>
@@ -7206,6 +7230,223 @@
             <p:ph type="title"/>
           </p:nvPr>
         </p:nvSpPr>
+        <p:spPr/>
+        <p:txBody>
+          <a:bodyPr/>
+          <a:lstStyle/>
+          <a:p>
+            <a:r>
+              <a:rPr lang="de-AT" dirty="0" err="1" smtClean="0"/>
+              <a:t>Literature</a:t>
+            </a:r>
+            <a:endParaRPr lang="de-AT" dirty="0"/>
+          </a:p>
+        </p:txBody>
+      </p:sp>
+      <p:sp>
+        <p:nvSpPr>
+          <p:cNvPr id="6" name="Inhaltsplatzhalter 5"/>
+          <p:cNvSpPr>
+            <a:spLocks noGrp="1"/>
+          </p:cNvSpPr>
+          <p:nvPr>
+            <p:ph idx="1"/>
+          </p:nvPr>
+        </p:nvSpPr>
+        <p:spPr>
+          <a:xfrm>
+            <a:off x="857224" y="1988840"/>
+            <a:ext cx="7429552" cy="4137323"/>
+          </a:xfrm>
+        </p:spPr>
+        <p:txBody>
+          <a:bodyPr/>
+          <a:lstStyle/>
+          <a:p>
+            <a:r>
+              <a:rPr lang="de-AT" sz="1100" dirty="0" smtClean="0"/>
+              <a:t>P UDIL , P., N OVOVI ˇ COV ´ A , J., AND K ITTLER , J. 1994. Floating search methods in feature selection. Pattern Recogn. Lett. 15, 11 (Nov.),1119–1125.</a:t>
+            </a:r>
+          </a:p>
+          <a:p>
+            <a:r>
+              <a:rPr lang="de-AT" sz="1100" dirty="0" smtClean="0"/>
+              <a:t>Q UINLAN , J. R. 1986. Induction of decision trees. Machine learning 1, 1, 81–106.</a:t>
+            </a:r>
+          </a:p>
+          <a:p>
+            <a:r>
+              <a:rPr lang="de-AT" sz="1100" dirty="0" smtClean="0"/>
+              <a:t>R OBNIK -S IKONJA , M., AND K ONONENKO , I. 1997. An adaptation of relief for attribute estimation in regression. In Proceedings of the Fourteenth International Conference on Machine Learning, Morgan Kaufmann Publishers Inc., San Francisco, CA, USA, ICML ’97, 296–304.</a:t>
+            </a:r>
+          </a:p>
+          <a:p>
+            <a:r>
+              <a:rPr lang="de-AT" sz="1100" dirty="0" smtClean="0"/>
+              <a:t>S ALZBERG , S. L. 1994. C4. 5: Programs for machine learning by j. ross quinlan. morgan kaufmann publishers, inc., 1993. Machine Learning 16, 3, 235–240.</a:t>
+            </a:r>
+          </a:p>
+          <a:p>
+            <a:r>
+              <a:rPr lang="de-AT" sz="1100" dirty="0" smtClean="0"/>
+              <a:t>S OMOL , P., P UDIL , P., AND K ITTLER , J. 2004. Fast branch amp; bound algorithms for optimal feature selection. Pattern Analysis and Machine Intelligence, IEEE Transactions on 26, 7 (July), 900–912.</a:t>
+            </a:r>
+          </a:p>
+          <a:p>
+            <a:r>
+              <a:rPr lang="de-AT" sz="1100" dirty="0" smtClean="0"/>
+              <a:t>T ANG , J., A LELYANI , S., AND L IU , H. 2014. Feature selection for classification: A review. Data Classification: Algorithms and Applica- tions, 37.</a:t>
+            </a:r>
+          </a:p>
+          <a:p>
+            <a:r>
+              <a:rPr lang="de-AT" sz="1100" dirty="0" smtClean="0"/>
+              <a:t>T ANG , J., A LELYANI , S., AND L IU , H. 2014. Feature selection for classification: A review. Data Classification: Algorithms and Applica- tions, 37.</a:t>
+            </a:r>
+          </a:p>
+          <a:p>
+            <a:r>
+              <a:rPr lang="de-AT" sz="1100" dirty="0" smtClean="0"/>
+              <a:t>T IBSHIRANI , R. 1996. Regression shrinkage and selection via the lasso. Journal of the Royal Statistical Society. Series B (Methodological), 267–288.</a:t>
+            </a:r>
+          </a:p>
+          <a:p>
+            <a:r>
+              <a:rPr lang="de-AT" sz="1100" dirty="0" smtClean="0"/>
+              <a:t>V ERIKAS , A., AND B ACAUSKIENE , M. 2002. Feature selection with neural networks. Pattern Recogn. Lett. 23, 11 (Sept.), 1323–1335.</a:t>
+            </a:r>
+          </a:p>
+          <a:p>
+            <a:r>
+              <a:rPr lang="de-AT" sz="1100" dirty="0" smtClean="0"/>
+              <a:t>Z OU , H., AND H ASTIE , T. 2005. Regularization and variable selection via the elastic net. Journal of the Royal Statistical Society: Series B (Statistical Methodology) 67, 2, 301–320.</a:t>
+            </a:r>
+          </a:p>
+          <a:p>
+            <a:r>
+              <a:rPr lang="de-AT" sz="1100" dirty="0" smtClean="0"/>
+              <a:t>Z OU , H. 2006. The adaptive lasso and its oracle properties. Journal of the American statistical association 101, 476, 1418–1429</a:t>
+            </a:r>
+            <a:endParaRPr lang="de-AT" sz="1100" dirty="0"/>
+          </a:p>
+        </p:txBody>
+      </p:sp>
+      <p:sp>
+        <p:nvSpPr>
+          <p:cNvPr id="2" name="Datumsplatzhalter 1"/>
+          <p:cNvSpPr>
+            <a:spLocks noGrp="1"/>
+          </p:cNvSpPr>
+          <p:nvPr>
+            <p:ph type="dt" sz="half" idx="10"/>
+          </p:nvPr>
+        </p:nvSpPr>
+        <p:spPr/>
+        <p:txBody>
+          <a:bodyPr/>
+          <a:lstStyle/>
+          <a:p>
+            <a:pPr>
+              <a:defRPr/>
+            </a:pPr>
+            <a:fld id="{F9ECDA19-35E9-44D8-ABD2-5D6049D7FF67}" type="datetime1">
+              <a:rPr lang="de-AT" smtClean="0"/>
+              <a:t>25.01.2016</a:t>
+            </a:fld>
+            <a:endParaRPr lang="de-AT" dirty="0"/>
+          </a:p>
+        </p:txBody>
+      </p:sp>
+      <p:sp>
+        <p:nvSpPr>
+          <p:cNvPr id="3" name="Fußzeilenplatzhalter 2"/>
+          <p:cNvSpPr>
+            <a:spLocks noGrp="1"/>
+          </p:cNvSpPr>
+          <p:nvPr>
+            <p:ph type="ftr" sz="quarter" idx="11"/>
+          </p:nvPr>
+        </p:nvSpPr>
+        <p:spPr/>
+        <p:txBody>
+          <a:bodyPr/>
+          <a:lstStyle/>
+          <a:p>
+            <a:pPr>
+              <a:defRPr/>
+            </a:pPr>
+            <a:r>
+              <a:rPr lang="de-AT" smtClean="0"/>
+              <a:t>Silvana Podaras &amp; Florian Schober</a:t>
+            </a:r>
+            <a:endParaRPr lang="de-AT"/>
+          </a:p>
+        </p:txBody>
+      </p:sp>
+      <p:sp>
+        <p:nvSpPr>
+          <p:cNvPr id="4" name="Foliennummernplatzhalter 3"/>
+          <p:cNvSpPr>
+            <a:spLocks noGrp="1"/>
+          </p:cNvSpPr>
+          <p:nvPr>
+            <p:ph type="sldNum" sz="quarter" idx="12"/>
+          </p:nvPr>
+        </p:nvSpPr>
+        <p:spPr/>
+        <p:txBody>
+          <a:bodyPr/>
+          <a:lstStyle/>
+          <a:p>
+            <a:fld id="{CA3F91B5-C267-4146-949F-EABEA95DB02A}" type="slidenum">
+              <a:rPr lang="de-AT" altLang="de-DE" smtClean="0"/>
+              <a:pPr/>
+              <a:t>17</a:t>
+            </a:fld>
+            <a:endParaRPr lang="de-AT" altLang="de-DE"/>
+          </a:p>
+        </p:txBody>
+      </p:sp>
+    </p:spTree>
+    <p:extLst>
+      <p:ext uri="{BB962C8B-B14F-4D97-AF65-F5344CB8AC3E}">
+        <p14:creationId xmlns:p14="http://schemas.microsoft.com/office/powerpoint/2010/main" val="2719782576"/>
+      </p:ext>
+    </p:extLst>
+  </p:cSld>
+  <p:clrMapOvr>
+    <a:masterClrMapping/>
+  </p:clrMapOvr>
+</p:sld>
+</file>
+
+<file path=ppt/slides/slide18.xml><?xml version="1.0" encoding="utf-8"?>
+<p:sld xmlns:a="http://schemas.openxmlformats.org/drawingml/2006/main" xmlns:r="http://schemas.openxmlformats.org/officeDocument/2006/relationships" xmlns:p="http://schemas.openxmlformats.org/presentationml/2006/main">
+  <p:cSld>
+    <p:spTree>
+      <p:nvGrpSpPr>
+        <p:cNvPr id="1" name=""/>
+        <p:cNvGrpSpPr/>
+        <p:nvPr/>
+      </p:nvGrpSpPr>
+      <p:grpSpPr>
+        <a:xfrm>
+          <a:off x="0" y="0"/>
+          <a:ext cx="0" cy="0"/>
+          <a:chOff x="0" y="0"/>
+          <a:chExt cx="0" cy="0"/>
+        </a:xfrm>
+      </p:grpSpPr>
+      <p:sp>
+        <p:nvSpPr>
+          <p:cNvPr id="5" name="Titel 4"/>
+          <p:cNvSpPr>
+            <a:spLocks noGrp="1"/>
+          </p:cNvSpPr>
+          <p:nvPr>
+            <p:ph type="title"/>
+          </p:nvPr>
+        </p:nvSpPr>
         <p:spPr>
           <a:xfrm>
             <a:off x="2771800" y="2924944"/>
@@ -7308,7 +7549,7 @@
             <a:fld id="{CA3F91B5-C267-4146-949F-EABEA95DB02A}" type="slidenum">
               <a:rPr lang="de-AT" altLang="de-DE" smtClean="0"/>
               <a:pPr/>
-              <a:t>17</a:t>
+              <a:t>18</a:t>
             </a:fld>
             <a:endParaRPr lang="de-AT" altLang="de-DE"/>
           </a:p>
@@ -8165,7 +8406,11 @@
             </a:pPr>
             <a:r>
               <a:rPr lang="en-US" dirty="0"/>
-              <a:t>Remove redundancy</a:t>
+              <a:t>Remove </a:t>
+            </a:r>
+            <a:r>
+              <a:rPr lang="en-US" dirty="0" smtClean="0"/>
+              <a:t>redundancy</a:t>
             </a:r>
           </a:p>
           <a:p>
@@ -8173,10 +8418,7 @@
               <a:buFont typeface="Arial" panose="020B0604020202020204" pitchFamily="34" charset="0"/>
               <a:buChar char="•"/>
             </a:pPr>
-            <a:r>
-              <a:rPr lang="en-US" dirty="0"/>
-              <a:t>Expressive representation of data</a:t>
-            </a:r>
+            <a:endParaRPr lang="en-US" dirty="0"/>
           </a:p>
           <a:p>
             <a:pPr>
@@ -8185,8 +8427,37 @@
             </a:pPr>
             <a:r>
               <a:rPr lang="en-US" dirty="0"/>
+              <a:t>Expressive representation of </a:t>
+            </a:r>
+            <a:r>
+              <a:rPr lang="en-US" dirty="0" smtClean="0"/>
+              <a:t>data</a:t>
+            </a:r>
+          </a:p>
+          <a:p>
+            <a:pPr>
+              <a:buFont typeface="Arial" panose="020B0604020202020204" pitchFamily="34" charset="0"/>
+              <a:buChar char="•"/>
+            </a:pPr>
+            <a:endParaRPr lang="en-US" dirty="0"/>
+          </a:p>
+          <a:p>
+            <a:pPr>
+              <a:buFont typeface="Arial" panose="020B0604020202020204" pitchFamily="34" charset="0"/>
+              <a:buChar char="•"/>
+            </a:pPr>
+            <a:r>
+              <a:rPr lang="en-US" dirty="0"/>
               <a:t>More accurate classification  </a:t>
             </a:r>
+            <a:endParaRPr lang="en-US" dirty="0" smtClean="0"/>
+          </a:p>
+          <a:p>
+            <a:pPr>
+              <a:buFont typeface="Arial" panose="020B0604020202020204" pitchFamily="34" charset="0"/>
+              <a:buChar char="•"/>
+            </a:pPr>
+            <a:endParaRPr lang="en-US" dirty="0"/>
           </a:p>
           <a:p>
             <a:pPr>
@@ -8382,15 +8653,7 @@
             </a:pPr>
             <a:r>
               <a:rPr lang="de-AT" dirty="0" smtClean="0"/>
-              <a:t>Use that structure </a:t>
-            </a:r>
-            <a:r>
-              <a:rPr lang="de-AT" smtClean="0"/>
-              <a:t>to select/discard related </a:t>
-            </a:r>
-            <a:r>
-              <a:rPr lang="de-AT" dirty="0" smtClean="0"/>
-              <a:t>features</a:t>
+              <a:t>Select/discard related features</a:t>
             </a:r>
           </a:p>
           <a:p>
@@ -8425,14 +8688,6 @@
           <a:p>
             <a:pPr marL="0" indent="0"/>
             <a:endParaRPr lang="de-AT" dirty="0" smtClean="0"/>
-          </a:p>
-          <a:p>
-            <a:pPr marL="0" indent="0" algn="r"/>
-            <a:r>
-              <a:rPr lang="de-AT" dirty="0" smtClean="0"/>
-              <a:t>e.g. Tree structure</a:t>
-            </a:r>
-            <a:endParaRPr lang="de-AT" dirty="0"/>
           </a:p>
         </p:txBody>
       </p:sp>
@@ -8879,7 +9134,7 @@
             </a:pPr>
             <a:r>
               <a:rPr lang="en-US" dirty="0" smtClean="0"/>
-              <a:t>Groups more likely to be selected completely</a:t>
+              <a:t>Cluster features into groups</a:t>
             </a:r>
           </a:p>
           <a:p>
@@ -8890,19 +9145,45 @@
             <a:endParaRPr lang="en-US" dirty="0" smtClean="0"/>
           </a:p>
           <a:p>
+            <a:pPr>
+              <a:buFont typeface="Arial" panose="020B0604020202020204" pitchFamily="34" charset="0"/>
+              <a:buChar char="•"/>
+            </a:pPr>
+            <a:r>
+              <a:rPr lang="en-US" dirty="0" smtClean="0"/>
+              <a:t>Groups more likely to be selected completely</a:t>
+            </a:r>
+          </a:p>
+          <a:p>
+            <a:pPr>
+              <a:buFont typeface="Arial" panose="020B0604020202020204" pitchFamily="34" charset="0"/>
+              <a:buChar char="•"/>
+            </a:pPr>
             <a:endParaRPr lang="en-US" dirty="0"/>
           </a:p>
           <a:p>
-            <a:endParaRPr lang="en-US" dirty="0" smtClean="0"/>
-          </a:p>
-          <a:p>
-            <a:endParaRPr lang="en-US" dirty="0"/>
-          </a:p>
-          <a:p>
-            <a:endParaRPr lang="en-US" dirty="0" smtClean="0"/>
-          </a:p>
-          <a:p>
-            <a:endParaRPr lang="en-US" dirty="0"/>
+            <a:pPr>
+              <a:buFont typeface="Arial" panose="020B0604020202020204" pitchFamily="34" charset="0"/>
+              <a:buChar char="•"/>
+            </a:pPr>
+            <a:r>
+              <a:rPr lang="en-US" dirty="0" smtClean="0"/>
+              <a:t>Challenges:</a:t>
+            </a:r>
+          </a:p>
+          <a:p>
+            <a:pPr lvl="1"/>
+            <a:r>
+              <a:rPr lang="en-US" dirty="0" smtClean="0"/>
+              <a:t>Group- or feature-selection?</a:t>
+            </a:r>
+          </a:p>
+          <a:p>
+            <a:pPr lvl="1"/>
+            <a:r>
+              <a:rPr lang="en-US" dirty="0" smtClean="0"/>
+              <a:t>Overlapping groups</a:t>
+            </a:r>
           </a:p>
           <a:p>
             <a:pPr algn="r"/>
@@ -9117,7 +9398,7 @@
         </p:blipFill>
         <p:spPr>
           <a:xfrm>
-            <a:off x="347531" y="2564904"/>
+            <a:off x="395535" y="2564904"/>
             <a:ext cx="8064897" cy="3456384"/>
           </a:xfrm>
           <a:prstGeom prst="rect">

--- a/presentation/Flo.pptx
+++ b/presentation/Flo.pptx
@@ -7,27 +7,26 @@
     <p:sldMasterId id="2147483667" r:id="rId3"/>
   </p:sldMasterIdLst>
   <p:notesMasterIdLst>
-    <p:notesMasterId r:id="rId22"/>
+    <p:notesMasterId r:id="rId21"/>
   </p:notesMasterIdLst>
   <p:sldIdLst>
     <p:sldId id="256" r:id="rId4"/>
     <p:sldId id="257" r:id="rId5"/>
     <p:sldId id="271" r:id="rId6"/>
-    <p:sldId id="272" r:id="rId7"/>
-    <p:sldId id="258" r:id="rId8"/>
-    <p:sldId id="266" r:id="rId9"/>
-    <p:sldId id="273" r:id="rId10"/>
-    <p:sldId id="274" r:id="rId11"/>
-    <p:sldId id="279" r:id="rId12"/>
-    <p:sldId id="275" r:id="rId13"/>
-    <p:sldId id="280" r:id="rId14"/>
-    <p:sldId id="276" r:id="rId15"/>
-    <p:sldId id="281" r:id="rId16"/>
-    <p:sldId id="268" r:id="rId17"/>
-    <p:sldId id="277" r:id="rId18"/>
-    <p:sldId id="270" r:id="rId19"/>
-    <p:sldId id="278" r:id="rId20"/>
-    <p:sldId id="269" r:id="rId21"/>
+    <p:sldId id="258" r:id="rId7"/>
+    <p:sldId id="266" r:id="rId8"/>
+    <p:sldId id="273" r:id="rId9"/>
+    <p:sldId id="274" r:id="rId10"/>
+    <p:sldId id="279" r:id="rId11"/>
+    <p:sldId id="275" r:id="rId12"/>
+    <p:sldId id="280" r:id="rId13"/>
+    <p:sldId id="276" r:id="rId14"/>
+    <p:sldId id="281" r:id="rId15"/>
+    <p:sldId id="268" r:id="rId16"/>
+    <p:sldId id="277" r:id="rId17"/>
+    <p:sldId id="270" r:id="rId18"/>
+    <p:sldId id="278" r:id="rId19"/>
+    <p:sldId id="269" r:id="rId20"/>
   </p:sldIdLst>
   <p:sldSz cx="9144000" cy="6858000" type="screen4x3"/>
   <p:notesSz cx="6858000" cy="9144000"/>
@@ -276,7 +275,7 @@
               <a:pPr>
                 <a:defRPr/>
               </a:pPr>
-              <a:t>25.01.2016</a:t>
+              <a:t>26.01.2016</a:t>
             </a:fld>
             <a:endParaRPr lang="de-DE"/>
           </a:p>
@@ -998,7 +997,7 @@
             <a:fld id="{07914D93-ABC8-448C-8296-85FD12164B61}" type="slidenum">
               <a:rPr lang="de-DE" altLang="de-DE" smtClean="0"/>
               <a:pPr/>
-              <a:t>5</a:t>
+              <a:t>4</a:t>
             </a:fld>
             <a:endParaRPr lang="de-DE" altLang="de-DE"/>
           </a:p>
@@ -1083,7 +1082,7 @@
             <a:fld id="{07914D93-ABC8-448C-8296-85FD12164B61}" type="slidenum">
               <a:rPr lang="de-DE" altLang="de-DE" smtClean="0"/>
               <a:pPr/>
-              <a:t>7</a:t>
+              <a:t>6</a:t>
             </a:fld>
             <a:endParaRPr lang="de-DE" altLang="de-DE"/>
           </a:p>
@@ -1168,7 +1167,7 @@
             <a:fld id="{07914D93-ABC8-448C-8296-85FD12164B61}" type="slidenum">
               <a:rPr lang="de-DE" altLang="de-DE" smtClean="0"/>
               <a:pPr/>
-              <a:t>8</a:t>
+              <a:t>7</a:t>
             </a:fld>
             <a:endParaRPr lang="de-DE" altLang="de-DE"/>
           </a:p>
@@ -1253,7 +1252,7 @@
             <a:fld id="{07914D93-ABC8-448C-8296-85FD12164B61}" type="slidenum">
               <a:rPr lang="de-DE" altLang="de-DE" smtClean="0"/>
               <a:pPr/>
-              <a:t>12</a:t>
+              <a:t>11</a:t>
             </a:fld>
             <a:endParaRPr lang="de-DE" altLang="de-DE"/>
           </a:p>
@@ -1682,7 +1681,7 @@
             </a:pPr>
             <a:fld id="{313E03E4-20CF-48A5-8E46-664D67CC4F9B}" type="datetime1">
               <a:rPr lang="de-AT" smtClean="0"/>
-              <a:t>25.01.2016</a:t>
+              <a:t>26.01.2016</a:t>
             </a:fld>
             <a:endParaRPr lang="de-AT" dirty="0"/>
           </a:p>
@@ -2044,7 +2043,7 @@
             </a:pPr>
             <a:fld id="{F730624D-5A85-4FAC-A8C2-B755D15BE30C}" type="datetime1">
               <a:rPr lang="de-AT" smtClean="0"/>
-              <a:t>25.01.2016</a:t>
+              <a:t>26.01.2016</a:t>
             </a:fld>
             <a:endParaRPr lang="de-DE" dirty="0"/>
           </a:p>
@@ -2303,7 +2302,7 @@
             </a:pPr>
             <a:fld id="{135E24B5-1E36-438C-904C-CD42E1DCFA04}" type="datetime1">
               <a:rPr lang="de-AT" smtClean="0"/>
-              <a:t>25.01.2016</a:t>
+              <a:t>26.01.2016</a:t>
             </a:fld>
             <a:endParaRPr lang="de-AT" dirty="0"/>
           </a:p>
@@ -2665,7 +2664,7 @@
             </a:pPr>
             <a:fld id="{67B04FA4-9677-4060-AEC5-A194A4206A7E}" type="datetime1">
               <a:rPr lang="de-AT" smtClean="0"/>
-              <a:t>25.01.2016</a:t>
+              <a:t>26.01.2016</a:t>
             </a:fld>
             <a:endParaRPr lang="de-DE" dirty="0"/>
           </a:p>
@@ -3849,7 +3848,7 @@
             </a:pPr>
             <a:fld id="{26E64AFB-CD74-4F0C-BE4C-5D4B579A5B4E}" type="datetime1">
               <a:rPr lang="de-AT" smtClean="0"/>
-              <a:t>25.01.2016</a:t>
+              <a:t>26.01.2016</a:t>
             </a:fld>
             <a:endParaRPr lang="de-DE"/>
           </a:p>
@@ -4710,7 +4709,7 @@
             </a:pPr>
             <a:fld id="{9148F9E5-5C64-40E0-B66F-AEA8B1541FE1}" type="datetime1">
               <a:rPr lang="de-AT" smtClean="0"/>
-              <a:t>25.01.2016</a:t>
+              <a:t>26.01.2016</a:t>
             </a:fld>
             <a:endParaRPr lang="de-DE"/>
           </a:p>
@@ -5648,8 +5647,19 @@
           <a:lstStyle/>
           <a:p>
             <a:r>
+              <a:rPr lang="de-AT" sz="2800" dirty="0" smtClean="0"/>
+              <a:t>Structured features: Tree</a:t>
+            </a:r>
+            <a:r>
               <a:rPr lang="de-AT" dirty="0" smtClean="0"/>
-              <a:t>Structured features: Tree</a:t>
+              <a:t/>
+            </a:r>
+            <a:br>
+              <a:rPr lang="de-AT" dirty="0" smtClean="0"/>
+            </a:br>
+            <a:r>
+              <a:rPr lang="de-AT" sz="3200" dirty="0" smtClean="0"/>
+              <a:t>Example: Tree structured group Lasso</a:t>
             </a:r>
             <a:endParaRPr lang="de-AT" dirty="0"/>
           </a:p>
@@ -5675,7 +5685,7 @@
             </a:pPr>
             <a:fld id="{E3EF207F-073F-41B4-A8D0-129C1C351EF1}" type="datetime1">
               <a:rPr lang="de-AT" smtClean="0"/>
-              <a:t>25.01.2016</a:t>
+              <a:t>26.01.2016</a:t>
             </a:fld>
             <a:endParaRPr lang="de-AT" dirty="0"/>
           </a:p>
@@ -5726,235 +5736,6 @@
               <a:rPr lang="de-AT" altLang="de-DE" smtClean="0"/>
               <a:pPr/>
               <a:t>10</a:t>
-            </a:fld>
-            <a:endParaRPr lang="de-AT" altLang="de-DE"/>
-          </a:p>
-        </p:txBody>
-      </p:sp>
-      <p:sp>
-        <p:nvSpPr>
-          <p:cNvPr id="7" name="Content Placeholder 6"/>
-          <p:cNvSpPr>
-            <a:spLocks noGrp="1"/>
-          </p:cNvSpPr>
-          <p:nvPr>
-            <p:ph idx="1"/>
-          </p:nvPr>
-        </p:nvSpPr>
-        <p:spPr/>
-        <p:txBody>
-          <a:bodyPr/>
-          <a:lstStyle/>
-          <a:p>
-            <a:pPr>
-              <a:buFont typeface="Arial" panose="020B0604020202020204" pitchFamily="34" charset="0"/>
-              <a:buChar char="•"/>
-            </a:pPr>
-            <a:r>
-              <a:rPr lang="en-US" dirty="0" smtClean="0"/>
-              <a:t>Allows hierarchical groups</a:t>
-            </a:r>
-          </a:p>
-          <a:p>
-            <a:pPr>
-              <a:buFont typeface="Arial" panose="020B0604020202020204" pitchFamily="34" charset="0"/>
-              <a:buChar char="•"/>
-            </a:pPr>
-            <a:endParaRPr lang="en-US" dirty="0"/>
-          </a:p>
-          <a:p>
-            <a:pPr>
-              <a:buFont typeface="Arial" panose="020B0604020202020204" pitchFamily="34" charset="0"/>
-              <a:buChar char="•"/>
-            </a:pPr>
-            <a:r>
-              <a:rPr lang="en-US" dirty="0" smtClean="0"/>
-              <a:t>Features are leafs</a:t>
-            </a:r>
-          </a:p>
-          <a:p>
-            <a:pPr>
-              <a:buFont typeface="Arial" panose="020B0604020202020204" pitchFamily="34" charset="0"/>
-              <a:buChar char="•"/>
-            </a:pPr>
-            <a:endParaRPr lang="en-US" dirty="0" smtClean="0"/>
-          </a:p>
-          <a:p>
-            <a:pPr>
-              <a:buFont typeface="Arial" panose="020B0604020202020204" pitchFamily="34" charset="0"/>
-              <a:buChar char="•"/>
-            </a:pPr>
-            <a:r>
-              <a:rPr lang="en-US" dirty="0" smtClean="0"/>
-              <a:t>Can discard subtrees at once</a:t>
-            </a:r>
-          </a:p>
-          <a:p>
-            <a:endParaRPr lang="en-US" dirty="0"/>
-          </a:p>
-          <a:p>
-            <a:endParaRPr lang="en-US" dirty="0" smtClean="0"/>
-          </a:p>
-          <a:p>
-            <a:pPr algn="r"/>
-            <a:r>
-              <a:rPr lang="en-US" dirty="0" smtClean="0"/>
-              <a:t>e.g</a:t>
-            </a:r>
-            <a:r>
-              <a:rPr lang="en-US" dirty="0"/>
-              <a:t>. </a:t>
-            </a:r>
-            <a:r>
-              <a:rPr lang="en-US" dirty="0" smtClean="0"/>
-              <a:t>Tree </a:t>
-            </a:r>
-            <a:r>
-              <a:rPr lang="en-US" dirty="0"/>
-              <a:t>structured group Lasso</a:t>
-            </a:r>
-          </a:p>
-        </p:txBody>
-      </p:sp>
-    </p:spTree>
-    <p:extLst>
-      <p:ext uri="{BB962C8B-B14F-4D97-AF65-F5344CB8AC3E}">
-        <p14:creationId xmlns:p14="http://schemas.microsoft.com/office/powerpoint/2010/main" val="1983201118"/>
-      </p:ext>
-    </p:extLst>
-  </p:cSld>
-  <p:clrMapOvr>
-    <a:masterClrMapping/>
-  </p:clrMapOvr>
-</p:sld>
-</file>
-
-<file path=ppt/slides/slide11.xml><?xml version="1.0" encoding="utf-8"?>
-<p:sld xmlns:a="http://schemas.openxmlformats.org/drawingml/2006/main" xmlns:r="http://schemas.openxmlformats.org/officeDocument/2006/relationships" xmlns:p="http://schemas.openxmlformats.org/presentationml/2006/main">
-  <p:cSld>
-    <p:spTree>
-      <p:nvGrpSpPr>
-        <p:cNvPr id="1" name=""/>
-        <p:cNvGrpSpPr/>
-        <p:nvPr/>
-      </p:nvGrpSpPr>
-      <p:grpSpPr>
-        <a:xfrm>
-          <a:off x="0" y="0"/>
-          <a:ext cx="0" cy="0"/>
-          <a:chOff x="0" y="0"/>
-          <a:chExt cx="0" cy="0"/>
-        </a:xfrm>
-      </p:grpSpPr>
-      <p:sp>
-        <p:nvSpPr>
-          <p:cNvPr id="5" name="Titel 4"/>
-          <p:cNvSpPr>
-            <a:spLocks noGrp="1"/>
-          </p:cNvSpPr>
-          <p:nvPr>
-            <p:ph type="title"/>
-          </p:nvPr>
-        </p:nvSpPr>
-        <p:spPr/>
-        <p:txBody>
-          <a:bodyPr/>
-          <a:lstStyle/>
-          <a:p>
-            <a:r>
-              <a:rPr lang="de-AT" sz="2800" dirty="0" smtClean="0"/>
-              <a:t>Structured features: Tree</a:t>
-            </a:r>
-            <a:r>
-              <a:rPr lang="de-AT" dirty="0" smtClean="0"/>
-              <a:t/>
-            </a:r>
-            <a:br>
-              <a:rPr lang="de-AT" dirty="0" smtClean="0"/>
-            </a:br>
-            <a:r>
-              <a:rPr lang="de-AT" sz="3200" dirty="0" smtClean="0"/>
-              <a:t>Example: </a:t>
-            </a:r>
-            <a:r>
-              <a:rPr lang="de-AT" sz="3200" dirty="0" smtClean="0"/>
-              <a:t>Tree structured group Lasso</a:t>
-            </a:r>
-            <a:endParaRPr lang="de-AT" dirty="0"/>
-          </a:p>
-        </p:txBody>
-      </p:sp>
-      <p:sp>
-        <p:nvSpPr>
-          <p:cNvPr id="2" name="Datumsplatzhalter 1"/>
-          <p:cNvSpPr>
-            <a:spLocks noGrp="1"/>
-          </p:cNvSpPr>
-          <p:nvPr>
-            <p:ph type="dt" sz="half" idx="10"/>
-          </p:nvPr>
-        </p:nvSpPr>
-        <p:spPr/>
-        <p:txBody>
-          <a:bodyPr/>
-          <a:lstStyle/>
-          <a:p>
-            <a:pPr>
-              <a:defRPr/>
-            </a:pPr>
-            <a:fld id="{E3EF207F-073F-41B4-A8D0-129C1C351EF1}" type="datetime1">
-              <a:rPr lang="de-AT" smtClean="0"/>
-              <a:t>25.01.2016</a:t>
-            </a:fld>
-            <a:endParaRPr lang="de-AT" dirty="0"/>
-          </a:p>
-        </p:txBody>
-      </p:sp>
-      <p:sp>
-        <p:nvSpPr>
-          <p:cNvPr id="3" name="Fußzeilenplatzhalter 2"/>
-          <p:cNvSpPr>
-            <a:spLocks noGrp="1"/>
-          </p:cNvSpPr>
-          <p:nvPr>
-            <p:ph type="ftr" sz="quarter" idx="11"/>
-          </p:nvPr>
-        </p:nvSpPr>
-        <p:spPr/>
-        <p:txBody>
-          <a:bodyPr/>
-          <a:lstStyle/>
-          <a:p>
-            <a:pPr>
-              <a:defRPr/>
-            </a:pPr>
-            <a:r>
-              <a:rPr lang="de-AT" smtClean="0"/>
-              <a:t>Silvana Podaras &amp; Florian Schober</a:t>
-            </a:r>
-            <a:endParaRPr lang="de-AT"/>
-          </a:p>
-        </p:txBody>
-      </p:sp>
-      <p:sp>
-        <p:nvSpPr>
-          <p:cNvPr id="4" name="Foliennummernplatzhalter 3"/>
-          <p:cNvSpPr>
-            <a:spLocks noGrp="1"/>
-          </p:cNvSpPr>
-          <p:nvPr>
-            <p:ph type="sldNum" sz="quarter" idx="12"/>
-          </p:nvPr>
-        </p:nvSpPr>
-        <p:spPr/>
-        <p:txBody>
-          <a:bodyPr/>
-          <a:lstStyle/>
-          <a:p>
-            <a:fld id="{CA3F91B5-C267-4146-949F-EABEA95DB02A}" type="slidenum">
-              <a:rPr lang="de-AT" altLang="de-DE" smtClean="0"/>
-              <a:pPr/>
-              <a:t>11</a:t>
             </a:fld>
             <a:endParaRPr lang="de-AT" altLang="de-DE"/>
           </a:p>
@@ -6040,7 +5821,7 @@
 </p:sld>
 </file>
 
-<file path=ppt/slides/slide12.xml><?xml version="1.0" encoding="utf-8"?>
+<file path=ppt/slides/slide11.xml><?xml version="1.0" encoding="utf-8"?>
 <p:sld xmlns:a="http://schemas.openxmlformats.org/drawingml/2006/main" xmlns:r="http://schemas.openxmlformats.org/officeDocument/2006/relationships" xmlns:p="http://schemas.openxmlformats.org/presentationml/2006/main">
   <p:cSld>
     <p:spTree>
@@ -6100,7 +5881,7 @@
             </a:pPr>
             <a:fld id="{E3EF207F-073F-41B4-A8D0-129C1C351EF1}" type="datetime1">
               <a:rPr lang="de-AT" smtClean="0"/>
-              <a:t>25.01.2016</a:t>
+              <a:t>26.01.2016</a:t>
             </a:fld>
             <a:endParaRPr lang="de-AT" dirty="0"/>
           </a:p>
@@ -6150,7 +5931,7 @@
             <a:fld id="{CA3F91B5-C267-4146-949F-EABEA95DB02A}" type="slidenum">
               <a:rPr lang="de-AT" altLang="de-DE" smtClean="0"/>
               <a:pPr/>
-              <a:t>12</a:t>
+              <a:t>11</a:t>
             </a:fld>
             <a:endParaRPr lang="de-AT" altLang="de-DE"/>
           </a:p>
@@ -6274,7 +6055,7 @@
 </p:sld>
 </file>
 
-<file path=ppt/slides/slide13.xml><?xml version="1.0" encoding="utf-8"?>
+<file path=ppt/slides/slide12.xml><?xml version="1.0" encoding="utf-8"?>
 <p:sld xmlns:a="http://schemas.openxmlformats.org/drawingml/2006/main" xmlns:r="http://schemas.openxmlformats.org/officeDocument/2006/relationships" xmlns:p="http://schemas.openxmlformats.org/presentationml/2006/main">
   <p:cSld>
     <p:spTree>
@@ -6319,11 +6100,7 @@
             </a:br>
             <a:r>
               <a:rPr lang="de-AT" sz="3200" dirty="0" smtClean="0"/>
-              <a:t>Example: </a:t>
-            </a:r>
-            <a:r>
-              <a:rPr lang="de-AT" sz="3200" dirty="0" smtClean="0"/>
-              <a:t>Graph Lasso</a:t>
+              <a:t>Example: Graph Lasso</a:t>
             </a:r>
             <a:endParaRPr lang="de-AT" dirty="0"/>
           </a:p>
@@ -6399,7 +6176,7 @@
             <a:fld id="{CA3F91B5-C267-4146-949F-EABEA95DB02A}" type="slidenum">
               <a:rPr lang="de-AT" altLang="de-DE" smtClean="0"/>
               <a:pPr/>
-              <a:t>13</a:t>
+              <a:t>12</a:t>
             </a:fld>
             <a:endParaRPr lang="de-AT" altLang="de-DE"/>
           </a:p>
@@ -6485,6 +6262,208 @@
 </p:sld>
 </file>
 
+<file path=ppt/slides/slide13.xml><?xml version="1.0" encoding="utf-8"?>
+<p:sld xmlns:a="http://schemas.openxmlformats.org/drawingml/2006/main" xmlns:r="http://schemas.openxmlformats.org/officeDocument/2006/relationships" xmlns:p="http://schemas.openxmlformats.org/presentationml/2006/main">
+  <p:cSld>
+    <p:spTree>
+      <p:nvGrpSpPr>
+        <p:cNvPr id="1" name=""/>
+        <p:cNvGrpSpPr/>
+        <p:nvPr/>
+      </p:nvGrpSpPr>
+      <p:grpSpPr>
+        <a:xfrm>
+          <a:off x="0" y="0"/>
+          <a:ext cx="0" cy="0"/>
+          <a:chOff x="0" y="0"/>
+          <a:chExt cx="0" cy="0"/>
+        </a:xfrm>
+      </p:grpSpPr>
+      <p:sp>
+        <p:nvSpPr>
+          <p:cNvPr id="5" name="Titel 4"/>
+          <p:cNvSpPr>
+            <a:spLocks noGrp="1"/>
+          </p:cNvSpPr>
+          <p:nvPr>
+            <p:ph type="title"/>
+          </p:nvPr>
+        </p:nvSpPr>
+        <p:spPr/>
+        <p:txBody>
+          <a:bodyPr/>
+          <a:lstStyle/>
+          <a:p>
+            <a:r>
+              <a:rPr lang="de-AT" dirty="0" err="1" smtClean="0"/>
+              <a:t>Applications</a:t>
+            </a:r>
+            <a:endParaRPr lang="de-AT" dirty="0"/>
+          </a:p>
+        </p:txBody>
+      </p:sp>
+      <p:sp>
+        <p:nvSpPr>
+          <p:cNvPr id="6" name="Inhaltsplatzhalter 5"/>
+          <p:cNvSpPr>
+            <a:spLocks noGrp="1"/>
+          </p:cNvSpPr>
+          <p:nvPr>
+            <p:ph idx="1"/>
+          </p:nvPr>
+        </p:nvSpPr>
+        <p:spPr/>
+        <p:txBody>
+          <a:bodyPr/>
+          <a:lstStyle/>
+          <a:p>
+            <a:pPr>
+              <a:buFont typeface="Arial" panose="020B0604020202020204" pitchFamily="34" charset="0"/>
+              <a:buChar char="•"/>
+            </a:pPr>
+            <a:r>
+              <a:rPr lang="de-AT" dirty="0" smtClean="0"/>
+              <a:t>Classification / </a:t>
+            </a:r>
+            <a:r>
+              <a:rPr lang="de-AT" dirty="0"/>
+              <a:t>pattern </a:t>
+            </a:r>
+            <a:r>
+              <a:rPr lang="de-AT" dirty="0" smtClean="0"/>
+              <a:t>recognition</a:t>
+            </a:r>
+          </a:p>
+          <a:p>
+            <a:pPr>
+              <a:buFont typeface="Arial" panose="020B0604020202020204" pitchFamily="34" charset="0"/>
+              <a:buChar char="•"/>
+            </a:pPr>
+            <a:endParaRPr lang="de-AT" dirty="0"/>
+          </a:p>
+          <a:p>
+            <a:pPr>
+              <a:buFont typeface="Arial" panose="020B0604020202020204" pitchFamily="34" charset="0"/>
+              <a:buChar char="•"/>
+            </a:pPr>
+            <a:r>
+              <a:rPr lang="de-AT" dirty="0"/>
+              <a:t>Data </a:t>
+            </a:r>
+            <a:r>
+              <a:rPr lang="de-AT" dirty="0" smtClean="0"/>
+              <a:t>representation</a:t>
+            </a:r>
+          </a:p>
+          <a:p>
+            <a:pPr>
+              <a:buFont typeface="Arial" panose="020B0604020202020204" pitchFamily="34" charset="0"/>
+              <a:buChar char="•"/>
+            </a:pPr>
+            <a:endParaRPr lang="de-AT" dirty="0"/>
+          </a:p>
+          <a:p>
+            <a:pPr>
+              <a:buFont typeface="Arial" panose="020B0604020202020204" pitchFamily="34" charset="0"/>
+              <a:buChar char="•"/>
+            </a:pPr>
+            <a:r>
+              <a:rPr lang="de-AT" dirty="0" err="1"/>
+              <a:t>Prediction</a:t>
+            </a:r>
+            <a:endParaRPr lang="de-AT" dirty="0"/>
+          </a:p>
+        </p:txBody>
+      </p:sp>
+      <p:sp>
+        <p:nvSpPr>
+          <p:cNvPr id="2" name="Datumsplatzhalter 1"/>
+          <p:cNvSpPr>
+            <a:spLocks noGrp="1"/>
+          </p:cNvSpPr>
+          <p:nvPr>
+            <p:ph type="dt" sz="half" idx="10"/>
+          </p:nvPr>
+        </p:nvSpPr>
+        <p:spPr/>
+        <p:txBody>
+          <a:bodyPr/>
+          <a:lstStyle/>
+          <a:p>
+            <a:pPr>
+              <a:defRPr/>
+            </a:pPr>
+            <a:fld id="{908BDE4A-9991-4FD0-90A7-2A1AC2958297}" type="datetime1">
+              <a:rPr lang="de-AT" smtClean="0"/>
+              <a:t>26.01.2016</a:t>
+            </a:fld>
+            <a:endParaRPr lang="de-AT" dirty="0"/>
+          </a:p>
+        </p:txBody>
+      </p:sp>
+      <p:sp>
+        <p:nvSpPr>
+          <p:cNvPr id="3" name="Fußzeilenplatzhalter 2"/>
+          <p:cNvSpPr>
+            <a:spLocks noGrp="1"/>
+          </p:cNvSpPr>
+          <p:nvPr>
+            <p:ph type="ftr" sz="quarter" idx="11"/>
+          </p:nvPr>
+        </p:nvSpPr>
+        <p:spPr/>
+        <p:txBody>
+          <a:bodyPr/>
+          <a:lstStyle/>
+          <a:p>
+            <a:pPr>
+              <a:defRPr/>
+            </a:pPr>
+            <a:r>
+              <a:rPr lang="de-AT" smtClean="0"/>
+              <a:t>Silvana Podaras &amp; Florian Schober</a:t>
+            </a:r>
+            <a:endParaRPr lang="de-AT"/>
+          </a:p>
+        </p:txBody>
+      </p:sp>
+      <p:sp>
+        <p:nvSpPr>
+          <p:cNvPr id="4" name="Foliennummernplatzhalter 3"/>
+          <p:cNvSpPr>
+            <a:spLocks noGrp="1"/>
+          </p:cNvSpPr>
+          <p:nvPr>
+            <p:ph type="sldNum" sz="quarter" idx="12"/>
+          </p:nvPr>
+        </p:nvSpPr>
+        <p:spPr/>
+        <p:txBody>
+          <a:bodyPr/>
+          <a:lstStyle/>
+          <a:p>
+            <a:fld id="{CA3F91B5-C267-4146-949F-EABEA95DB02A}" type="slidenum">
+              <a:rPr lang="de-AT" altLang="de-DE" smtClean="0"/>
+              <a:pPr/>
+              <a:t>13</a:t>
+            </a:fld>
+            <a:endParaRPr lang="de-AT" altLang="de-DE"/>
+          </a:p>
+        </p:txBody>
+      </p:sp>
+    </p:spTree>
+    <p:extLst>
+      <p:ext uri="{BB962C8B-B14F-4D97-AF65-F5344CB8AC3E}">
+        <p14:creationId xmlns:p14="http://schemas.microsoft.com/office/powerpoint/2010/main" val="4227374127"/>
+      </p:ext>
+    </p:extLst>
+  </p:cSld>
+  <p:clrMapOvr>
+    <a:masterClrMapping/>
+  </p:clrMapOvr>
+</p:sld>
+</file>
+
 <file path=ppt/slides/slide14.xml><?xml version="1.0" encoding="utf-8"?>
 <p:sld xmlns:a="http://schemas.openxmlformats.org/drawingml/2006/main" xmlns:r="http://schemas.openxmlformats.org/officeDocument/2006/relationships" xmlns:p="http://schemas.openxmlformats.org/presentationml/2006/main">
   <p:cSld>
@@ -6519,7 +6498,7 @@
           <a:p>
             <a:r>
               <a:rPr lang="de-AT" dirty="0" err="1" smtClean="0"/>
-              <a:t>Applications</a:t>
+              <a:t>Literature</a:t>
             </a:r>
             <a:endParaRPr lang="de-AT" dirty="0"/>
           </a:p>
@@ -6535,66 +6514,163 @@
             <p:ph idx="1"/>
           </p:nvPr>
         </p:nvSpPr>
-        <p:spPr/>
+        <p:spPr>
+          <a:xfrm>
+            <a:off x="857224" y="1988840"/>
+            <a:ext cx="7429552" cy="4137323"/>
+          </a:xfrm>
+        </p:spPr>
         <p:txBody>
           <a:bodyPr/>
           <a:lstStyle/>
           <a:p>
-            <a:pPr>
-              <a:buFont typeface="Arial" panose="020B0604020202020204" pitchFamily="34" charset="0"/>
-              <a:buChar char="•"/>
-            </a:pPr>
-            <a:r>
-              <a:rPr lang="de-AT" dirty="0" smtClean="0"/>
-              <a:t>Classification / </a:t>
-            </a:r>
-            <a:r>
-              <a:rPr lang="de-AT" dirty="0"/>
-              <a:t>pattern </a:t>
-            </a:r>
-            <a:r>
-              <a:rPr lang="de-AT" dirty="0" smtClean="0"/>
-              <a:t>recognition</a:t>
-            </a:r>
-          </a:p>
-          <a:p>
-            <a:pPr>
-              <a:buFont typeface="Arial" panose="020B0604020202020204" pitchFamily="34" charset="0"/>
-              <a:buChar char="•"/>
-            </a:pPr>
-            <a:endParaRPr lang="de-AT" dirty="0"/>
-          </a:p>
-          <a:p>
-            <a:pPr>
-              <a:buFont typeface="Arial" panose="020B0604020202020204" pitchFamily="34" charset="0"/>
-              <a:buChar char="•"/>
-            </a:pPr>
-            <a:r>
-              <a:rPr lang="de-AT" dirty="0"/>
-              <a:t>Data </a:t>
-            </a:r>
-            <a:r>
-              <a:rPr lang="de-AT" dirty="0" smtClean="0"/>
-              <a:t>representation</a:t>
-            </a:r>
-          </a:p>
-          <a:p>
-            <a:pPr>
-              <a:buFont typeface="Arial" panose="020B0604020202020204" pitchFamily="34" charset="0"/>
-              <a:buChar char="•"/>
-            </a:pPr>
-            <a:endParaRPr lang="de-AT" dirty="0"/>
-          </a:p>
-          <a:p>
-            <a:pPr>
-              <a:buFont typeface="Arial" panose="020B0604020202020204" pitchFamily="34" charset="0"/>
-              <a:buChar char="•"/>
-            </a:pPr>
-            <a:r>
-              <a:rPr lang="de-AT" dirty="0" err="1"/>
-              <a:t>Prediction</a:t>
-            </a:r>
-            <a:endParaRPr lang="de-AT" dirty="0"/>
+            <a:r>
+              <a:rPr lang="de-AT" sz="1100" dirty="0"/>
+              <a:t>B RANK , J., G ROBELNIK , M., M ILIC -F RAYLING , N., AND M LADENIC , D. 2002. Feature selection using linear support vector machines.</a:t>
+            </a:r>
+          </a:p>
+          <a:p>
+            <a:r>
+              <a:rPr lang="de-AT" sz="1100" dirty="0" smtClean="0"/>
+              <a:t>E </a:t>
+            </a:r>
+            <a:r>
+              <a:rPr lang="de-AT" sz="1100" dirty="0"/>
+              <a:t>PPSTEIN , M., AND H AAKE , P. 2008. Very large scale relieff for genome-wide association analysis. In Computational Intelligence </a:t>
+            </a:r>
+            <a:r>
+              <a:rPr lang="de-AT" sz="1100" dirty="0" smtClean="0"/>
+              <a:t>in Bioinformatics </a:t>
+            </a:r>
+            <a:r>
+              <a:rPr lang="de-AT" sz="1100" dirty="0"/>
+              <a:t>and Computational Biology, 2008. </a:t>
+            </a:r>
+            <a:endParaRPr lang="de-AT" sz="1100" dirty="0" smtClean="0"/>
+          </a:p>
+          <a:p>
+            <a:r>
+              <a:rPr lang="de-AT" sz="1100" dirty="0" smtClean="0"/>
+              <a:t>F </a:t>
+            </a:r>
+            <a:r>
+              <a:rPr lang="de-AT" sz="1100" dirty="0"/>
+              <a:t>ROHLICH , H., C HAPELLE , O., AND S CHOLKOPF , B. 2003. Feature selection for support vector machines by means of genetic algorithm</a:t>
+            </a:r>
+            <a:r>
+              <a:rPr lang="de-AT" sz="1100" dirty="0" smtClean="0"/>
+              <a:t>. In </a:t>
+            </a:r>
+            <a:r>
+              <a:rPr lang="de-AT" sz="1100" dirty="0"/>
+              <a:t>Tools with Artificial Intelligence, 2003. </a:t>
+            </a:r>
+            <a:endParaRPr lang="de-AT" sz="1100" dirty="0" smtClean="0"/>
+          </a:p>
+          <a:p>
+            <a:r>
+              <a:rPr lang="de-AT" sz="1100" dirty="0" smtClean="0"/>
+              <a:t>H </a:t>
+            </a:r>
+            <a:r>
+              <a:rPr lang="de-AT" sz="1100" dirty="0"/>
+              <a:t>OLLAND , J. H. 1992. Adaptation in Natural and Artificial Systems: An Introductory Analysis with Applications to Biology, Control </a:t>
+            </a:r>
+            <a:r>
+              <a:rPr lang="de-AT" sz="1100" dirty="0" smtClean="0"/>
+              <a:t>and Artificial </a:t>
+            </a:r>
+            <a:r>
+              <a:rPr lang="de-AT" sz="1100" dirty="0"/>
+              <a:t>Intelligence. MIT Press, Cambridge, MA, USA.</a:t>
+            </a:r>
+          </a:p>
+          <a:p>
+            <a:r>
+              <a:rPr lang="de-AT" sz="1100" dirty="0"/>
+              <a:t>H UANG , J., H OROWITZ , J. L., AND M A , S. 2008. Asymptotic properties of bridge estimators in sparse high-dimensional regression models</a:t>
+            </a:r>
+            <a:r>
+              <a:rPr lang="de-AT" sz="1100" dirty="0" smtClean="0"/>
+              <a:t>. The </a:t>
+            </a:r>
+            <a:r>
+              <a:rPr lang="de-AT" sz="1100" dirty="0"/>
+              <a:t>Annals of Statistics, 587–613.</a:t>
+            </a:r>
+          </a:p>
+          <a:p>
+            <a:r>
+              <a:rPr lang="de-AT" sz="1100" dirty="0"/>
+              <a:t>J ACOB , L., O BOZINSKI , G., AND V ERT , J.-P. 2009. Group lasso with overlap and graph lasso. In Proceedings of the 26th </a:t>
+            </a:r>
+            <a:r>
+              <a:rPr lang="de-AT" sz="1100" dirty="0" smtClean="0"/>
+              <a:t>annual international </a:t>
+            </a:r>
+            <a:r>
+              <a:rPr lang="de-AT" sz="1100" dirty="0"/>
+              <a:t>conference on machine learning, ACM, 433–440.</a:t>
+            </a:r>
+          </a:p>
+          <a:p>
+            <a:r>
+              <a:rPr lang="de-AT" sz="1100" dirty="0"/>
+              <a:t>J ENATTON , R., M AIRAL , J., B ACH , F. R., AND O BOZINSKI , G. R. 2010. Proximal methods for sparse hierarchical dictionary learning. </a:t>
+            </a:r>
+            <a:r>
+              <a:rPr lang="de-AT" sz="1100" dirty="0" smtClean="0"/>
+              <a:t>In Proceedings </a:t>
+            </a:r>
+            <a:r>
+              <a:rPr lang="de-AT" sz="1100" dirty="0"/>
+              <a:t>of the 27th International Conference on Machine Learning (ICML-10), 487–494.</a:t>
+            </a:r>
+          </a:p>
+          <a:p>
+            <a:r>
+              <a:rPr lang="de-AT" sz="1100" dirty="0"/>
+              <a:t>J IN , X., L I , R., S HEN , X., AND B IE , R. 2007. Automatic web pages categorization with relieff and hidden naive bayes. In Proceedings </a:t>
+            </a:r>
+            <a:r>
+              <a:rPr lang="de-AT" sz="1100" dirty="0" smtClean="0"/>
+              <a:t>of the </a:t>
+            </a:r>
+            <a:r>
+              <a:rPr lang="de-AT" sz="1100" dirty="0"/>
+              <a:t>2007 ACM Symposium on Applied Computing, ACM, New York, NY, USA, SAC ’07, 617–621.</a:t>
+            </a:r>
+          </a:p>
+          <a:p>
+            <a:r>
+              <a:rPr lang="de-AT" sz="1100" dirty="0"/>
+              <a:t>K IM , S., AND X ING , E. P. 2010. Tree-guided group lasso for multi-task regression with structured sparsity.</a:t>
+            </a:r>
+          </a:p>
+          <a:p>
+            <a:r>
+              <a:rPr lang="de-AT" sz="1100" dirty="0"/>
+              <a:t>K IRA , K., AND R ENDELL , L. A. 1992. The feature selection problem: Traditional methods and a new algorithm. In Proceedings of </a:t>
+            </a:r>
+            <a:r>
+              <a:rPr lang="de-AT" sz="1100" dirty="0" smtClean="0"/>
+              <a:t>the Tenth </a:t>
+            </a:r>
+            <a:r>
+              <a:rPr lang="de-AT" sz="1100" dirty="0"/>
+              <a:t>National Conference on Artificial Intelligence, AAAI Press, AAAI’92, 129–134.</a:t>
+            </a:r>
+          </a:p>
+          <a:p>
+            <a:r>
+              <a:rPr lang="de-AT" sz="1100" dirty="0"/>
+              <a:t>K NIGHT , K., AND F U , W. 2000. Asymptotics for lasso-type estimators. Annals of statistics, 1356–1378</a:t>
+            </a:r>
+            <a:r>
+              <a:rPr lang="de-AT" sz="1100" dirty="0" smtClean="0"/>
+              <a:t>.</a:t>
+            </a:r>
+            <a:endParaRPr lang="de-AT" sz="1100" dirty="0"/>
           </a:p>
         </p:txBody>
       </p:sp>
@@ -6616,9 +6692,9 @@
             <a:pPr>
               <a:defRPr/>
             </a:pPr>
-            <a:fld id="{908BDE4A-9991-4FD0-90A7-2A1AC2958297}" type="datetime1">
+            <a:fld id="{F9ECDA19-35E9-44D8-ABD2-5D6049D7FF67}" type="datetime1">
               <a:rPr lang="de-AT" smtClean="0"/>
-              <a:t>25.01.2016</a:t>
+              <a:t>26.01.2016</a:t>
             </a:fld>
             <a:endParaRPr lang="de-AT" dirty="0"/>
           </a:p>
@@ -6677,7 +6753,7 @@
     </p:spTree>
     <p:extLst>
       <p:ext uri="{BB962C8B-B14F-4D97-AF65-F5344CB8AC3E}">
-        <p14:creationId xmlns:p14="http://schemas.microsoft.com/office/powerpoint/2010/main" val="4227374127"/>
+        <p14:creationId xmlns:p14="http://schemas.microsoft.com/office/powerpoint/2010/main" val="1723249046"/>
       </p:ext>
     </p:extLst>
   </p:cSld>
@@ -6748,150 +6824,68 @@
           <a:lstStyle/>
           <a:p>
             <a:r>
-              <a:rPr lang="de-AT" sz="1100" dirty="0"/>
-              <a:t>B RANK , J., G ROBELNIK , M., M ILIC -F RAYLING , N., AND M LADENIC , D. 2002. Feature selection using linear support vector machines.</a:t>
-            </a:r>
-          </a:p>
-          <a:p>
-            <a:r>
               <a:rPr lang="de-AT" sz="1100" dirty="0" smtClean="0"/>
-              <a:t>E </a:t>
-            </a:r>
-            <a:r>
-              <a:rPr lang="de-AT" sz="1100" dirty="0"/>
-              <a:t>PPSTEIN , M., AND H AAKE , P. 2008. Very large scale relieff for genome-wide association analysis. In Computational Intelligence </a:t>
-            </a:r>
+              <a:t>K OHAVI , R., AND J OHN , G. H. 1997. Wrappers for feature subset selection. ARTIFICIAL INTELLIGENCE 97, 1, 273–324.</a:t>
+            </a:r>
+          </a:p>
+          <a:p>
             <a:r>
               <a:rPr lang="de-AT" sz="1100" dirty="0" smtClean="0"/>
-              <a:t>in Bioinformatics </a:t>
-            </a:r>
-            <a:r>
-              <a:rPr lang="de-AT" sz="1100" dirty="0"/>
-              <a:t>and Computational Biology, 2008. </a:t>
-            </a:r>
-            <a:endParaRPr lang="de-AT" sz="1100" dirty="0" smtClean="0"/>
+              <a:t>K ONONENKO , I., S IMEC , E., AND R OBNIK - ˇ S IKONJA , M. 1997. Overcoming the myopia of inductive learning algorithms with relieff. Applied Intelligence 7, 1 (Jan.), 39–55.</a:t>
+            </a:r>
           </a:p>
           <a:p>
             <a:r>
               <a:rPr lang="de-AT" sz="1100" dirty="0" smtClean="0"/>
-              <a:t>F </a:t>
-            </a:r>
-            <a:r>
-              <a:rPr lang="de-AT" sz="1100" dirty="0"/>
-              <a:t>ROHLICH , H., C HAPELLE , O., AND S CHOLKOPF , B. 2003. Feature selection for support vector machines by means of genetic algorithm</a:t>
-            </a:r>
+              <a:t>K UDO , M., AND S KLANSKY , J. 2000. Comparison of algorithms that select features for pattern classifiers. Pattern Recognition 33, 1, 25 – 41.</a:t>
+            </a:r>
+          </a:p>
+          <a:p>
             <a:r>
               <a:rPr lang="de-AT" sz="1100" dirty="0" smtClean="0"/>
-              <a:t>. In </a:t>
-            </a:r>
-            <a:r>
-              <a:rPr lang="de-AT" sz="1100" dirty="0"/>
-              <a:t>Tools with Artificial Intelligence, 2003. </a:t>
-            </a:r>
-            <a:endParaRPr lang="de-AT" sz="1100" dirty="0" smtClean="0"/>
+              <a:t>L EE , L IU , L. W. 2015. Very large scale relieff algorithm on gpu for genome-wide association study. 78 – 84.</a:t>
+            </a:r>
           </a:p>
           <a:p>
             <a:r>
               <a:rPr lang="de-AT" sz="1100" dirty="0" smtClean="0"/>
-              <a:t>H </a:t>
-            </a:r>
-            <a:r>
-              <a:rPr lang="de-AT" sz="1100" dirty="0"/>
-              <a:t>OLLAND , J. H. 1992. Adaptation in Natural and Artificial Systems: An Introductory Analysis with Applications to Biology, Control </a:t>
-            </a:r>
+              <a:t>L IU , J., AND Y E , J. 2010. Moreau-yosida regularization for grouped tree structure learning. In Advances in Neural Information Processing Systems, 1459–1467.</a:t>
+            </a:r>
+          </a:p>
+          <a:p>
             <a:r>
               <a:rPr lang="de-AT" sz="1100" dirty="0" smtClean="0"/>
-              <a:t>and Artificial </a:t>
-            </a:r>
-            <a:r>
-              <a:rPr lang="de-AT" sz="1100" dirty="0"/>
-              <a:t>Intelligence. MIT Press, Cambridge, MA, USA.</a:t>
-            </a:r>
-          </a:p>
-          <a:p>
-            <a:r>
-              <a:rPr lang="de-AT" sz="1100" dirty="0"/>
-              <a:t>H UANG , J., H OROWITZ , J. L., AND M A , S. 2008. Asymptotic properties of bridge estimators in sparse high-dimensional regression models</a:t>
-            </a:r>
+              <a:t>M AO , K. 2004. Orthogonal forward selection and backward elimination algorithms for feature subset selection. Systems, Man, and Cybernetics, Part B: Cybernetics, IEEE Transactions on 34, 1 (Feb), 629–634.</a:t>
+            </a:r>
+          </a:p>
+          <a:p>
             <a:r>
               <a:rPr lang="de-AT" sz="1100" dirty="0" smtClean="0"/>
-              <a:t>. The </a:t>
-            </a:r>
-            <a:r>
-              <a:rPr lang="de-AT" sz="1100" dirty="0"/>
-              <a:t>Annals of Statistics, 587–613.</a:t>
-            </a:r>
-          </a:p>
-          <a:p>
-            <a:r>
-              <a:rPr lang="de-AT" sz="1100" dirty="0"/>
-              <a:t>J ACOB , L., O BOZINSKI , G., AND V ERT , J.-P. 2009. Group lasso with overlap and graph lasso. In Proceedings of the 26th </a:t>
-            </a:r>
+              <a:t>M OORE , J. H., AND W HITE , B. C. 2007. Tuning relieff for genome-wide genetic analysis. In Proceedings of the 5th European Conference on Evolutionary Computation, Machine Learning and Data Mining in Bioinformatics, Springer-Verlag, Berlin, Heidelberg, EvoBIO’07, 166–175.</a:t>
+            </a:r>
+          </a:p>
+          <a:p>
             <a:r>
               <a:rPr lang="de-AT" sz="1100" dirty="0" smtClean="0"/>
-              <a:t>annual international </a:t>
-            </a:r>
-            <a:r>
-              <a:rPr lang="de-AT" sz="1100" dirty="0"/>
-              <a:t>conference on machine learning, ACM, 433–440.</a:t>
-            </a:r>
-          </a:p>
-          <a:p>
-            <a:r>
-              <a:rPr lang="de-AT" sz="1100" dirty="0"/>
-              <a:t>J ENATTON , R., M AIRAL , J., B ACH , F. R., AND O BOZINSKI , G. R. 2010. Proximal methods for sparse hierarchical dictionary learning. </a:t>
-            </a:r>
+              <a:t>N AKARIYAKUL , S., AND C ASASENT , D. P. 2007. Adaptive branch and bound algorithm for selecting optimal features. Pattern Recognition Letters 28, 12, 1415 – 1427.</a:t>
+            </a:r>
+          </a:p>
+          <a:p>
             <a:r>
               <a:rPr lang="de-AT" sz="1100" dirty="0" smtClean="0"/>
-              <a:t>In Proceedings </a:t>
-            </a:r>
-            <a:r>
-              <a:rPr lang="de-AT" sz="1100" dirty="0"/>
-              <a:t>of the 27th International Conference on Machine Learning (ICML-10), 487–494.</a:t>
-            </a:r>
-          </a:p>
-          <a:p>
-            <a:r>
-              <a:rPr lang="de-AT" sz="1100" dirty="0"/>
-              <a:t>J IN , X., L I , R., S HEN , X., AND B IE , R. 2007. Automatic web pages categorization with relieff and hidden naive bayes. In Proceedings </a:t>
-            </a:r>
+              <a:t>N AKARIYAKUL , S., AND C ASASENT , D. P. 2008. Improved forward floating selection algorithm for feature subset selection. In Wavelet Analysis and Pattern Recognition, 2008. ICWAPR ’08. International Conference on, vol. 2, 793–798.</a:t>
+            </a:r>
+          </a:p>
+          <a:p>
             <a:r>
               <a:rPr lang="de-AT" sz="1100" dirty="0" smtClean="0"/>
-              <a:t>of the </a:t>
-            </a:r>
-            <a:r>
-              <a:rPr lang="de-AT" sz="1100" dirty="0"/>
-              <a:t>2007 ACM Symposium on Applied Computing, ACM, New York, NY, USA, SAC ’07, 617–621.</a:t>
-            </a:r>
-          </a:p>
-          <a:p>
-            <a:r>
-              <a:rPr lang="de-AT" sz="1100" dirty="0"/>
-              <a:t>K IM , S., AND X ING , E. P. 2010. Tree-guided group lasso for multi-task regression with structured sparsity.</a:t>
-            </a:r>
-          </a:p>
-          <a:p>
-            <a:r>
-              <a:rPr lang="de-AT" sz="1100" dirty="0"/>
-              <a:t>K IRA , K., AND R ENDELL , L. A. 1992. The feature selection problem: Traditional methods and a new algorithm. In Proceedings of </a:t>
-            </a:r>
+              <a:t>N ARENDRA , P. M., AND F UKUNAGA , K. 1977. A branch and bound algorithm for feature subset selection. Computers, IEEE Transactions on C-26, 9 (Sept), 917–922.</a:t>
+            </a:r>
+          </a:p>
+          <a:p>
             <a:r>
               <a:rPr lang="de-AT" sz="1100" dirty="0" smtClean="0"/>
-              <a:t>the Tenth </a:t>
-            </a:r>
-            <a:r>
-              <a:rPr lang="de-AT" sz="1100" dirty="0"/>
-              <a:t>National Conference on Artificial Intelligence, AAAI Press, AAAI’92, 129–134.</a:t>
-            </a:r>
-          </a:p>
-          <a:p>
-            <a:r>
-              <a:rPr lang="de-AT" sz="1100" dirty="0"/>
-              <a:t>K NIGHT , K., AND F U , W. 2000. Asymptotics for lasso-type estimators. Annals of statistics, 1356–1378</a:t>
-            </a:r>
-            <a:r>
-              <a:rPr lang="de-AT" sz="1100" dirty="0" smtClean="0"/>
-              <a:t>.</a:t>
+              <a:t>O H , I.-S., L EE , J.-S., AND M OON , B.-R. 2004. Hybrid genetic algorithms for feature selection. Pattern Analysis and Machine Intelligence,</a:t>
             </a:r>
             <a:endParaRPr lang="de-AT" sz="1100" dirty="0"/>
           </a:p>
@@ -6917,7 +6911,7 @@
             </a:pPr>
             <a:fld id="{F9ECDA19-35E9-44D8-ABD2-5D6049D7FF67}" type="datetime1">
               <a:rPr lang="de-AT" smtClean="0"/>
-              <a:t>25.01.2016</a:t>
+              <a:t>26.01.2016</a:t>
             </a:fld>
             <a:endParaRPr lang="de-AT" dirty="0"/>
           </a:p>
@@ -6976,7 +6970,7 @@
     </p:spTree>
     <p:extLst>
       <p:ext uri="{BB962C8B-B14F-4D97-AF65-F5344CB8AC3E}">
-        <p14:creationId xmlns:p14="http://schemas.microsoft.com/office/powerpoint/2010/main" val="1723249046"/>
+        <p14:creationId xmlns:p14="http://schemas.microsoft.com/office/powerpoint/2010/main" val="3209622137"/>
       </p:ext>
     </p:extLst>
   </p:cSld>
@@ -7048,67 +7042,67 @@
           <a:p>
             <a:r>
               <a:rPr lang="de-AT" sz="1100" dirty="0" smtClean="0"/>
-              <a:t>K OHAVI , R., AND J OHN , G. H. 1997. Wrappers for feature subset selection. ARTIFICIAL INTELLIGENCE 97, 1, 273–324.</a:t>
+              <a:t>P UDIL , P., N OVOVI ˇ COV ´ A , J., AND K ITTLER , J. 1994. Floating search methods in feature selection. Pattern Recogn. Lett. 15, 11 (Nov.),1119–1125.</a:t>
             </a:r>
           </a:p>
           <a:p>
             <a:r>
               <a:rPr lang="de-AT" sz="1100" dirty="0" smtClean="0"/>
-              <a:t>K ONONENKO , I., S IMEC , E., AND R OBNIK - ˇ S IKONJA , M. 1997. Overcoming the myopia of inductive learning algorithms with relieff. Applied Intelligence 7, 1 (Jan.), 39–55.</a:t>
+              <a:t>Q UINLAN , J. R. 1986. Induction of decision trees. Machine learning 1, 1, 81–106.</a:t>
             </a:r>
           </a:p>
           <a:p>
             <a:r>
               <a:rPr lang="de-AT" sz="1100" dirty="0" smtClean="0"/>
-              <a:t>K UDO , M., AND S KLANSKY , J. 2000. Comparison of algorithms that select features for pattern classifiers. Pattern Recognition 33, 1, 25 – 41.</a:t>
+              <a:t>R OBNIK -S IKONJA , M., AND K ONONENKO , I. 1997. An adaptation of relief for attribute estimation in regression. In Proceedings of the Fourteenth International Conference on Machine Learning, Morgan Kaufmann Publishers Inc., San Francisco, CA, USA, ICML ’97, 296–304.</a:t>
             </a:r>
           </a:p>
           <a:p>
             <a:r>
               <a:rPr lang="de-AT" sz="1100" dirty="0" smtClean="0"/>
-              <a:t>L EE , L IU , L. W. 2015. Very large scale relieff algorithm on gpu for genome-wide association study. 78 – 84.</a:t>
+              <a:t>S ALZBERG , S. L. 1994. C4. 5: Programs for machine learning by j. ross quinlan. morgan kaufmann publishers, inc., 1993. Machine Learning 16, 3, 235–240.</a:t>
             </a:r>
           </a:p>
           <a:p>
             <a:r>
               <a:rPr lang="de-AT" sz="1100" dirty="0" smtClean="0"/>
-              <a:t>L IU , J., AND Y E , J. 2010. Moreau-yosida regularization for grouped tree structure learning. In Advances in Neural Information Processing Systems, 1459–1467.</a:t>
+              <a:t>S OMOL , P., P UDIL , P., AND K ITTLER , J. 2004. Fast branch amp; bound algorithms for optimal feature selection. Pattern Analysis and Machine Intelligence, IEEE Transactions on 26, 7 (July), 900–912.</a:t>
             </a:r>
           </a:p>
           <a:p>
             <a:r>
               <a:rPr lang="de-AT" sz="1100" dirty="0" smtClean="0"/>
-              <a:t>M AO , K. 2004. Orthogonal forward selection and backward elimination algorithms for feature subset selection. Systems, Man, and Cybernetics, Part B: Cybernetics, IEEE Transactions on 34, 1 (Feb), 629–634.</a:t>
+              <a:t>T ANG , J., A LELYANI , S., AND L IU , H. 2014. Feature selection for classification: A review. Data Classification: Algorithms and Applica- tions, 37.</a:t>
             </a:r>
           </a:p>
           <a:p>
             <a:r>
               <a:rPr lang="de-AT" sz="1100" dirty="0" smtClean="0"/>
-              <a:t>M OORE , J. H., AND W HITE , B. C. 2007. Tuning relieff for genome-wide genetic analysis. In Proceedings of the 5th European Conference on Evolutionary Computation, Machine Learning and Data Mining in Bioinformatics, Springer-Verlag, Berlin, Heidelberg, EvoBIO’07, 166–175.</a:t>
+              <a:t>T ANG , J., A LELYANI , S., AND L IU , H. 2014. Feature selection for classification: A review. Data Classification: Algorithms and Applica- tions, 37.</a:t>
             </a:r>
           </a:p>
           <a:p>
             <a:r>
               <a:rPr lang="de-AT" sz="1100" dirty="0" smtClean="0"/>
-              <a:t>N AKARIYAKUL , S., AND C ASASENT , D. P. 2007. Adaptive branch and bound algorithm for selecting optimal features. Pattern Recognition Letters 28, 12, 1415 – 1427.</a:t>
+              <a:t>T IBSHIRANI , R. 1996. Regression shrinkage and selection via the lasso. Journal of the Royal Statistical Society. Series B (Methodological), 267–288.</a:t>
             </a:r>
           </a:p>
           <a:p>
             <a:r>
               <a:rPr lang="de-AT" sz="1100" dirty="0" smtClean="0"/>
-              <a:t>N AKARIYAKUL , S., AND C ASASENT , D. P. 2008. Improved forward floating selection algorithm for feature subset selection. In Wavelet Analysis and Pattern Recognition, 2008. ICWAPR ’08. International Conference on, vol. 2, 793–798.</a:t>
+              <a:t>V ERIKAS , A., AND B ACAUSKIENE , M. 2002. Feature selection with neural networks. Pattern Recogn. Lett. 23, 11 (Sept.), 1323–1335.</a:t>
             </a:r>
           </a:p>
           <a:p>
             <a:r>
               <a:rPr lang="de-AT" sz="1100" dirty="0" smtClean="0"/>
-              <a:t>N ARENDRA , P. M., AND F UKUNAGA , K. 1977. A branch and bound algorithm for feature subset selection. Computers, IEEE Transactions on C-26, 9 (Sept), 917–922.</a:t>
+              <a:t>Z OU , H., AND H ASTIE , T. 2005. Regularization and variable selection via the elastic net. Journal of the Royal Statistical Society: Series B (Statistical Methodology) 67, 2, 301–320.</a:t>
             </a:r>
           </a:p>
           <a:p>
             <a:r>
               <a:rPr lang="de-AT" sz="1100" dirty="0" smtClean="0"/>
-              <a:t>O H , I.-S., L EE , J.-S., AND M OON , B.-R. 2004. Hybrid genetic algorithms for feature selection. Pattern Analysis and Machine Intelligence,</a:t>
+              <a:t>Z OU , H. 2006. The adaptive lasso and its oracle properties. Journal of the American statistical association 101, 476, 1418–1429</a:t>
             </a:r>
             <a:endParaRPr lang="de-AT" sz="1100" dirty="0"/>
           </a:p>
@@ -7134,7 +7128,7 @@
             </a:pPr>
             <a:fld id="{F9ECDA19-35E9-44D8-ABD2-5D6049D7FF67}" type="datetime1">
               <a:rPr lang="de-AT" smtClean="0"/>
-              <a:t>25.01.2016</a:t>
+              <a:t>26.01.2016</a:t>
             </a:fld>
             <a:endParaRPr lang="de-AT" dirty="0"/>
           </a:p>
@@ -7193,7 +7187,7 @@
     </p:spTree>
     <p:extLst>
       <p:ext uri="{BB962C8B-B14F-4D97-AF65-F5344CB8AC3E}">
-        <p14:creationId xmlns:p14="http://schemas.microsoft.com/office/powerpoint/2010/main" val="3209622137"/>
+        <p14:creationId xmlns:p14="http://schemas.microsoft.com/office/powerpoint/2010/main" val="2719782576"/>
       </p:ext>
     </p:extLst>
   </p:cSld>
@@ -7230,223 +7224,6 @@
             <p:ph type="title"/>
           </p:nvPr>
         </p:nvSpPr>
-        <p:spPr/>
-        <p:txBody>
-          <a:bodyPr/>
-          <a:lstStyle/>
-          <a:p>
-            <a:r>
-              <a:rPr lang="de-AT" dirty="0" err="1" smtClean="0"/>
-              <a:t>Literature</a:t>
-            </a:r>
-            <a:endParaRPr lang="de-AT" dirty="0"/>
-          </a:p>
-        </p:txBody>
-      </p:sp>
-      <p:sp>
-        <p:nvSpPr>
-          <p:cNvPr id="6" name="Inhaltsplatzhalter 5"/>
-          <p:cNvSpPr>
-            <a:spLocks noGrp="1"/>
-          </p:cNvSpPr>
-          <p:nvPr>
-            <p:ph idx="1"/>
-          </p:nvPr>
-        </p:nvSpPr>
-        <p:spPr>
-          <a:xfrm>
-            <a:off x="857224" y="1988840"/>
-            <a:ext cx="7429552" cy="4137323"/>
-          </a:xfrm>
-        </p:spPr>
-        <p:txBody>
-          <a:bodyPr/>
-          <a:lstStyle/>
-          <a:p>
-            <a:r>
-              <a:rPr lang="de-AT" sz="1100" dirty="0" smtClean="0"/>
-              <a:t>P UDIL , P., N OVOVI ˇ COV ´ A , J., AND K ITTLER , J. 1994. Floating search methods in feature selection. Pattern Recogn. Lett. 15, 11 (Nov.),1119–1125.</a:t>
-            </a:r>
-          </a:p>
-          <a:p>
-            <a:r>
-              <a:rPr lang="de-AT" sz="1100" dirty="0" smtClean="0"/>
-              <a:t>Q UINLAN , J. R. 1986. Induction of decision trees. Machine learning 1, 1, 81–106.</a:t>
-            </a:r>
-          </a:p>
-          <a:p>
-            <a:r>
-              <a:rPr lang="de-AT" sz="1100" dirty="0" smtClean="0"/>
-              <a:t>R OBNIK -S IKONJA , M., AND K ONONENKO , I. 1997. An adaptation of relief for attribute estimation in regression. In Proceedings of the Fourteenth International Conference on Machine Learning, Morgan Kaufmann Publishers Inc., San Francisco, CA, USA, ICML ’97, 296–304.</a:t>
-            </a:r>
-          </a:p>
-          <a:p>
-            <a:r>
-              <a:rPr lang="de-AT" sz="1100" dirty="0" smtClean="0"/>
-              <a:t>S ALZBERG , S. L. 1994. C4. 5: Programs for machine learning by j. ross quinlan. morgan kaufmann publishers, inc., 1993. Machine Learning 16, 3, 235–240.</a:t>
-            </a:r>
-          </a:p>
-          <a:p>
-            <a:r>
-              <a:rPr lang="de-AT" sz="1100" dirty="0" smtClean="0"/>
-              <a:t>S OMOL , P., P UDIL , P., AND K ITTLER , J. 2004. Fast branch amp; bound algorithms for optimal feature selection. Pattern Analysis and Machine Intelligence, IEEE Transactions on 26, 7 (July), 900–912.</a:t>
-            </a:r>
-          </a:p>
-          <a:p>
-            <a:r>
-              <a:rPr lang="de-AT" sz="1100" dirty="0" smtClean="0"/>
-              <a:t>T ANG , J., A LELYANI , S., AND L IU , H. 2014. Feature selection for classification: A review. Data Classification: Algorithms and Applica- tions, 37.</a:t>
-            </a:r>
-          </a:p>
-          <a:p>
-            <a:r>
-              <a:rPr lang="de-AT" sz="1100" dirty="0" smtClean="0"/>
-              <a:t>T ANG , J., A LELYANI , S., AND L IU , H. 2014. Feature selection for classification: A review. Data Classification: Algorithms and Applica- tions, 37.</a:t>
-            </a:r>
-          </a:p>
-          <a:p>
-            <a:r>
-              <a:rPr lang="de-AT" sz="1100" dirty="0" smtClean="0"/>
-              <a:t>T IBSHIRANI , R. 1996. Regression shrinkage and selection via the lasso. Journal of the Royal Statistical Society. Series B (Methodological), 267–288.</a:t>
-            </a:r>
-          </a:p>
-          <a:p>
-            <a:r>
-              <a:rPr lang="de-AT" sz="1100" dirty="0" smtClean="0"/>
-              <a:t>V ERIKAS , A., AND B ACAUSKIENE , M. 2002. Feature selection with neural networks. Pattern Recogn. Lett. 23, 11 (Sept.), 1323–1335.</a:t>
-            </a:r>
-          </a:p>
-          <a:p>
-            <a:r>
-              <a:rPr lang="de-AT" sz="1100" dirty="0" smtClean="0"/>
-              <a:t>Z OU , H., AND H ASTIE , T. 2005. Regularization and variable selection via the elastic net. Journal of the Royal Statistical Society: Series B (Statistical Methodology) 67, 2, 301–320.</a:t>
-            </a:r>
-          </a:p>
-          <a:p>
-            <a:r>
-              <a:rPr lang="de-AT" sz="1100" dirty="0" smtClean="0"/>
-              <a:t>Z OU , H. 2006. The adaptive lasso and its oracle properties. Journal of the American statistical association 101, 476, 1418–1429</a:t>
-            </a:r>
-            <a:endParaRPr lang="de-AT" sz="1100" dirty="0"/>
-          </a:p>
-        </p:txBody>
-      </p:sp>
-      <p:sp>
-        <p:nvSpPr>
-          <p:cNvPr id="2" name="Datumsplatzhalter 1"/>
-          <p:cNvSpPr>
-            <a:spLocks noGrp="1"/>
-          </p:cNvSpPr>
-          <p:nvPr>
-            <p:ph type="dt" sz="half" idx="10"/>
-          </p:nvPr>
-        </p:nvSpPr>
-        <p:spPr/>
-        <p:txBody>
-          <a:bodyPr/>
-          <a:lstStyle/>
-          <a:p>
-            <a:pPr>
-              <a:defRPr/>
-            </a:pPr>
-            <a:fld id="{F9ECDA19-35E9-44D8-ABD2-5D6049D7FF67}" type="datetime1">
-              <a:rPr lang="de-AT" smtClean="0"/>
-              <a:t>25.01.2016</a:t>
-            </a:fld>
-            <a:endParaRPr lang="de-AT" dirty="0"/>
-          </a:p>
-        </p:txBody>
-      </p:sp>
-      <p:sp>
-        <p:nvSpPr>
-          <p:cNvPr id="3" name="Fußzeilenplatzhalter 2"/>
-          <p:cNvSpPr>
-            <a:spLocks noGrp="1"/>
-          </p:cNvSpPr>
-          <p:nvPr>
-            <p:ph type="ftr" sz="quarter" idx="11"/>
-          </p:nvPr>
-        </p:nvSpPr>
-        <p:spPr/>
-        <p:txBody>
-          <a:bodyPr/>
-          <a:lstStyle/>
-          <a:p>
-            <a:pPr>
-              <a:defRPr/>
-            </a:pPr>
-            <a:r>
-              <a:rPr lang="de-AT" smtClean="0"/>
-              <a:t>Silvana Podaras &amp; Florian Schober</a:t>
-            </a:r>
-            <a:endParaRPr lang="de-AT"/>
-          </a:p>
-        </p:txBody>
-      </p:sp>
-      <p:sp>
-        <p:nvSpPr>
-          <p:cNvPr id="4" name="Foliennummernplatzhalter 3"/>
-          <p:cNvSpPr>
-            <a:spLocks noGrp="1"/>
-          </p:cNvSpPr>
-          <p:nvPr>
-            <p:ph type="sldNum" sz="quarter" idx="12"/>
-          </p:nvPr>
-        </p:nvSpPr>
-        <p:spPr/>
-        <p:txBody>
-          <a:bodyPr/>
-          <a:lstStyle/>
-          <a:p>
-            <a:fld id="{CA3F91B5-C267-4146-949F-EABEA95DB02A}" type="slidenum">
-              <a:rPr lang="de-AT" altLang="de-DE" smtClean="0"/>
-              <a:pPr/>
-              <a:t>17</a:t>
-            </a:fld>
-            <a:endParaRPr lang="de-AT" altLang="de-DE"/>
-          </a:p>
-        </p:txBody>
-      </p:sp>
-    </p:spTree>
-    <p:extLst>
-      <p:ext uri="{BB962C8B-B14F-4D97-AF65-F5344CB8AC3E}">
-        <p14:creationId xmlns:p14="http://schemas.microsoft.com/office/powerpoint/2010/main" val="2719782576"/>
-      </p:ext>
-    </p:extLst>
-  </p:cSld>
-  <p:clrMapOvr>
-    <a:masterClrMapping/>
-  </p:clrMapOvr>
-</p:sld>
-</file>
-
-<file path=ppt/slides/slide18.xml><?xml version="1.0" encoding="utf-8"?>
-<p:sld xmlns:a="http://schemas.openxmlformats.org/drawingml/2006/main" xmlns:r="http://schemas.openxmlformats.org/officeDocument/2006/relationships" xmlns:p="http://schemas.openxmlformats.org/presentationml/2006/main">
-  <p:cSld>
-    <p:spTree>
-      <p:nvGrpSpPr>
-        <p:cNvPr id="1" name=""/>
-        <p:cNvGrpSpPr/>
-        <p:nvPr/>
-      </p:nvGrpSpPr>
-      <p:grpSpPr>
-        <a:xfrm>
-          <a:off x="0" y="0"/>
-          <a:ext cx="0" cy="0"/>
-          <a:chOff x="0" y="0"/>
-          <a:chExt cx="0" cy="0"/>
-        </a:xfrm>
-      </p:grpSpPr>
-      <p:sp>
-        <p:nvSpPr>
-          <p:cNvPr id="5" name="Titel 4"/>
-          <p:cNvSpPr>
-            <a:spLocks noGrp="1"/>
-          </p:cNvSpPr>
-          <p:nvPr>
-            <p:ph type="title"/>
-          </p:nvPr>
-        </p:nvSpPr>
         <p:spPr>
           <a:xfrm>
             <a:off x="2771800" y="2924944"/>
@@ -7499,7 +7276,7 @@
             </a:pPr>
             <a:fld id="{D5D3703B-7C89-496B-8219-C11379F90AE7}" type="datetime1">
               <a:rPr lang="de-AT" smtClean="0"/>
-              <a:t>25.01.2016</a:t>
+              <a:t>26.01.2016</a:t>
             </a:fld>
             <a:endParaRPr lang="de-AT" dirty="0"/>
           </a:p>
@@ -7549,7 +7326,7 @@
             <a:fld id="{CA3F91B5-C267-4146-949F-EABEA95DB02A}" type="slidenum">
               <a:rPr lang="de-AT" altLang="de-DE" smtClean="0"/>
               <a:pPr/>
-              <a:t>18</a:t>
+              <a:t>17</a:t>
             </a:fld>
             <a:endParaRPr lang="de-AT" altLang="de-DE"/>
           </a:p>
@@ -7628,7 +7405,7 @@
             </a:pPr>
             <a:fld id="{83BEAB0B-7F6D-4D30-B649-749D1269CDF7}" type="datetime1">
               <a:rPr lang="de-AT" smtClean="0"/>
-              <a:t>25.01.2016</a:t>
+              <a:t>26.01.2016</a:t>
             </a:fld>
             <a:endParaRPr lang="de-AT" dirty="0"/>
           </a:p>
@@ -7696,7 +7473,7 @@
         </p:nvSpPr>
         <p:spPr>
           <a:xfrm>
-            <a:off x="5642968" y="3488423"/>
+            <a:off x="5441449" y="2460424"/>
             <a:ext cx="3280289" cy="1195679"/>
           </a:xfrm>
         </p:spPr>
@@ -7705,8 +7482,8 @@
           <a:lstStyle/>
           <a:p>
             <a:r>
-              <a:rPr lang="de-AT" sz="4400" dirty="0" err="1" smtClean="0"/>
-              <a:t>quantify</a:t>
+              <a:rPr lang="de-AT" sz="4400" dirty="0" smtClean="0"/>
+              <a:t>Features</a:t>
             </a:r>
             <a:endParaRPr lang="de-AT" sz="4400" dirty="0"/>
           </a:p>
@@ -7884,7 +7661,7 @@
         </p:nvSpPr>
         <p:spPr>
           <a:xfrm>
-            <a:off x="4113878" y="3638524"/>
+            <a:off x="3870892" y="3616312"/>
             <a:ext cx="1205961" cy="484804"/>
           </a:xfrm>
           <a:prstGeom prst="rightArrow">
@@ -7925,6 +7702,47 @@
           </a:p>
         </p:txBody>
       </p:sp>
+      <p:pic>
+        <p:nvPicPr>
+          <p:cNvPr id="1026" name="Picture 2" descr="http://www.cloudways.com/blog/wp-content/uploads/Big-Data-on-cloud.jpg"/>
+          <p:cNvPicPr>
+            <a:picLocks noChangeAspect="1" noChangeArrowheads="1"/>
+          </p:cNvPicPr>
+          <p:nvPr/>
+        </p:nvPicPr>
+        <p:blipFill>
+          <a:blip r:embed="rId7">
+            <a:extLst>
+              <a:ext uri="{28A0092B-C50C-407E-A947-70E740481C1C}">
+                <a14:useLocalDpi xmlns:a14="http://schemas.microsoft.com/office/drawing/2010/main" val="0"/>
+              </a:ext>
+            </a:extLst>
+          </a:blip>
+          <a:srcRect/>
+          <a:stretch>
+            <a:fillRect/>
+          </a:stretch>
+        </p:blipFill>
+        <p:spPr bwMode="auto">
+          <a:xfrm>
+            <a:off x="5282230" y="3544892"/>
+            <a:ext cx="2968625" cy="2278420"/>
+          </a:xfrm>
+          <a:prstGeom prst="rect">
+            <a:avLst/>
+          </a:prstGeom>
+          <a:noFill/>
+          <a:extLst>
+            <a:ext uri="{909E8E84-426E-40DD-AFC4-6F175D3DCCD1}">
+              <a14:hiddenFill xmlns:a14="http://schemas.microsoft.com/office/drawing/2010/main">
+                <a:solidFill>
+                  <a:srgbClr val="FFFFFF"/>
+                </a:solidFill>
+              </a14:hiddenFill>
+            </a:ext>
+          </a:extLst>
+        </p:spPr>
+      </p:pic>
     </p:spTree>
     <p:extLst>
       <p:ext uri="{BB962C8B-B14F-4D97-AF65-F5344CB8AC3E}">
@@ -7972,7 +7790,7 @@
           <a:p>
             <a:r>
               <a:rPr lang="de-AT" dirty="0" smtClean="0"/>
-              <a:t>Motivation</a:t>
+              <a:t>Motivation – High Dimensionality</a:t>
             </a:r>
             <a:endParaRPr lang="de-AT" dirty="0"/>
           </a:p>
@@ -7998,7 +7816,7 @@
             </a:pPr>
             <a:fld id="{F730624D-5A85-4FAC-A8C2-B755D15BE30C}" type="datetime1">
               <a:rPr lang="de-AT" smtClean="0"/>
-              <a:t>25.01.2016</a:t>
+              <a:t>26.01.2016</a:t>
             </a:fld>
             <a:endParaRPr lang="de-DE" dirty="0"/>
           </a:p>
@@ -8070,8 +7888,91 @@
         </p:blipFill>
         <p:spPr>
           <a:xfrm>
-            <a:off x="1835696" y="2303888"/>
-            <a:ext cx="4648696" cy="3385605"/>
+            <a:off x="1056186" y="3173105"/>
+            <a:ext cx="3384376" cy="2464812"/>
+          </a:xfrm>
+          <a:prstGeom prst="rect">
+            <a:avLst/>
+          </a:prstGeom>
+        </p:spPr>
+      </p:pic>
+      <p:sp>
+        <p:nvSpPr>
+          <p:cNvPr id="2" name="TextBox 1"/>
+          <p:cNvSpPr txBox="1"/>
+          <p:nvPr/>
+        </p:nvSpPr>
+        <p:spPr>
+          <a:xfrm>
+            <a:off x="1893011" y="2444557"/>
+            <a:ext cx="1710725" cy="369332"/>
+          </a:xfrm>
+          <a:prstGeom prst="rect">
+            <a:avLst/>
+          </a:prstGeom>
+          <a:noFill/>
+        </p:spPr>
+        <p:txBody>
+          <a:bodyPr wrap="none" rtlCol="0">
+            <a:spAutoFit/>
+          </a:bodyPr>
+          <a:lstStyle/>
+          <a:p>
+            <a:r>
+              <a:rPr lang="en-US" dirty="0" smtClean="0"/>
+              <a:t>Many Samples</a:t>
+            </a:r>
+            <a:endParaRPr lang="en-US" dirty="0"/>
+          </a:p>
+        </p:txBody>
+      </p:sp>
+      <p:sp>
+        <p:nvSpPr>
+          <p:cNvPr id="9" name="TextBox 8"/>
+          <p:cNvSpPr txBox="1"/>
+          <p:nvPr/>
+        </p:nvSpPr>
+        <p:spPr>
+          <a:xfrm>
+            <a:off x="5580112" y="2428868"/>
+            <a:ext cx="1723549" cy="369332"/>
+          </a:xfrm>
+          <a:prstGeom prst="rect">
+            <a:avLst/>
+          </a:prstGeom>
+          <a:noFill/>
+        </p:spPr>
+        <p:txBody>
+          <a:bodyPr wrap="none" rtlCol="0">
+            <a:spAutoFit/>
+          </a:bodyPr>
+          <a:lstStyle/>
+          <a:p>
+            <a:r>
+              <a:rPr lang="en-US" dirty="0" smtClean="0"/>
+              <a:t>Many Features</a:t>
+            </a:r>
+            <a:endParaRPr lang="en-US" dirty="0"/>
+          </a:p>
+        </p:txBody>
+      </p:sp>
+      <p:pic>
+        <p:nvPicPr>
+          <p:cNvPr id="3" name="Picture 2"/>
+          <p:cNvPicPr>
+            <a:picLocks noChangeAspect="1"/>
+          </p:cNvPicPr>
+          <p:nvPr/>
+        </p:nvPicPr>
+        <p:blipFill rotWithShape="1">
+          <a:blip r:embed="rId3"/>
+          <a:srcRect b="18041"/>
+          <a:stretch/>
+        </p:blipFill>
+        <p:spPr>
+          <a:xfrm>
+            <a:off x="5152015" y="2845667"/>
+            <a:ext cx="2579741" cy="3484719"/>
           </a:xfrm>
           <a:prstGeom prst="rect">
             <a:avLst/>
@@ -8110,7 +8011,7 @@
       </p:grpSpPr>
       <p:sp>
         <p:nvSpPr>
-          <p:cNvPr id="8" name="Titel 7"/>
+          <p:cNvPr id="2" name="Titel 1"/>
           <p:cNvSpPr>
             <a:spLocks noGrp="1"/>
           </p:cNvSpPr>
@@ -8133,7 +8034,108 @@
       </p:sp>
       <p:sp>
         <p:nvSpPr>
-          <p:cNvPr id="5" name="Datumsplatzhalter 4"/>
+          <p:cNvPr id="6" name="Inhaltsplatzhalter 5"/>
+          <p:cNvSpPr>
+            <a:spLocks noGrp="1"/>
+          </p:cNvSpPr>
+          <p:nvPr>
+            <p:ph idx="1"/>
+          </p:nvPr>
+        </p:nvSpPr>
+        <p:spPr/>
+        <p:txBody>
+          <a:bodyPr/>
+          <a:lstStyle/>
+          <a:p>
+            <a:pPr>
+              <a:buFont typeface="Arial" panose="020B0604020202020204" pitchFamily="34" charset="0"/>
+              <a:buChar char="•"/>
+            </a:pPr>
+            <a:r>
+              <a:rPr lang="en-US" dirty="0"/>
+              <a:t>Remove </a:t>
+            </a:r>
+            <a:r>
+              <a:rPr lang="en-US" dirty="0" smtClean="0"/>
+              <a:t>redundancy</a:t>
+            </a:r>
+          </a:p>
+          <a:p>
+            <a:pPr>
+              <a:buFont typeface="Arial" panose="020B0604020202020204" pitchFamily="34" charset="0"/>
+              <a:buChar char="•"/>
+            </a:pPr>
+            <a:endParaRPr lang="en-US" dirty="0"/>
+          </a:p>
+          <a:p>
+            <a:pPr>
+              <a:buFont typeface="Arial" panose="020B0604020202020204" pitchFamily="34" charset="0"/>
+              <a:buChar char="•"/>
+            </a:pPr>
+            <a:r>
+              <a:rPr lang="en-US" dirty="0"/>
+              <a:t>Expressive representation of </a:t>
+            </a:r>
+            <a:r>
+              <a:rPr lang="en-US" dirty="0" smtClean="0"/>
+              <a:t>data</a:t>
+            </a:r>
+          </a:p>
+          <a:p>
+            <a:pPr>
+              <a:buFont typeface="Arial" panose="020B0604020202020204" pitchFamily="34" charset="0"/>
+              <a:buChar char="•"/>
+            </a:pPr>
+            <a:endParaRPr lang="en-US" dirty="0"/>
+          </a:p>
+          <a:p>
+            <a:pPr>
+              <a:buFont typeface="Arial" panose="020B0604020202020204" pitchFamily="34" charset="0"/>
+              <a:buChar char="•"/>
+            </a:pPr>
+            <a:r>
+              <a:rPr lang="en-US" dirty="0"/>
+              <a:t>More accurate </a:t>
+            </a:r>
+            <a:r>
+              <a:rPr lang="en-US" dirty="0" smtClean="0"/>
+              <a:t>classification</a:t>
+            </a:r>
+            <a:endParaRPr lang="en-US" dirty="0" smtClean="0"/>
+          </a:p>
+          <a:p>
+            <a:pPr>
+              <a:buFont typeface="Arial" panose="020B0604020202020204" pitchFamily="34" charset="0"/>
+              <a:buChar char="•"/>
+            </a:pPr>
+            <a:endParaRPr lang="en-US" dirty="0"/>
+          </a:p>
+          <a:p>
+            <a:pPr>
+              <a:buFont typeface="Arial" panose="020B0604020202020204" pitchFamily="34" charset="0"/>
+              <a:buChar char="•"/>
+            </a:pPr>
+            <a:r>
+              <a:rPr lang="en-US" dirty="0"/>
+              <a:t>Speed up computation </a:t>
+            </a:r>
+            <a:r>
+              <a:rPr lang="en-US" dirty="0" smtClean="0"/>
+              <a:t>time</a:t>
+            </a:r>
+          </a:p>
+          <a:p>
+            <a:pPr marL="0" indent="0"/>
+            <a:endParaRPr lang="en-US" dirty="0"/>
+          </a:p>
+          <a:p>
+            <a:endParaRPr lang="de-AT" dirty="0"/>
+          </a:p>
+        </p:txBody>
+      </p:sp>
+      <p:sp>
+        <p:nvSpPr>
+          <p:cNvPr id="7" name="Datumsplatzhalter 6"/>
           <p:cNvSpPr>
             <a:spLocks noGrp="1"/>
           </p:cNvSpPr>
@@ -8149,17 +8151,17 @@
             <a:pPr>
               <a:defRPr/>
             </a:pPr>
-            <a:fld id="{F730624D-5A85-4FAC-A8C2-B755D15BE30C}" type="datetime1">
+            <a:fld id="{AD565B81-DCF3-4C72-A4FA-7ED2F69DD174}" type="datetime1">
               <a:rPr lang="de-AT" smtClean="0"/>
-              <a:t>25.01.2016</a:t>
+              <a:t>26.01.2016</a:t>
             </a:fld>
-            <a:endParaRPr lang="de-DE" dirty="0"/>
-          </a:p>
-        </p:txBody>
-      </p:sp>
-      <p:sp>
-        <p:nvSpPr>
-          <p:cNvPr id="6" name="Fußzeilenplatzhalter 5"/>
+            <a:endParaRPr lang="de-AT" dirty="0"/>
+          </a:p>
+        </p:txBody>
+      </p:sp>
+      <p:sp>
+        <p:nvSpPr>
+          <p:cNvPr id="8" name="Fußzeilenplatzhalter 7"/>
           <p:cNvSpPr>
             <a:spLocks noGrp="1"/>
           </p:cNvSpPr>
@@ -8176,16 +8178,16 @@
               <a:defRPr/>
             </a:pPr>
             <a:r>
-              <a:rPr lang="de-DE" smtClean="0"/>
+              <a:rPr lang="de-AT" smtClean="0"/>
               <a:t>Silvana Podaras &amp; Florian Schober</a:t>
             </a:r>
-            <a:endParaRPr lang="de-DE"/>
-          </a:p>
-        </p:txBody>
-      </p:sp>
-      <p:sp>
-        <p:nvSpPr>
-          <p:cNvPr id="7" name="Foliennummernplatzhalter 6"/>
+            <a:endParaRPr lang="de-AT"/>
+          </a:p>
+        </p:txBody>
+      </p:sp>
+      <p:sp>
+        <p:nvSpPr>
+          <p:cNvPr id="9" name="Foliennummernplatzhalter 8"/>
           <p:cNvSpPr>
             <a:spLocks noGrp="1"/>
           </p:cNvSpPr>
@@ -8198,144 +8200,19 @@
           <a:bodyPr/>
           <a:lstStyle/>
           <a:p>
-            <a:fld id="{E7C81DBF-6C1A-4CEB-BBA0-5651AFB5C718}" type="slidenum">
-              <a:rPr lang="de-DE" altLang="de-DE" smtClean="0"/>
+            <a:fld id="{CA3F91B5-C267-4146-949F-EABEA95DB02A}" type="slidenum">
+              <a:rPr lang="de-AT" altLang="de-DE" smtClean="0"/>
               <a:pPr/>
               <a:t>4</a:t>
             </a:fld>
-            <a:endParaRPr lang="de-DE" altLang="de-DE"/>
-          </a:p>
-        </p:txBody>
-      </p:sp>
-      <p:pic>
-        <p:nvPicPr>
-          <p:cNvPr id="11" name="Grafik 10"/>
-          <p:cNvPicPr>
-            <a:picLocks noChangeAspect="1"/>
-          </p:cNvPicPr>
-          <p:nvPr/>
-        </p:nvPicPr>
-        <p:blipFill>
-          <a:blip r:embed="rId2"/>
-          <a:stretch>
-            <a:fillRect/>
-          </a:stretch>
-        </p:blipFill>
-        <p:spPr>
-          <a:xfrm>
-            <a:off x="1835696" y="2303888"/>
-            <a:ext cx="4648696" cy="3385605"/>
-          </a:xfrm>
-          <a:prstGeom prst="rect">
-            <a:avLst/>
-          </a:prstGeom>
-        </p:spPr>
-      </p:pic>
-      <p:sp>
-        <p:nvSpPr>
-          <p:cNvPr id="2" name="Rechteck 1"/>
-          <p:cNvSpPr/>
-          <p:nvPr/>
-        </p:nvSpPr>
-        <p:spPr>
-          <a:xfrm rot="20659106">
-            <a:off x="775668" y="3464928"/>
-            <a:ext cx="6768752" cy="792088"/>
-          </a:xfrm>
-          <a:prstGeom prst="rect">
-            <a:avLst/>
-          </a:prstGeom>
-          <a:solidFill>
-            <a:schemeClr val="tx2">
-              <a:lumMod val="20000"/>
-              <a:lumOff val="80000"/>
-            </a:schemeClr>
-          </a:solidFill>
-          <a:ln>
-            <a:noFill/>
-          </a:ln>
-        </p:spPr>
-        <p:style>
-          <a:lnRef idx="2">
-            <a:schemeClr val="accent1">
-              <a:shade val="50000"/>
-            </a:schemeClr>
-          </a:lnRef>
-          <a:fillRef idx="1">
-            <a:schemeClr val="accent1"/>
-          </a:fillRef>
-          <a:effectRef idx="0">
-            <a:schemeClr val="accent1"/>
-          </a:effectRef>
-          <a:fontRef idx="minor">
-            <a:schemeClr val="lt1"/>
-          </a:fontRef>
-        </p:style>
-        <p:txBody>
-          <a:bodyPr rtlCol="0" anchor="ctr"/>
-          <a:lstStyle/>
-          <a:p>
-            <a:pPr algn="ctr"/>
-            <a:endParaRPr lang="de-AT"/>
-          </a:p>
-        </p:txBody>
-      </p:sp>
-      <p:sp>
-        <p:nvSpPr>
-          <p:cNvPr id="10" name="Inhaltsplatzhalter 9"/>
-          <p:cNvSpPr>
-            <a:spLocks noGrp="1"/>
-          </p:cNvSpPr>
-          <p:nvPr>
-            <p:ph idx="1"/>
-          </p:nvPr>
-        </p:nvSpPr>
-        <p:spPr>
-          <a:xfrm rot="20668741">
-            <a:off x="2097710" y="3428071"/>
-            <a:ext cx="5200682" cy="1052483"/>
-          </a:xfrm>
-        </p:spPr>
-        <p:txBody>
-          <a:bodyPr/>
-          <a:lstStyle/>
-          <a:p>
-            <a:r>
-              <a:rPr lang="de-AT" sz="3200" b="1" dirty="0" smtClean="0">
-                <a:solidFill>
-                  <a:srgbClr val="FF0000"/>
-                </a:solidFill>
-              </a:rPr>
-              <a:t>Select relevant </a:t>
-            </a:r>
-            <a:r>
-              <a:rPr lang="de-AT" sz="3200" b="1" dirty="0" err="1" smtClean="0">
-                <a:solidFill>
-                  <a:srgbClr val="FF0000"/>
-                </a:solidFill>
-              </a:rPr>
-              <a:t>ones</a:t>
-            </a:r>
-            <a:r>
-              <a:rPr lang="de-AT" sz="3200" b="1" dirty="0" smtClean="0">
-                <a:solidFill>
-                  <a:srgbClr val="FF0000"/>
-                </a:solidFill>
-              </a:rPr>
-              <a:t>!</a:t>
-            </a:r>
-            <a:endParaRPr lang="de-AT" sz="3200" b="1" dirty="0">
-              <a:solidFill>
-                <a:srgbClr val="FF0000"/>
-              </a:solidFill>
-            </a:endParaRPr>
+            <a:endParaRPr lang="de-AT" altLang="de-DE"/>
           </a:p>
         </p:txBody>
       </p:sp>
     </p:spTree>
     <p:extLst>
       <p:ext uri="{BB962C8B-B14F-4D97-AF65-F5344CB8AC3E}">
-        <p14:creationId xmlns:p14="http://schemas.microsoft.com/office/powerpoint/2010/main" val="524891382"/>
+        <p14:creationId xmlns:p14="http://schemas.microsoft.com/office/powerpoint/2010/main" val="1512534828"/>
       </p:ext>
     </p:extLst>
   </p:cSld>
@@ -8364,7 +8241,7 @@
       </p:grpSpPr>
       <p:sp>
         <p:nvSpPr>
-          <p:cNvPr id="2" name="Titel 1"/>
+          <p:cNvPr id="5" name="Titel 4"/>
           <p:cNvSpPr>
             <a:spLocks noGrp="1"/>
           </p:cNvSpPr>
@@ -8379,7 +8256,15 @@
           <a:p>
             <a:r>
               <a:rPr lang="de-AT" dirty="0" smtClean="0"/>
-              <a:t>Motivation</a:t>
+              <a:t>Structured </a:t>
+            </a:r>
+            <a:r>
+              <a:rPr lang="de-AT" dirty="0" err="1" smtClean="0"/>
+              <a:t>features</a:t>
+            </a:r>
+            <a:r>
+              <a:rPr lang="de-AT" dirty="0" smtClean="0"/>
+              <a:t> </a:t>
             </a:r>
             <a:endParaRPr lang="de-AT" dirty="0"/>
           </a:p>
@@ -8405,12 +8290,12 @@
               <a:buChar char="•"/>
             </a:pPr>
             <a:r>
-              <a:rPr lang="en-US" dirty="0"/>
-              <a:t>Remove </a:t>
-            </a:r>
-            <a:r>
-              <a:rPr lang="en-US" dirty="0" smtClean="0"/>
-              <a:t>redundancy</a:t>
+              <a:rPr lang="de-AT" dirty="0"/>
+              <a:t>Certain assumption about </a:t>
+            </a:r>
+            <a:r>
+              <a:rPr lang="de-AT" dirty="0" smtClean="0"/>
+              <a:t>structure</a:t>
             </a:r>
           </a:p>
           <a:p>
@@ -8418,7 +8303,7 @@
               <a:buFont typeface="Arial" panose="020B0604020202020204" pitchFamily="34" charset="0"/>
               <a:buChar char="•"/>
             </a:pPr>
-            <a:endParaRPr lang="en-US" dirty="0"/>
+            <a:endParaRPr lang="de-AT" dirty="0"/>
           </a:p>
           <a:p>
             <a:pPr>
@@ -8426,12 +8311,8 @@
               <a:buChar char="•"/>
             </a:pPr>
             <a:r>
-              <a:rPr lang="en-US" dirty="0"/>
-              <a:t>Expressive representation of </a:t>
-            </a:r>
-            <a:r>
-              <a:rPr lang="en-US" dirty="0" smtClean="0"/>
-              <a:t>data</a:t>
+              <a:rPr lang="de-AT" dirty="0" smtClean="0"/>
+              <a:t>Select/discard related features</a:t>
             </a:r>
           </a:p>
           <a:p>
@@ -8439,7 +8320,7 @@
               <a:buFont typeface="Arial" panose="020B0604020202020204" pitchFamily="34" charset="0"/>
               <a:buChar char="•"/>
             </a:pPr>
-            <a:endParaRPr lang="en-US" dirty="0"/>
+            <a:endParaRPr lang="de-AT" dirty="0"/>
           </a:p>
           <a:p>
             <a:pPr>
@@ -8447,36 +8328,31 @@
               <a:buChar char="•"/>
             </a:pPr>
             <a:r>
-              <a:rPr lang="en-US" dirty="0"/>
-              <a:t>More accurate classification  </a:t>
-            </a:r>
-            <a:endParaRPr lang="en-US" dirty="0" smtClean="0"/>
-          </a:p>
-          <a:p>
-            <a:pPr>
-              <a:buFont typeface="Arial" panose="020B0604020202020204" pitchFamily="34" charset="0"/>
-              <a:buChar char="•"/>
-            </a:pPr>
-            <a:endParaRPr lang="en-US" dirty="0"/>
-          </a:p>
-          <a:p>
-            <a:pPr>
-              <a:buFont typeface="Arial" panose="020B0604020202020204" pitchFamily="34" charset="0"/>
-              <a:buChar char="•"/>
-            </a:pPr>
-            <a:r>
-              <a:rPr lang="en-US" dirty="0"/>
-              <a:t>Speed up computation time</a:t>
-            </a:r>
-          </a:p>
-          <a:p>
+              <a:rPr lang="de-AT" dirty="0" smtClean="0"/>
+              <a:t>Usually outperforms </a:t>
+            </a:r>
+            <a:r>
+              <a:rPr lang="de-AT" dirty="0"/>
+              <a:t>flat feature </a:t>
+            </a:r>
+            <a:r>
+              <a:rPr lang="de-AT" dirty="0" smtClean="0"/>
+              <a:t>methods</a:t>
+            </a:r>
+          </a:p>
+          <a:p>
+            <a:pPr marL="0" indent="0"/>
             <a:endParaRPr lang="de-AT" dirty="0"/>
           </a:p>
-        </p:txBody>
-      </p:sp>
-      <p:sp>
-        <p:nvSpPr>
-          <p:cNvPr id="7" name="Datumsplatzhalter 6"/>
+          <a:p>
+            <a:pPr marL="0" indent="0"/>
+            <a:endParaRPr lang="de-AT" dirty="0" smtClean="0"/>
+          </a:p>
+        </p:txBody>
+      </p:sp>
+      <p:sp>
+        <p:nvSpPr>
+          <p:cNvPr id="2" name="Datumsplatzhalter 1"/>
           <p:cNvSpPr>
             <a:spLocks noGrp="1"/>
           </p:cNvSpPr>
@@ -8492,9 +8368,9 @@
             <a:pPr>
               <a:defRPr/>
             </a:pPr>
-            <a:fld id="{AD565B81-DCF3-4C72-A4FA-7ED2F69DD174}" type="datetime1">
+            <a:fld id="{7F9F0724-28A3-464E-9206-291DC7902ABF}" type="datetime1">
               <a:rPr lang="de-AT" smtClean="0"/>
-              <a:t>25.01.2016</a:t>
+              <a:t>26.01.2016</a:t>
             </a:fld>
             <a:endParaRPr lang="de-AT" dirty="0"/>
           </a:p>
@@ -8502,7 +8378,7 @@
       </p:sp>
       <p:sp>
         <p:nvSpPr>
-          <p:cNvPr id="8" name="Fußzeilenplatzhalter 7"/>
+          <p:cNvPr id="3" name="Fußzeilenplatzhalter 2"/>
           <p:cNvSpPr>
             <a:spLocks noGrp="1"/>
           </p:cNvSpPr>
@@ -8528,7 +8404,7 @@
       </p:sp>
       <p:sp>
         <p:nvSpPr>
-          <p:cNvPr id="9" name="Foliennummernplatzhalter 8"/>
+          <p:cNvPr id="4" name="Foliennummernplatzhalter 3"/>
           <p:cNvSpPr>
             <a:spLocks noGrp="1"/>
           </p:cNvSpPr>
@@ -8553,7 +8429,7 @@
     </p:spTree>
     <p:extLst>
       <p:ext uri="{BB962C8B-B14F-4D97-AF65-F5344CB8AC3E}">
-        <p14:creationId xmlns:p14="http://schemas.microsoft.com/office/powerpoint/2010/main" val="1512534828"/>
+        <p14:creationId xmlns:p14="http://schemas.microsoft.com/office/powerpoint/2010/main" val="218227754"/>
       </p:ext>
     </p:extLst>
   </p:cSld>
@@ -8596,16 +8472,32 @@
           <a:lstStyle/>
           <a:p>
             <a:r>
+              <a:rPr lang="de-AT" dirty="0" err="1" smtClean="0"/>
+              <a:t>Methods</a:t>
+            </a:r>
+            <a:r>
               <a:rPr lang="de-AT" dirty="0" smtClean="0"/>
-              <a:t>Structured </a:t>
+              <a:t> </a:t>
+            </a:r>
+            <a:r>
+              <a:rPr lang="de-AT" dirty="0" err="1" smtClean="0"/>
+              <a:t>for</a:t>
+            </a:r>
+            <a:r>
+              <a:rPr lang="de-AT" dirty="0" smtClean="0"/>
+              <a:t> </a:t>
+            </a:r>
+            <a:r>
+              <a:rPr lang="de-AT" dirty="0" err="1" smtClean="0"/>
+              <a:t>structured</a:t>
+            </a:r>
+            <a:r>
+              <a:rPr lang="de-AT" dirty="0" smtClean="0"/>
+              <a:t> </a:t>
             </a:r>
             <a:r>
               <a:rPr lang="de-AT" dirty="0" err="1" smtClean="0"/>
               <a:t>features</a:t>
-            </a:r>
-            <a:r>
-              <a:rPr lang="de-AT" dirty="0" smtClean="0"/>
-              <a:t> </a:t>
             </a:r>
             <a:endParaRPr lang="de-AT" dirty="0"/>
           </a:p>
@@ -8632,12 +8524,9 @@
             </a:pPr>
             <a:r>
               <a:rPr lang="de-AT" dirty="0"/>
-              <a:t>Certain assumption about </a:t>
-            </a:r>
-            <a:r>
-              <a:rPr lang="de-AT" dirty="0" smtClean="0"/>
-              <a:t>structure</a:t>
-            </a:r>
+              <a:t>Group </a:t>
+            </a:r>
+            <a:endParaRPr lang="de-AT" dirty="0" smtClean="0"/>
           </a:p>
           <a:p>
             <a:pPr>
@@ -8653,7 +8542,7 @@
             </a:pPr>
             <a:r>
               <a:rPr lang="de-AT" dirty="0" smtClean="0"/>
-              <a:t>Select/discard related features</a:t>
+              <a:t>Tree</a:t>
             </a:r>
           </a:p>
           <a:p>
@@ -8670,24 +8559,11 @@
             </a:pPr>
             <a:r>
               <a:rPr lang="de-AT" dirty="0" smtClean="0"/>
-              <a:t>Usually outperforms </a:t>
-            </a:r>
-            <a:r>
-              <a:rPr lang="de-AT" dirty="0"/>
-              <a:t>flat feature </a:t>
-            </a:r>
-            <a:r>
-              <a:rPr lang="de-AT" dirty="0" smtClean="0"/>
-              <a:t>methods</a:t>
-            </a:r>
-          </a:p>
-          <a:p>
-            <a:pPr marL="0" indent="0"/>
+              <a:t>Graph</a:t>
+            </a:r>
+          </a:p>
+          <a:p>
             <a:endParaRPr lang="de-AT" dirty="0"/>
-          </a:p>
-          <a:p>
-            <a:pPr marL="0" indent="0"/>
-            <a:endParaRPr lang="de-AT" dirty="0" smtClean="0"/>
           </a:p>
         </p:txBody>
       </p:sp>
@@ -8709,9 +8585,9 @@
             <a:pPr>
               <a:defRPr/>
             </a:pPr>
-            <a:fld id="{7F9F0724-28A3-464E-9206-291DC7902ABF}" type="datetime1">
+            <a:fld id="{E3EF207F-073F-41B4-A8D0-129C1C351EF1}" type="datetime1">
               <a:rPr lang="de-AT" smtClean="0"/>
-              <a:t>25.01.2016</a:t>
+              <a:t>26.01.2016</a:t>
             </a:fld>
             <a:endParaRPr lang="de-AT" dirty="0"/>
           </a:p>
@@ -8770,7 +8646,7 @@
     </p:spTree>
     <p:extLst>
       <p:ext uri="{BB962C8B-B14F-4D97-AF65-F5344CB8AC3E}">
-        <p14:creationId xmlns:p14="http://schemas.microsoft.com/office/powerpoint/2010/main" val="218227754"/>
+        <p14:creationId xmlns:p14="http://schemas.microsoft.com/office/powerpoint/2010/main" val="3280210728"/>
       </p:ext>
     </p:extLst>
   </p:cSld>
@@ -8813,97 +8689,9 @@
           <a:lstStyle/>
           <a:p>
             <a:r>
-              <a:rPr lang="de-AT" dirty="0" err="1" smtClean="0"/>
-              <a:t>Methods</a:t>
-            </a:r>
-            <a:r>
               <a:rPr lang="de-AT" dirty="0" smtClean="0"/>
-              <a:t> </a:t>
-            </a:r>
-            <a:r>
-              <a:rPr lang="de-AT" dirty="0" err="1" smtClean="0"/>
-              <a:t>for</a:t>
-            </a:r>
-            <a:r>
-              <a:rPr lang="de-AT" dirty="0" smtClean="0"/>
-              <a:t> </a:t>
-            </a:r>
-            <a:r>
-              <a:rPr lang="de-AT" dirty="0" err="1" smtClean="0"/>
-              <a:t>structured</a:t>
-            </a:r>
-            <a:r>
-              <a:rPr lang="de-AT" dirty="0" smtClean="0"/>
-              <a:t> </a:t>
-            </a:r>
-            <a:r>
-              <a:rPr lang="de-AT" dirty="0" err="1" smtClean="0"/>
-              <a:t>features</a:t>
-            </a:r>
-            <a:endParaRPr lang="de-AT" dirty="0"/>
-          </a:p>
-        </p:txBody>
-      </p:sp>
-      <p:sp>
-        <p:nvSpPr>
-          <p:cNvPr id="6" name="Inhaltsplatzhalter 5"/>
-          <p:cNvSpPr>
-            <a:spLocks noGrp="1"/>
-          </p:cNvSpPr>
-          <p:nvPr>
-            <p:ph idx="1"/>
-          </p:nvPr>
-        </p:nvSpPr>
-        <p:spPr/>
-        <p:txBody>
-          <a:bodyPr/>
-          <a:lstStyle/>
-          <a:p>
-            <a:pPr>
-              <a:buFont typeface="Arial" panose="020B0604020202020204" pitchFamily="34" charset="0"/>
-              <a:buChar char="•"/>
-            </a:pPr>
-            <a:r>
-              <a:rPr lang="de-AT" dirty="0"/>
-              <a:t>Group </a:t>
-            </a:r>
-            <a:endParaRPr lang="de-AT" dirty="0" smtClean="0"/>
-          </a:p>
-          <a:p>
-            <a:pPr>
-              <a:buFont typeface="Arial" panose="020B0604020202020204" pitchFamily="34" charset="0"/>
-              <a:buChar char="•"/>
-            </a:pPr>
-            <a:endParaRPr lang="de-AT" dirty="0"/>
-          </a:p>
-          <a:p>
-            <a:pPr>
-              <a:buFont typeface="Arial" panose="020B0604020202020204" pitchFamily="34" charset="0"/>
-              <a:buChar char="•"/>
-            </a:pPr>
-            <a:r>
-              <a:rPr lang="de-AT" dirty="0" smtClean="0"/>
-              <a:t>Tree</a:t>
-            </a:r>
-          </a:p>
-          <a:p>
-            <a:pPr>
-              <a:buFont typeface="Arial" panose="020B0604020202020204" pitchFamily="34" charset="0"/>
-              <a:buChar char="•"/>
-            </a:pPr>
-            <a:endParaRPr lang="de-AT" dirty="0"/>
-          </a:p>
-          <a:p>
-            <a:pPr>
-              <a:buFont typeface="Arial" panose="020B0604020202020204" pitchFamily="34" charset="0"/>
-              <a:buChar char="•"/>
-            </a:pPr>
-            <a:r>
-              <a:rPr lang="de-AT" dirty="0" smtClean="0"/>
-              <a:t>Graph</a:t>
-            </a:r>
-          </a:p>
-          <a:p>
+              <a:t>Structured features: Group</a:t>
+            </a:r>
             <a:endParaRPr lang="de-AT" dirty="0"/>
           </a:p>
         </p:txBody>
@@ -8928,7 +8716,7 @@
             </a:pPr>
             <a:fld id="{E3EF207F-073F-41B4-A8D0-129C1C351EF1}" type="datetime1">
               <a:rPr lang="de-AT" smtClean="0"/>
-              <a:t>25.01.2016</a:t>
+              <a:t>26.01.2016</a:t>
             </a:fld>
             <a:endParaRPr lang="de-AT" dirty="0"/>
           </a:p>
@@ -8984,10 +8772,92 @@
           </a:p>
         </p:txBody>
       </p:sp>
+      <p:sp>
+        <p:nvSpPr>
+          <p:cNvPr id="7" name="Content Placeholder 6"/>
+          <p:cNvSpPr>
+            <a:spLocks noGrp="1"/>
+          </p:cNvSpPr>
+          <p:nvPr>
+            <p:ph idx="1"/>
+          </p:nvPr>
+        </p:nvSpPr>
+        <p:spPr/>
+        <p:txBody>
+          <a:bodyPr/>
+          <a:lstStyle/>
+          <a:p>
+            <a:pPr>
+              <a:buFont typeface="Arial" panose="020B0604020202020204" pitchFamily="34" charset="0"/>
+              <a:buChar char="•"/>
+            </a:pPr>
+            <a:r>
+              <a:rPr lang="en-US" dirty="0" smtClean="0"/>
+              <a:t>Cluster features into groups</a:t>
+            </a:r>
+          </a:p>
+          <a:p>
+            <a:pPr>
+              <a:buFont typeface="Arial" panose="020B0604020202020204" pitchFamily="34" charset="0"/>
+              <a:buChar char="•"/>
+            </a:pPr>
+            <a:endParaRPr lang="en-US" dirty="0" smtClean="0"/>
+          </a:p>
+          <a:p>
+            <a:pPr>
+              <a:buFont typeface="Arial" panose="020B0604020202020204" pitchFamily="34" charset="0"/>
+              <a:buChar char="•"/>
+            </a:pPr>
+            <a:r>
+              <a:rPr lang="en-US" dirty="0" smtClean="0"/>
+              <a:t>Groups more likely to be selected completely</a:t>
+            </a:r>
+          </a:p>
+          <a:p>
+            <a:pPr>
+              <a:buFont typeface="Arial" panose="020B0604020202020204" pitchFamily="34" charset="0"/>
+              <a:buChar char="•"/>
+            </a:pPr>
+            <a:endParaRPr lang="en-US" dirty="0"/>
+          </a:p>
+          <a:p>
+            <a:pPr>
+              <a:buFont typeface="Arial" panose="020B0604020202020204" pitchFamily="34" charset="0"/>
+              <a:buChar char="•"/>
+            </a:pPr>
+            <a:r>
+              <a:rPr lang="en-US" dirty="0" smtClean="0"/>
+              <a:t>Challenges:</a:t>
+            </a:r>
+          </a:p>
+          <a:p>
+            <a:pPr lvl="1"/>
+            <a:r>
+              <a:rPr lang="en-US" dirty="0" smtClean="0"/>
+              <a:t>Group- or feature-selection?</a:t>
+            </a:r>
+          </a:p>
+          <a:p>
+            <a:pPr lvl="1"/>
+            <a:r>
+              <a:rPr lang="en-US" dirty="0" smtClean="0"/>
+              <a:t>Overlapping groups</a:t>
+            </a:r>
+          </a:p>
+          <a:p>
+            <a:pPr algn="r"/>
+            <a:r>
+              <a:rPr lang="en-US" dirty="0" smtClean="0"/>
+              <a:t>e.g. Sparse Group Lasso</a:t>
+            </a:r>
+            <a:endParaRPr lang="en-US" dirty="0"/>
+          </a:p>
+        </p:txBody>
+      </p:sp>
     </p:spTree>
     <p:extLst>
       <p:ext uri="{BB962C8B-B14F-4D97-AF65-F5344CB8AC3E}">
-        <p14:creationId xmlns:p14="http://schemas.microsoft.com/office/powerpoint/2010/main" val="3280210728"/>
+        <p14:creationId xmlns:p14="http://schemas.microsoft.com/office/powerpoint/2010/main" val="3299229457"/>
       </p:ext>
     </p:extLst>
   </p:cSld>
@@ -9030,8 +8900,19 @@
           <a:lstStyle/>
           <a:p>
             <a:r>
+              <a:rPr lang="de-AT" sz="2800" dirty="0" smtClean="0"/>
+              <a:t>Structured features: Group</a:t>
+            </a:r>
+            <a:r>
               <a:rPr lang="de-AT" dirty="0" smtClean="0"/>
-              <a:t>Structured features: Group</a:t>
+              <a:t/>
+            </a:r>
+            <a:br>
+              <a:rPr lang="de-AT" dirty="0" smtClean="0"/>
+            </a:br>
+            <a:r>
+              <a:rPr lang="de-AT" sz="3200" dirty="0" smtClean="0"/>
+              <a:t>Example: (Sparse) Group Lasso</a:t>
             </a:r>
             <a:endParaRPr lang="de-AT" dirty="0"/>
           </a:p>
@@ -9057,7 +8938,7 @@
             </a:pPr>
             <a:fld id="{E3EF207F-073F-41B4-A8D0-129C1C351EF1}" type="datetime1">
               <a:rPr lang="de-AT" smtClean="0"/>
-              <a:t>25.01.2016</a:t>
+              <a:t>26.01.2016</a:t>
             </a:fld>
             <a:endParaRPr lang="de-AT" dirty="0"/>
           </a:p>
@@ -9108,232 +8989,6 @@
               <a:rPr lang="de-AT" altLang="de-DE" smtClean="0"/>
               <a:pPr/>
               <a:t>8</a:t>
-            </a:fld>
-            <a:endParaRPr lang="de-AT" altLang="de-DE"/>
-          </a:p>
-        </p:txBody>
-      </p:sp>
-      <p:sp>
-        <p:nvSpPr>
-          <p:cNvPr id="7" name="Content Placeholder 6"/>
-          <p:cNvSpPr>
-            <a:spLocks noGrp="1"/>
-          </p:cNvSpPr>
-          <p:nvPr>
-            <p:ph idx="1"/>
-          </p:nvPr>
-        </p:nvSpPr>
-        <p:spPr/>
-        <p:txBody>
-          <a:bodyPr/>
-          <a:lstStyle/>
-          <a:p>
-            <a:pPr>
-              <a:buFont typeface="Arial" panose="020B0604020202020204" pitchFamily="34" charset="0"/>
-              <a:buChar char="•"/>
-            </a:pPr>
-            <a:r>
-              <a:rPr lang="en-US" dirty="0" smtClean="0"/>
-              <a:t>Cluster features into groups</a:t>
-            </a:r>
-          </a:p>
-          <a:p>
-            <a:pPr>
-              <a:buFont typeface="Arial" panose="020B0604020202020204" pitchFamily="34" charset="0"/>
-              <a:buChar char="•"/>
-            </a:pPr>
-            <a:endParaRPr lang="en-US" dirty="0" smtClean="0"/>
-          </a:p>
-          <a:p>
-            <a:pPr>
-              <a:buFont typeface="Arial" panose="020B0604020202020204" pitchFamily="34" charset="0"/>
-              <a:buChar char="•"/>
-            </a:pPr>
-            <a:r>
-              <a:rPr lang="en-US" dirty="0" smtClean="0"/>
-              <a:t>Groups more likely to be selected completely</a:t>
-            </a:r>
-          </a:p>
-          <a:p>
-            <a:pPr>
-              <a:buFont typeface="Arial" panose="020B0604020202020204" pitchFamily="34" charset="0"/>
-              <a:buChar char="•"/>
-            </a:pPr>
-            <a:endParaRPr lang="en-US" dirty="0"/>
-          </a:p>
-          <a:p>
-            <a:pPr>
-              <a:buFont typeface="Arial" panose="020B0604020202020204" pitchFamily="34" charset="0"/>
-              <a:buChar char="•"/>
-            </a:pPr>
-            <a:r>
-              <a:rPr lang="en-US" dirty="0" smtClean="0"/>
-              <a:t>Challenges:</a:t>
-            </a:r>
-          </a:p>
-          <a:p>
-            <a:pPr lvl="1"/>
-            <a:r>
-              <a:rPr lang="en-US" dirty="0" smtClean="0"/>
-              <a:t>Group- or feature-selection?</a:t>
-            </a:r>
-          </a:p>
-          <a:p>
-            <a:pPr lvl="1"/>
-            <a:r>
-              <a:rPr lang="en-US" dirty="0" smtClean="0"/>
-              <a:t>Overlapping groups</a:t>
-            </a:r>
-          </a:p>
-          <a:p>
-            <a:pPr algn="r"/>
-            <a:r>
-              <a:rPr lang="en-US" dirty="0" smtClean="0"/>
-              <a:t>e.g. Sparse Group Lasso</a:t>
-            </a:r>
-            <a:endParaRPr lang="en-US" dirty="0"/>
-          </a:p>
-        </p:txBody>
-      </p:sp>
-    </p:spTree>
-    <p:extLst>
-      <p:ext uri="{BB962C8B-B14F-4D97-AF65-F5344CB8AC3E}">
-        <p14:creationId xmlns:p14="http://schemas.microsoft.com/office/powerpoint/2010/main" val="3299229457"/>
-      </p:ext>
-    </p:extLst>
-  </p:cSld>
-  <p:clrMapOvr>
-    <a:masterClrMapping/>
-  </p:clrMapOvr>
-</p:sld>
-</file>
-
-<file path=ppt/slides/slide9.xml><?xml version="1.0" encoding="utf-8"?>
-<p:sld xmlns:a="http://schemas.openxmlformats.org/drawingml/2006/main" xmlns:r="http://schemas.openxmlformats.org/officeDocument/2006/relationships" xmlns:p="http://schemas.openxmlformats.org/presentationml/2006/main">
-  <p:cSld>
-    <p:spTree>
-      <p:nvGrpSpPr>
-        <p:cNvPr id="1" name=""/>
-        <p:cNvGrpSpPr/>
-        <p:nvPr/>
-      </p:nvGrpSpPr>
-      <p:grpSpPr>
-        <a:xfrm>
-          <a:off x="0" y="0"/>
-          <a:ext cx="0" cy="0"/>
-          <a:chOff x="0" y="0"/>
-          <a:chExt cx="0" cy="0"/>
-        </a:xfrm>
-      </p:grpSpPr>
-      <p:sp>
-        <p:nvSpPr>
-          <p:cNvPr id="5" name="Titel 4"/>
-          <p:cNvSpPr>
-            <a:spLocks noGrp="1"/>
-          </p:cNvSpPr>
-          <p:nvPr>
-            <p:ph type="title"/>
-          </p:nvPr>
-        </p:nvSpPr>
-        <p:spPr/>
-        <p:txBody>
-          <a:bodyPr/>
-          <a:lstStyle/>
-          <a:p>
-            <a:r>
-              <a:rPr lang="de-AT" sz="2800" dirty="0" smtClean="0"/>
-              <a:t>Structured features: Group</a:t>
-            </a:r>
-            <a:r>
-              <a:rPr lang="de-AT" dirty="0" smtClean="0"/>
-              <a:t/>
-            </a:r>
-            <a:br>
-              <a:rPr lang="de-AT" dirty="0" smtClean="0"/>
-            </a:br>
-            <a:r>
-              <a:rPr lang="de-AT" sz="3200" dirty="0" smtClean="0"/>
-              <a:t>Example: (Sparse) </a:t>
-            </a:r>
-            <a:r>
-              <a:rPr lang="de-AT" sz="3200" dirty="0" smtClean="0"/>
-              <a:t>Group Lasso</a:t>
-            </a:r>
-            <a:endParaRPr lang="de-AT" dirty="0"/>
-          </a:p>
-        </p:txBody>
-      </p:sp>
-      <p:sp>
-        <p:nvSpPr>
-          <p:cNvPr id="2" name="Datumsplatzhalter 1"/>
-          <p:cNvSpPr>
-            <a:spLocks noGrp="1"/>
-          </p:cNvSpPr>
-          <p:nvPr>
-            <p:ph type="dt" sz="half" idx="10"/>
-          </p:nvPr>
-        </p:nvSpPr>
-        <p:spPr/>
-        <p:txBody>
-          <a:bodyPr/>
-          <a:lstStyle/>
-          <a:p>
-            <a:pPr>
-              <a:defRPr/>
-            </a:pPr>
-            <a:fld id="{E3EF207F-073F-41B4-A8D0-129C1C351EF1}" type="datetime1">
-              <a:rPr lang="de-AT" smtClean="0"/>
-              <a:t>25.01.2016</a:t>
-            </a:fld>
-            <a:endParaRPr lang="de-AT" dirty="0"/>
-          </a:p>
-        </p:txBody>
-      </p:sp>
-      <p:sp>
-        <p:nvSpPr>
-          <p:cNvPr id="3" name="Fußzeilenplatzhalter 2"/>
-          <p:cNvSpPr>
-            <a:spLocks noGrp="1"/>
-          </p:cNvSpPr>
-          <p:nvPr>
-            <p:ph type="ftr" sz="quarter" idx="11"/>
-          </p:nvPr>
-        </p:nvSpPr>
-        <p:spPr/>
-        <p:txBody>
-          <a:bodyPr/>
-          <a:lstStyle/>
-          <a:p>
-            <a:pPr>
-              <a:defRPr/>
-            </a:pPr>
-            <a:r>
-              <a:rPr lang="de-AT" smtClean="0"/>
-              <a:t>Silvana Podaras &amp; Florian Schober</a:t>
-            </a:r>
-            <a:endParaRPr lang="de-AT"/>
-          </a:p>
-        </p:txBody>
-      </p:sp>
-      <p:sp>
-        <p:nvSpPr>
-          <p:cNvPr id="4" name="Foliennummernplatzhalter 3"/>
-          <p:cNvSpPr>
-            <a:spLocks noGrp="1"/>
-          </p:cNvSpPr>
-          <p:nvPr>
-            <p:ph type="sldNum" sz="quarter" idx="12"/>
-          </p:nvPr>
-        </p:nvSpPr>
-        <p:spPr/>
-        <p:txBody>
-          <a:bodyPr/>
-          <a:lstStyle/>
-          <a:p>
-            <a:fld id="{CA3F91B5-C267-4146-949F-EABEA95DB02A}" type="slidenum">
-              <a:rPr lang="de-AT" altLang="de-DE" smtClean="0"/>
-              <a:pPr/>
-              <a:t>9</a:t>
             </a:fld>
             <a:endParaRPr lang="de-AT" altLang="de-DE"/>
           </a:p>
@@ -9410,6 +9065,220 @@
     <p:extLst>
       <p:ext uri="{BB962C8B-B14F-4D97-AF65-F5344CB8AC3E}">
         <p14:creationId xmlns:p14="http://schemas.microsoft.com/office/powerpoint/2010/main" val="831775564"/>
+      </p:ext>
+    </p:extLst>
+  </p:cSld>
+  <p:clrMapOvr>
+    <a:masterClrMapping/>
+  </p:clrMapOvr>
+</p:sld>
+</file>
+
+<file path=ppt/slides/slide9.xml><?xml version="1.0" encoding="utf-8"?>
+<p:sld xmlns:a="http://schemas.openxmlformats.org/drawingml/2006/main" xmlns:r="http://schemas.openxmlformats.org/officeDocument/2006/relationships" xmlns:p="http://schemas.openxmlformats.org/presentationml/2006/main">
+  <p:cSld>
+    <p:spTree>
+      <p:nvGrpSpPr>
+        <p:cNvPr id="1" name=""/>
+        <p:cNvGrpSpPr/>
+        <p:nvPr/>
+      </p:nvGrpSpPr>
+      <p:grpSpPr>
+        <a:xfrm>
+          <a:off x="0" y="0"/>
+          <a:ext cx="0" cy="0"/>
+          <a:chOff x="0" y="0"/>
+          <a:chExt cx="0" cy="0"/>
+        </a:xfrm>
+      </p:grpSpPr>
+      <p:sp>
+        <p:nvSpPr>
+          <p:cNvPr id="5" name="Titel 4"/>
+          <p:cNvSpPr>
+            <a:spLocks noGrp="1"/>
+          </p:cNvSpPr>
+          <p:nvPr>
+            <p:ph type="title"/>
+          </p:nvPr>
+        </p:nvSpPr>
+        <p:spPr/>
+        <p:txBody>
+          <a:bodyPr/>
+          <a:lstStyle/>
+          <a:p>
+            <a:r>
+              <a:rPr lang="de-AT" dirty="0" smtClean="0"/>
+              <a:t>Structured features: Tree</a:t>
+            </a:r>
+            <a:endParaRPr lang="de-AT" dirty="0"/>
+          </a:p>
+        </p:txBody>
+      </p:sp>
+      <p:sp>
+        <p:nvSpPr>
+          <p:cNvPr id="2" name="Datumsplatzhalter 1"/>
+          <p:cNvSpPr>
+            <a:spLocks noGrp="1"/>
+          </p:cNvSpPr>
+          <p:nvPr>
+            <p:ph type="dt" sz="half" idx="10"/>
+          </p:nvPr>
+        </p:nvSpPr>
+        <p:spPr/>
+        <p:txBody>
+          <a:bodyPr/>
+          <a:lstStyle/>
+          <a:p>
+            <a:pPr>
+              <a:defRPr/>
+            </a:pPr>
+            <a:fld id="{E3EF207F-073F-41B4-A8D0-129C1C351EF1}" type="datetime1">
+              <a:rPr lang="de-AT" smtClean="0"/>
+              <a:t>26.01.2016</a:t>
+            </a:fld>
+            <a:endParaRPr lang="de-AT" dirty="0"/>
+          </a:p>
+        </p:txBody>
+      </p:sp>
+      <p:sp>
+        <p:nvSpPr>
+          <p:cNvPr id="3" name="Fußzeilenplatzhalter 2"/>
+          <p:cNvSpPr>
+            <a:spLocks noGrp="1"/>
+          </p:cNvSpPr>
+          <p:nvPr>
+            <p:ph type="ftr" sz="quarter" idx="11"/>
+          </p:nvPr>
+        </p:nvSpPr>
+        <p:spPr/>
+        <p:txBody>
+          <a:bodyPr/>
+          <a:lstStyle/>
+          <a:p>
+            <a:pPr>
+              <a:defRPr/>
+            </a:pPr>
+            <a:r>
+              <a:rPr lang="de-AT" smtClean="0"/>
+              <a:t>Silvana Podaras &amp; Florian Schober</a:t>
+            </a:r>
+            <a:endParaRPr lang="de-AT"/>
+          </a:p>
+        </p:txBody>
+      </p:sp>
+      <p:sp>
+        <p:nvSpPr>
+          <p:cNvPr id="4" name="Foliennummernplatzhalter 3"/>
+          <p:cNvSpPr>
+            <a:spLocks noGrp="1"/>
+          </p:cNvSpPr>
+          <p:nvPr>
+            <p:ph type="sldNum" sz="quarter" idx="12"/>
+          </p:nvPr>
+        </p:nvSpPr>
+        <p:spPr/>
+        <p:txBody>
+          <a:bodyPr/>
+          <a:lstStyle/>
+          <a:p>
+            <a:fld id="{CA3F91B5-C267-4146-949F-EABEA95DB02A}" type="slidenum">
+              <a:rPr lang="de-AT" altLang="de-DE" smtClean="0"/>
+              <a:pPr/>
+              <a:t>9</a:t>
+            </a:fld>
+            <a:endParaRPr lang="de-AT" altLang="de-DE"/>
+          </a:p>
+        </p:txBody>
+      </p:sp>
+      <p:sp>
+        <p:nvSpPr>
+          <p:cNvPr id="7" name="Content Placeholder 6"/>
+          <p:cNvSpPr>
+            <a:spLocks noGrp="1"/>
+          </p:cNvSpPr>
+          <p:nvPr>
+            <p:ph idx="1"/>
+          </p:nvPr>
+        </p:nvSpPr>
+        <p:spPr/>
+        <p:txBody>
+          <a:bodyPr/>
+          <a:lstStyle/>
+          <a:p>
+            <a:pPr>
+              <a:buFont typeface="Arial" panose="020B0604020202020204" pitchFamily="34" charset="0"/>
+              <a:buChar char="•"/>
+            </a:pPr>
+            <a:r>
+              <a:rPr lang="en-US" dirty="0" smtClean="0"/>
+              <a:t>Allows hierarchical groups</a:t>
+            </a:r>
+          </a:p>
+          <a:p>
+            <a:pPr>
+              <a:buFont typeface="Arial" panose="020B0604020202020204" pitchFamily="34" charset="0"/>
+              <a:buChar char="•"/>
+            </a:pPr>
+            <a:endParaRPr lang="en-US" dirty="0"/>
+          </a:p>
+          <a:p>
+            <a:pPr>
+              <a:buFont typeface="Arial" panose="020B0604020202020204" pitchFamily="34" charset="0"/>
+              <a:buChar char="•"/>
+            </a:pPr>
+            <a:r>
+              <a:rPr lang="en-US" dirty="0" smtClean="0"/>
+              <a:t>Features are leafs</a:t>
+            </a:r>
+          </a:p>
+          <a:p>
+            <a:pPr>
+              <a:buFont typeface="Arial" panose="020B0604020202020204" pitchFamily="34" charset="0"/>
+              <a:buChar char="•"/>
+            </a:pPr>
+            <a:endParaRPr lang="en-US" dirty="0" smtClean="0"/>
+          </a:p>
+          <a:p>
+            <a:pPr>
+              <a:buFont typeface="Arial" panose="020B0604020202020204" pitchFamily="34" charset="0"/>
+              <a:buChar char="•"/>
+            </a:pPr>
+            <a:r>
+              <a:rPr lang="en-US" dirty="0" smtClean="0"/>
+              <a:t>Can discard subtrees at once</a:t>
+            </a:r>
+          </a:p>
+          <a:p>
+            <a:endParaRPr lang="en-US" dirty="0"/>
+          </a:p>
+          <a:p>
+            <a:endParaRPr lang="en-US" dirty="0" smtClean="0"/>
+          </a:p>
+          <a:p>
+            <a:pPr algn="r"/>
+            <a:r>
+              <a:rPr lang="en-US" dirty="0" smtClean="0"/>
+              <a:t>e.g</a:t>
+            </a:r>
+            <a:r>
+              <a:rPr lang="en-US" dirty="0"/>
+              <a:t>. </a:t>
+            </a:r>
+            <a:r>
+              <a:rPr lang="en-US" dirty="0" smtClean="0"/>
+              <a:t>Tree </a:t>
+            </a:r>
+            <a:r>
+              <a:rPr lang="en-US" dirty="0"/>
+              <a:t>structured group Lasso</a:t>
+            </a:r>
+          </a:p>
+        </p:txBody>
+      </p:sp>
+    </p:spTree>
+    <p:extLst>
+      <p:ext uri="{BB962C8B-B14F-4D97-AF65-F5344CB8AC3E}">
+        <p14:creationId xmlns:p14="http://schemas.microsoft.com/office/powerpoint/2010/main" val="1983201118"/>
       </p:ext>
     </p:extLst>
   </p:cSld>
